--- a/前端專題提案報告.pptx
+++ b/前端專題提案報告.pptx
@@ -5,14 +5,18 @@
     <p:sldMasterId id="2147483648" r:id="rId1"/>
   </p:sldMasterIdLst>
   <p:sldIdLst>
-    <p:sldId id="256" r:id="rId3"/>
-    <p:sldId id="257" r:id="rId4"/>
-    <p:sldId id="259" r:id="rId5"/>
-    <p:sldId id="262" r:id="rId6"/>
-    <p:sldId id="263" r:id="rId7"/>
-    <p:sldId id="261" r:id="rId8"/>
-    <p:sldId id="265" r:id="rId9"/>
-    <p:sldId id="266" r:id="rId10"/>
+    <p:sldId id="256" r:id="rId2"/>
+    <p:sldId id="257" r:id="rId3"/>
+    <p:sldId id="263" r:id="rId4"/>
+    <p:sldId id="262" r:id="rId5"/>
+    <p:sldId id="261" r:id="rId6"/>
+    <p:sldId id="265" r:id="rId7"/>
+    <p:sldId id="267" r:id="rId8"/>
+    <p:sldId id="269" r:id="rId9"/>
+    <p:sldId id="268" r:id="rId10"/>
+    <p:sldId id="271" r:id="rId11"/>
+    <p:sldId id="266" r:id="rId12"/>
+    <p:sldId id="270" r:id="rId13"/>
   </p:sldIdLst>
   <p:sldSz cx="12192000" cy="6858000"/>
   <p:notesSz cx="6858000" cy="9144000"/>
@@ -111,6 +115,11 @@
       </a:defRPr>
     </a:lvl9pPr>
   </p:defaultTextStyle>
+  <p:extLst>
+    <p:ext uri="{EFAFB233-063F-42B5-8137-9DF3F51BA10A}">
+      <p15:sldGuideLst xmlns:p15="http://schemas.microsoft.com/office/powerpoint/2012/main"/>
+    </p:ext>
+  </p:extLst>
 </p:presentation>
 </file>
 
@@ -245,6 +254,7 @@
           <a:p>
             <a:fld id="{63A1C593-65D0-4073-BCC9-577B9352EA97}" type="datetimeFigureOut">
               <a:rPr lang="en-US" smtClean="0"/>
+              <a:t>1/14/2022</a:t>
             </a:fld>
             <a:endParaRPr lang="en-US"/>
           </a:p>
@@ -286,6 +296,7 @@
           <a:p>
             <a:fld id="{9B618960-8005-486C-9A75-10CB2AAC16F9}" type="slidenum">
               <a:rPr lang="en-US" smtClean="0"/>
+              <a:t>‹#›</a:t>
             </a:fld>
             <a:endParaRPr lang="en-US"/>
           </a:p>
@@ -359,7 +370,6 @@
               <a:rPr lang="en-US" smtClean="0"/>
               <a:t>Click to edit Master text styles</a:t>
             </a:r>
-            <a:endParaRPr lang="en-US" smtClean="0"/>
           </a:p>
           <a:p>
             <a:pPr lvl="1"/>
@@ -367,7 +377,6 @@
               <a:rPr lang="en-US" smtClean="0"/>
               <a:t>Second level</a:t>
             </a:r>
-            <a:endParaRPr lang="en-US" smtClean="0"/>
           </a:p>
           <a:p>
             <a:pPr lvl="2"/>
@@ -375,7 +384,6 @@
               <a:rPr lang="en-US" smtClean="0"/>
               <a:t>Third level</a:t>
             </a:r>
-            <a:endParaRPr lang="en-US" smtClean="0"/>
           </a:p>
           <a:p>
             <a:pPr lvl="3"/>
@@ -383,7 +391,6 @@
               <a:rPr lang="en-US" smtClean="0"/>
               <a:t>Fourth level</a:t>
             </a:r>
-            <a:endParaRPr lang="en-US" smtClean="0"/>
           </a:p>
           <a:p>
             <a:pPr lvl="4"/>
@@ -412,6 +419,7 @@
           <a:p>
             <a:fld id="{63A1C593-65D0-4073-BCC9-577B9352EA97}" type="datetimeFigureOut">
               <a:rPr lang="en-US" smtClean="0"/>
+              <a:t>1/14/2022</a:t>
             </a:fld>
             <a:endParaRPr lang="en-US"/>
           </a:p>
@@ -453,6 +461,7 @@
           <a:p>
             <a:fld id="{9B618960-8005-486C-9A75-10CB2AAC16F9}" type="slidenum">
               <a:rPr lang="en-US" smtClean="0"/>
+              <a:t>‹#›</a:t>
             </a:fld>
             <a:endParaRPr lang="en-US"/>
           </a:p>
@@ -536,7 +545,6 @@
               <a:rPr lang="en-US" smtClean="0"/>
               <a:t>Click to edit Master text styles</a:t>
             </a:r>
-            <a:endParaRPr lang="en-US" smtClean="0"/>
           </a:p>
           <a:p>
             <a:pPr lvl="1"/>
@@ -544,7 +552,6 @@
               <a:rPr lang="en-US" smtClean="0"/>
               <a:t>Second level</a:t>
             </a:r>
-            <a:endParaRPr lang="en-US" smtClean="0"/>
           </a:p>
           <a:p>
             <a:pPr lvl="2"/>
@@ -552,7 +559,6 @@
               <a:rPr lang="en-US" smtClean="0"/>
               <a:t>Third level</a:t>
             </a:r>
-            <a:endParaRPr lang="en-US" smtClean="0"/>
           </a:p>
           <a:p>
             <a:pPr lvl="3"/>
@@ -560,7 +566,6 @@
               <a:rPr lang="en-US" smtClean="0"/>
               <a:t>Fourth level</a:t>
             </a:r>
-            <a:endParaRPr lang="en-US" smtClean="0"/>
           </a:p>
           <a:p>
             <a:pPr lvl="4"/>
@@ -589,6 +594,7 @@
           <a:p>
             <a:fld id="{63A1C593-65D0-4073-BCC9-577B9352EA97}" type="datetimeFigureOut">
               <a:rPr lang="en-US" smtClean="0"/>
+              <a:t>1/14/2022</a:t>
             </a:fld>
             <a:endParaRPr lang="en-US"/>
           </a:p>
@@ -630,6 +636,7 @@
           <a:p>
             <a:fld id="{9B618960-8005-486C-9A75-10CB2AAC16F9}" type="slidenum">
               <a:rPr lang="en-US" smtClean="0"/>
+              <a:t>‹#›</a:t>
             </a:fld>
             <a:endParaRPr lang="en-US"/>
           </a:p>
@@ -703,7 +710,6 @@
               <a:rPr lang="en-US" smtClean="0"/>
               <a:t>Click to edit Master text styles</a:t>
             </a:r>
-            <a:endParaRPr lang="en-US" smtClean="0"/>
           </a:p>
           <a:p>
             <a:pPr lvl="1"/>
@@ -711,7 +717,6 @@
               <a:rPr lang="en-US" smtClean="0"/>
               <a:t>Second level</a:t>
             </a:r>
-            <a:endParaRPr lang="en-US" smtClean="0"/>
           </a:p>
           <a:p>
             <a:pPr lvl="2"/>
@@ -719,7 +724,6 @@
               <a:rPr lang="en-US" smtClean="0"/>
               <a:t>Third level</a:t>
             </a:r>
-            <a:endParaRPr lang="en-US" smtClean="0"/>
           </a:p>
           <a:p>
             <a:pPr lvl="3"/>
@@ -727,7 +731,6 @@
               <a:rPr lang="en-US" smtClean="0"/>
               <a:t>Fourth level</a:t>
             </a:r>
-            <a:endParaRPr lang="en-US" smtClean="0"/>
           </a:p>
           <a:p>
             <a:pPr lvl="4"/>
@@ -756,6 +759,7 @@
           <a:p>
             <a:fld id="{63A1C593-65D0-4073-BCC9-577B9352EA97}" type="datetimeFigureOut">
               <a:rPr lang="en-US" smtClean="0"/>
+              <a:t>1/14/2022</a:t>
             </a:fld>
             <a:endParaRPr lang="en-US"/>
           </a:p>
@@ -797,6 +801,7 @@
           <a:p>
             <a:fld id="{9B618960-8005-486C-9A75-10CB2AAC16F9}" type="slidenum">
               <a:rPr lang="en-US" smtClean="0"/>
+              <a:t>‹#›</a:t>
             </a:fld>
             <a:endParaRPr lang="en-US"/>
           </a:p>
@@ -975,7 +980,6 @@
               <a:rPr lang="en-US" smtClean="0"/>
               <a:t>Click to edit Master text styles</a:t>
             </a:r>
-            <a:endParaRPr lang="en-US" smtClean="0"/>
           </a:p>
         </p:txBody>
       </p:sp>
@@ -996,6 +1000,7 @@
           <a:p>
             <a:fld id="{63A1C593-65D0-4073-BCC9-577B9352EA97}" type="datetimeFigureOut">
               <a:rPr lang="en-US" smtClean="0"/>
+              <a:t>1/14/2022</a:t>
             </a:fld>
             <a:endParaRPr lang="en-US"/>
           </a:p>
@@ -1037,6 +1042,7 @@
           <a:p>
             <a:fld id="{9B618960-8005-486C-9A75-10CB2AAC16F9}" type="slidenum">
               <a:rPr lang="en-US" smtClean="0"/>
+              <a:t>‹#›</a:t>
             </a:fld>
             <a:endParaRPr lang="en-US"/>
           </a:p>
@@ -1115,7 +1121,6 @@
               <a:rPr lang="en-US" smtClean="0"/>
               <a:t>Click to edit Master text styles</a:t>
             </a:r>
-            <a:endParaRPr lang="en-US" smtClean="0"/>
           </a:p>
           <a:p>
             <a:pPr lvl="1"/>
@@ -1123,7 +1128,6 @@
               <a:rPr lang="en-US" smtClean="0"/>
               <a:t>Second level</a:t>
             </a:r>
-            <a:endParaRPr lang="en-US" smtClean="0"/>
           </a:p>
           <a:p>
             <a:pPr lvl="2"/>
@@ -1131,7 +1135,6 @@
               <a:rPr lang="en-US" smtClean="0"/>
               <a:t>Third level</a:t>
             </a:r>
-            <a:endParaRPr lang="en-US" smtClean="0"/>
           </a:p>
           <a:p>
             <a:pPr lvl="3"/>
@@ -1139,7 +1142,6 @@
               <a:rPr lang="en-US" smtClean="0"/>
               <a:t>Fourth level</a:t>
             </a:r>
-            <a:endParaRPr lang="en-US" smtClean="0"/>
           </a:p>
           <a:p>
             <a:pPr lvl="4"/>
@@ -1176,7 +1178,6 @@
               <a:rPr lang="en-US" smtClean="0"/>
               <a:t>Click to edit Master text styles</a:t>
             </a:r>
-            <a:endParaRPr lang="en-US" smtClean="0"/>
           </a:p>
           <a:p>
             <a:pPr lvl="1"/>
@@ -1184,7 +1185,6 @@
               <a:rPr lang="en-US" smtClean="0"/>
               <a:t>Second level</a:t>
             </a:r>
-            <a:endParaRPr lang="en-US" smtClean="0"/>
           </a:p>
           <a:p>
             <a:pPr lvl="2"/>
@@ -1192,7 +1192,6 @@
               <a:rPr lang="en-US" smtClean="0"/>
               <a:t>Third level</a:t>
             </a:r>
-            <a:endParaRPr lang="en-US" smtClean="0"/>
           </a:p>
           <a:p>
             <a:pPr lvl="3"/>
@@ -1200,7 +1199,6 @@
               <a:rPr lang="en-US" smtClean="0"/>
               <a:t>Fourth level</a:t>
             </a:r>
-            <a:endParaRPr lang="en-US" smtClean="0"/>
           </a:p>
           <a:p>
             <a:pPr lvl="4"/>
@@ -1229,6 +1227,7 @@
           <a:p>
             <a:fld id="{63A1C593-65D0-4073-BCC9-577B9352EA97}" type="datetimeFigureOut">
               <a:rPr lang="en-US" smtClean="0"/>
+              <a:t>1/14/2022</a:t>
             </a:fld>
             <a:endParaRPr lang="en-US"/>
           </a:p>
@@ -1270,6 +1269,7 @@
           <a:p>
             <a:fld id="{9B618960-8005-486C-9A75-10CB2AAC16F9}" type="slidenum">
               <a:rPr lang="en-US" smtClean="0"/>
+              <a:t>‹#›</a:t>
             </a:fld>
             <a:endParaRPr lang="en-US"/>
           </a:p>
@@ -1390,7 +1390,6 @@
               <a:rPr lang="en-US" smtClean="0"/>
               <a:t>Click to edit Master text styles</a:t>
             </a:r>
-            <a:endParaRPr lang="en-US" smtClean="0"/>
           </a:p>
         </p:txBody>
       </p:sp>
@@ -1419,7 +1418,6 @@
               <a:rPr lang="en-US" smtClean="0"/>
               <a:t>Click to edit Master text styles</a:t>
             </a:r>
-            <a:endParaRPr lang="en-US" smtClean="0"/>
           </a:p>
           <a:p>
             <a:pPr lvl="1"/>
@@ -1427,7 +1425,6 @@
               <a:rPr lang="en-US" smtClean="0"/>
               <a:t>Second level</a:t>
             </a:r>
-            <a:endParaRPr lang="en-US" smtClean="0"/>
           </a:p>
           <a:p>
             <a:pPr lvl="2"/>
@@ -1435,7 +1432,6 @@
               <a:rPr lang="en-US" smtClean="0"/>
               <a:t>Third level</a:t>
             </a:r>
-            <a:endParaRPr lang="en-US" smtClean="0"/>
           </a:p>
           <a:p>
             <a:pPr lvl="3"/>
@@ -1443,7 +1439,6 @@
               <a:rPr lang="en-US" smtClean="0"/>
               <a:t>Fourth level</a:t>
             </a:r>
-            <a:endParaRPr lang="en-US" smtClean="0"/>
           </a:p>
           <a:p>
             <a:pPr lvl="4"/>
@@ -1517,7 +1512,6 @@
               <a:rPr lang="en-US" smtClean="0"/>
               <a:t>Click to edit Master text styles</a:t>
             </a:r>
-            <a:endParaRPr lang="en-US" smtClean="0"/>
           </a:p>
         </p:txBody>
       </p:sp>
@@ -1546,7 +1540,6 @@
               <a:rPr lang="en-US" smtClean="0"/>
               <a:t>Click to edit Master text styles</a:t>
             </a:r>
-            <a:endParaRPr lang="en-US" smtClean="0"/>
           </a:p>
           <a:p>
             <a:pPr lvl="1"/>
@@ -1554,7 +1547,6 @@
               <a:rPr lang="en-US" smtClean="0"/>
               <a:t>Second level</a:t>
             </a:r>
-            <a:endParaRPr lang="en-US" smtClean="0"/>
           </a:p>
           <a:p>
             <a:pPr lvl="2"/>
@@ -1562,7 +1554,6 @@
               <a:rPr lang="en-US" smtClean="0"/>
               <a:t>Third level</a:t>
             </a:r>
-            <a:endParaRPr lang="en-US" smtClean="0"/>
           </a:p>
           <a:p>
             <a:pPr lvl="3"/>
@@ -1570,7 +1561,6 @@
               <a:rPr lang="en-US" smtClean="0"/>
               <a:t>Fourth level</a:t>
             </a:r>
-            <a:endParaRPr lang="en-US" smtClean="0"/>
           </a:p>
           <a:p>
             <a:pPr lvl="4"/>
@@ -1599,6 +1589,7 @@
           <a:p>
             <a:fld id="{63A1C593-65D0-4073-BCC9-577B9352EA97}" type="datetimeFigureOut">
               <a:rPr lang="en-US" smtClean="0"/>
+              <a:t>1/14/2022</a:t>
             </a:fld>
             <a:endParaRPr lang="en-US"/>
           </a:p>
@@ -1640,6 +1631,7 @@
           <a:p>
             <a:fld id="{9B618960-8005-486C-9A75-10CB2AAC16F9}" type="slidenum">
               <a:rPr lang="en-US" smtClean="0"/>
+              <a:t>‹#›</a:t>
             </a:fld>
             <a:endParaRPr lang="en-US"/>
           </a:p>
@@ -1710,6 +1702,7 @@
           <a:p>
             <a:fld id="{63A1C593-65D0-4073-BCC9-577B9352EA97}" type="datetimeFigureOut">
               <a:rPr lang="en-US" smtClean="0"/>
+              <a:t>1/14/2022</a:t>
             </a:fld>
             <a:endParaRPr lang="en-US"/>
           </a:p>
@@ -1751,6 +1744,7 @@
           <a:p>
             <a:fld id="{9B618960-8005-486C-9A75-10CB2AAC16F9}" type="slidenum">
               <a:rPr lang="en-US" smtClean="0"/>
+              <a:t>‹#›</a:t>
             </a:fld>
             <a:endParaRPr lang="en-US"/>
           </a:p>
@@ -1798,6 +1792,7 @@
           <a:p>
             <a:fld id="{63A1C593-65D0-4073-BCC9-577B9352EA97}" type="datetimeFigureOut">
               <a:rPr lang="en-US" smtClean="0"/>
+              <a:t>1/14/2022</a:t>
             </a:fld>
             <a:endParaRPr lang="en-US"/>
           </a:p>
@@ -1839,6 +1834,7 @@
           <a:p>
             <a:fld id="{9B618960-8005-486C-9A75-10CB2AAC16F9}" type="slidenum">
               <a:rPr lang="en-US" smtClean="0"/>
+              <a:t>‹#›</a:t>
             </a:fld>
             <a:endParaRPr lang="en-US"/>
           </a:p>
@@ -1954,7 +1950,6 @@
               <a:rPr lang="en-US" smtClean="0"/>
               <a:t>Click to edit Master text styles</a:t>
             </a:r>
-            <a:endParaRPr lang="en-US" smtClean="0"/>
           </a:p>
           <a:p>
             <a:pPr lvl="1"/>
@@ -1962,7 +1957,6 @@
               <a:rPr lang="en-US" smtClean="0"/>
               <a:t>Second level</a:t>
             </a:r>
-            <a:endParaRPr lang="en-US" smtClean="0"/>
           </a:p>
           <a:p>
             <a:pPr lvl="2"/>
@@ -1970,7 +1964,6 @@
               <a:rPr lang="en-US" smtClean="0"/>
               <a:t>Third level</a:t>
             </a:r>
-            <a:endParaRPr lang="en-US" smtClean="0"/>
           </a:p>
           <a:p>
             <a:pPr lvl="3"/>
@@ -1978,7 +1971,6 @@
               <a:rPr lang="en-US" smtClean="0"/>
               <a:t>Fourth level</a:t>
             </a:r>
-            <a:endParaRPr lang="en-US" smtClean="0"/>
           </a:p>
           <a:p>
             <a:pPr lvl="4"/>
@@ -2052,7 +2044,6 @@
               <a:rPr lang="en-US" smtClean="0"/>
               <a:t>Click to edit Master text styles</a:t>
             </a:r>
-            <a:endParaRPr lang="en-US" smtClean="0"/>
           </a:p>
         </p:txBody>
       </p:sp>
@@ -2073,6 +2064,7 @@
           <a:p>
             <a:fld id="{63A1C593-65D0-4073-BCC9-577B9352EA97}" type="datetimeFigureOut">
               <a:rPr lang="en-US" smtClean="0"/>
+              <a:t>1/14/2022</a:t>
             </a:fld>
             <a:endParaRPr lang="en-US"/>
           </a:p>
@@ -2114,6 +2106,7 @@
           <a:p>
             <a:fld id="{9B618960-8005-486C-9A75-10CB2AAC16F9}" type="slidenum">
               <a:rPr lang="en-US" smtClean="0"/>
+              <a:t>‹#›</a:t>
             </a:fld>
             <a:endParaRPr lang="en-US"/>
           </a:p>
@@ -2299,7 +2292,6 @@
               <a:rPr lang="en-US" smtClean="0"/>
               <a:t>Click to edit Master text styles</a:t>
             </a:r>
-            <a:endParaRPr lang="en-US" smtClean="0"/>
           </a:p>
         </p:txBody>
       </p:sp>
@@ -2320,6 +2312,7 @@
           <a:p>
             <a:fld id="{63A1C593-65D0-4073-BCC9-577B9352EA97}" type="datetimeFigureOut">
               <a:rPr lang="en-US" smtClean="0"/>
+              <a:t>1/14/2022</a:t>
             </a:fld>
             <a:endParaRPr lang="en-US"/>
           </a:p>
@@ -2361,6 +2354,7 @@
           <a:p>
             <a:fld id="{9B618960-8005-486C-9A75-10CB2AAC16F9}" type="slidenum">
               <a:rPr lang="en-US" smtClean="0"/>
+              <a:t>‹#›</a:t>
             </a:fld>
             <a:endParaRPr lang="en-US"/>
           </a:p>
@@ -2378,9 +2372,18 @@
 <p:sldMaster xmlns:a="http://schemas.openxmlformats.org/drawingml/2006/main" xmlns:r="http://schemas.openxmlformats.org/officeDocument/2006/relationships" xmlns:p="http://schemas.openxmlformats.org/presentationml/2006/main">
   <p:cSld>
     <p:bg>
-      <p:bgRef idx="1001">
-        <a:schemeClr val="bg1"/>
-      </p:bgRef>
+      <p:bgPr>
+        <a:blipFill dpi="0" rotWithShape="1">
+          <a:blip r:embed="rId13">
+            <a:lum/>
+          </a:blip>
+          <a:srcRect/>
+          <a:stretch>
+            <a:fillRect t="-13000" b="-13000"/>
+          </a:stretch>
+        </a:blipFill>
+        <a:effectLst/>
+      </p:bgPr>
     </p:bg>
     <p:spTree>
       <p:nvGrpSpPr>
@@ -2459,7 +2462,6 @@
               <a:rPr lang="en-US" smtClean="0"/>
               <a:t>Click to edit Master text styles</a:t>
             </a:r>
-            <a:endParaRPr lang="en-US" smtClean="0"/>
           </a:p>
           <a:p>
             <a:pPr lvl="1"/>
@@ -2467,7 +2469,6 @@
               <a:rPr lang="en-US" smtClean="0"/>
               <a:t>Second level</a:t>
             </a:r>
-            <a:endParaRPr lang="en-US" smtClean="0"/>
           </a:p>
           <a:p>
             <a:pPr lvl="2"/>
@@ -2475,7 +2476,6 @@
               <a:rPr lang="en-US" smtClean="0"/>
               <a:t>Third level</a:t>
             </a:r>
-            <a:endParaRPr lang="en-US" smtClean="0"/>
           </a:p>
           <a:p>
             <a:pPr lvl="3"/>
@@ -2483,7 +2483,6 @@
               <a:rPr lang="en-US" smtClean="0"/>
               <a:t>Fourth level</a:t>
             </a:r>
-            <a:endParaRPr lang="en-US" smtClean="0"/>
           </a:p>
           <a:p>
             <a:pPr lvl="4"/>
@@ -2530,6 +2529,7 @@
           <a:p>
             <a:fld id="{63A1C593-65D0-4073-BCC9-577B9352EA97}" type="datetimeFigureOut">
               <a:rPr lang="en-US" smtClean="0"/>
+              <a:t>1/14/2022</a:t>
             </a:fld>
             <a:endParaRPr lang="en-US"/>
           </a:p>
@@ -2607,6 +2607,7 @@
           <a:p>
             <a:fld id="{9B618960-8005-486C-9A75-10CB2AAC16F9}" type="slidenum">
               <a:rPr lang="en-US" smtClean="0"/>
+              <a:t>‹#›</a:t>
             </a:fld>
             <a:endParaRPr lang="en-US"/>
           </a:p>
@@ -2914,19 +2915,6 @@
 <file path=ppt/slides/slide1.xml><?xml version="1.0" encoding="utf-8"?>
 <p:sld xmlns:a="http://schemas.openxmlformats.org/drawingml/2006/main" xmlns:r="http://schemas.openxmlformats.org/officeDocument/2006/relationships" xmlns:p="http://schemas.openxmlformats.org/presentationml/2006/main">
   <p:cSld>
-    <p:bg>
-      <p:bgPr>
-        <a:blipFill>
-          <a:blip r:embed="rId1">
-            <a:alphaModFix amt="50000"/>
-          </a:blip>
-          <a:stretch>
-            <a:fillRect/>
-          </a:stretch>
-        </a:blipFill>
-        <a:effectLst/>
-      </p:bgPr>
-    </p:bg>
     <p:spTree>
       <p:nvGrpSpPr>
         <p:cNvPr id="1" name=""/>
@@ -2966,18 +2954,11 @@
                 <a:solidFill>
                   <a:srgbClr val="614F4D"/>
                 </a:solidFill>
-                <a:latin typeface="Noto Sans CJK TC Black" panose="020B0A00000000000000" charset="-120"/>
-                <a:ea typeface="Noto Sans CJK TC Black" panose="020B0A00000000000000" charset="-120"/>
+                <a:latin typeface="華康儷粗黑" panose="020B0709000000000000" pitchFamily="49" charset="-120"/>
+                <a:ea typeface="華康儷粗黑" panose="020B0709000000000000" pitchFamily="49" charset="-120"/>
               </a:rPr>
               <a:t>前端專題提案報告</a:t>
             </a:r>
-            <a:endParaRPr lang="zh-TW" altLang="en-US" dirty="0">
-              <a:solidFill>
-                <a:srgbClr val="614F4D"/>
-              </a:solidFill>
-              <a:latin typeface="Noto Sans CJK TC Black" panose="020B0A00000000000000" charset="-120"/>
-              <a:ea typeface="Noto Sans CJK TC Black" panose="020B0A00000000000000" charset="-120"/>
-            </a:endParaRPr>
           </a:p>
         </p:txBody>
       </p:sp>
@@ -2999,7 +2980,7 @@
         </p:spPr>
         <p:txBody>
           <a:bodyPr>
-            <a:normAutofit lnSpcReduction="10000"/>
+            <a:normAutofit/>
           </a:bodyPr>
           <a:lstStyle/>
           <a:p>
@@ -3008,8 +2989,8 @@
                 <a:solidFill>
                   <a:schemeClr val="tx1"/>
                 </a:solidFill>
-                <a:latin typeface="Noto Sans CJK TC Black" panose="020B0A00000000000000" charset="-120"/>
-                <a:ea typeface="Noto Sans CJK TC Black" panose="020B0A00000000000000" charset="-120"/>
+                <a:latin typeface="華康儷粗黑" panose="020B0709000000000000" pitchFamily="49" charset="-120"/>
+                <a:ea typeface="華康儷粗黑" panose="020B0709000000000000" pitchFamily="49" charset="-120"/>
                 <a:cs typeface="+mj-cs"/>
               </a:rPr>
               <a:t>主題 /</a:t>
@@ -3019,8 +3000,8 @@
                 <a:solidFill>
                   <a:schemeClr val="tx1"/>
                 </a:solidFill>
-                <a:latin typeface="Noto Sans CJK TC Black" panose="020B0A00000000000000" charset="-120"/>
-                <a:ea typeface="Noto Sans CJK TC Black" panose="020B0A00000000000000" charset="-120"/>
+                <a:latin typeface="華康儷粗黑" panose="020B0709000000000000" pitchFamily="49" charset="-120"/>
+                <a:ea typeface="華康儷粗黑" panose="020B0709000000000000" pitchFamily="49" charset="-120"/>
                 <a:cs typeface="+mj-cs"/>
               </a:rPr>
               <a:t> </a:t>
@@ -3030,20 +3011,12 @@
                 <a:solidFill>
                   <a:schemeClr val="tx1"/>
                 </a:solidFill>
-                <a:latin typeface="Noto Sans CJK TC Black" panose="020B0A00000000000000" charset="-120"/>
-                <a:ea typeface="Noto Sans CJK TC Black" panose="020B0A00000000000000" charset="-120"/>
+                <a:latin typeface="華康儷粗黑" panose="020B0709000000000000" pitchFamily="49" charset="-120"/>
+                <a:ea typeface="華康儷粗黑" panose="020B0709000000000000" pitchFamily="49" charset="-120"/>
                 <a:cs typeface="+mj-cs"/>
               </a:rPr>
               <a:t>書法草書字帖網站 </a:t>
             </a:r>
-            <a:endParaRPr lang="zh-TW" altLang="en-US" dirty="0">
-              <a:solidFill>
-                <a:schemeClr val="tx1"/>
-              </a:solidFill>
-              <a:latin typeface="Noto Sans CJK TC Black" panose="020B0A00000000000000" charset="-120"/>
-              <a:ea typeface="Noto Sans CJK TC Black" panose="020B0A00000000000000" charset="-120"/>
-              <a:cs typeface="+mj-cs"/>
-            </a:endParaRPr>
           </a:p>
           <a:p>
             <a:r>
@@ -3051,20 +3024,12 @@
                 <a:solidFill>
                   <a:schemeClr val="tx1"/>
                 </a:solidFill>
-                <a:latin typeface="Noto Sans CJK TC Black" panose="020B0A00000000000000" charset="-120"/>
-                <a:ea typeface="Noto Sans CJK TC Black" panose="020B0A00000000000000" charset="-120"/>
+                <a:latin typeface="華康儷粗黑" panose="020B0709000000000000" pitchFamily="49" charset="-120"/>
+                <a:ea typeface="華康儷粗黑" panose="020B0709000000000000" pitchFamily="49" charset="-120"/>
                 <a:cs typeface="+mj-cs"/>
               </a:rPr>
               <a:t>報告者 / 18-丁予情</a:t>
             </a:r>
-            <a:endParaRPr lang="zh-TW" altLang="en-US" dirty="0">
-              <a:solidFill>
-                <a:schemeClr val="tx1"/>
-              </a:solidFill>
-              <a:latin typeface="Noto Sans CJK TC Black" panose="020B0A00000000000000" charset="-120"/>
-              <a:ea typeface="Noto Sans CJK TC Black" panose="020B0A00000000000000" charset="-120"/>
-              <a:cs typeface="+mj-cs"/>
-            </a:endParaRPr>
           </a:p>
         </p:txBody>
       </p:sp>
@@ -3073,30 +3038,33 @@
   <p:clrMapOvr>
     <a:masterClrMapping/>
   </p:clrMapOvr>
+  <p:timing>
+    <p:tnLst>
+      <p:par>
+        <p:cTn id="1" dur="indefinite" restart="never" nodeType="tmRoot"/>
+      </p:par>
+    </p:tnLst>
+  </p:timing>
 </p:sld>
 </file>
 
-<file path=ppt/slides/slide2.xml><?xml version="1.0" encoding="utf-8"?>
+<file path=ppt/slides/slide10.xml><?xml version="1.0" encoding="utf-8"?>
 <p:sld xmlns:a="http://schemas.openxmlformats.org/drawingml/2006/main" xmlns:r="http://schemas.openxmlformats.org/officeDocument/2006/relationships" xmlns:p="http://schemas.openxmlformats.org/presentationml/2006/main">
   <p:cSld>
-    <p:bg>
-      <p:bgPr>
-        <a:blipFill>
-          <a:blip r:embed="rId1"/>
-          <a:stretch>
-            <a:fillRect/>
-          </a:stretch>
-        </a:blipFill>
-        <a:effectLst/>
-      </p:bgPr>
-    </p:bg>
     <p:spTree>
       <p:nvGrpSpPr>
         <p:cNvPr id="1" name=""/>
         <p:cNvGrpSpPr/>
         <p:nvPr/>
       </p:nvGrpSpPr>
-      <p:grpSpPr/>
+      <p:grpSpPr>
+        <a:xfrm>
+          <a:off x="0" y="0"/>
+          <a:ext cx="0" cy="0"/>
+          <a:chOff x="0" y="0"/>
+          <a:chExt cx="0" cy="0"/>
+        </a:xfrm>
+      </p:grpSpPr>
       <p:sp>
         <p:nvSpPr>
           <p:cNvPr id="2" name="Title 1"/>
@@ -3107,9 +3075,233 @@
             <p:ph type="title"/>
           </p:nvPr>
         </p:nvSpPr>
+        <p:spPr>
+          <a:xfrm>
+            <a:off x="838200" y="365126"/>
+            <a:ext cx="10515600" cy="667702"/>
+          </a:xfrm>
+        </p:spPr>
+        <p:txBody>
+          <a:bodyPr anchor="ctr" anchorCtr="0">
+            <a:normAutofit/>
+          </a:bodyPr>
+          <a:lstStyle/>
+          <a:p>
+            <a:pPr algn="ctr"/>
+            <a:r>
+              <a:rPr lang="zh-TW" altLang="en-US" sz="3200" dirty="0">
+                <a:solidFill>
+                  <a:srgbClr val="614F4D"/>
+                </a:solidFill>
+                <a:latin typeface="華康儷粗黑" panose="020B0709000000000000" pitchFamily="49" charset="-120"/>
+                <a:ea typeface="華康儷粗黑" panose="020B0709000000000000" pitchFamily="49" charset="-120"/>
+              </a:rPr>
+              <a:t>畫面配置 </a:t>
+            </a:r>
+          </a:p>
+        </p:txBody>
+      </p:sp>
+      <p:grpSp>
+        <p:nvGrpSpPr>
+          <p:cNvPr id="12" name="Group 11"/>
+          <p:cNvGrpSpPr/>
+          <p:nvPr/>
+        </p:nvGrpSpPr>
+        <p:grpSpPr>
+          <a:xfrm>
+            <a:off x="-195580" y="-582930"/>
+            <a:ext cx="12285345" cy="7806055"/>
+            <a:chOff x="288" y="-642"/>
+            <a:chExt cx="19347" cy="12293"/>
+          </a:xfrm>
+        </p:grpSpPr>
+        <p:sp>
+          <p:nvSpPr>
+            <p:cNvPr id="13" name="Rounded Rectangle 12"/>
+            <p:cNvSpPr/>
+            <p:nvPr/>
+          </p:nvSpPr>
+          <p:spPr>
+            <a:xfrm>
+              <a:off x="2784" y="2517"/>
+              <a:ext cx="14313" cy="7568"/>
+            </a:xfrm>
+            <a:prstGeom prst="roundRect">
+              <a:avLst>
+                <a:gd name="adj" fmla="val 5787"/>
+              </a:avLst>
+            </a:prstGeom>
+            <a:solidFill>
+              <a:schemeClr val="bg1">
+                <a:alpha val="16000"/>
+              </a:schemeClr>
+            </a:solidFill>
+            <a:ln>
+              <a:noFill/>
+            </a:ln>
+          </p:spPr>
+          <p:style>
+            <a:lnRef idx="2">
+              <a:schemeClr val="accent1">
+                <a:shade val="50000"/>
+              </a:schemeClr>
+            </a:lnRef>
+            <a:fillRef idx="1">
+              <a:schemeClr val="accent1"/>
+            </a:fillRef>
+            <a:effectRef idx="0">
+              <a:schemeClr val="accent1"/>
+            </a:effectRef>
+            <a:fontRef idx="minor">
+              <a:schemeClr val="lt1"/>
+            </a:fontRef>
+          </p:style>
+          <p:txBody>
+            <a:bodyPr rtlCol="0" anchor="ctr"/>
+            <a:lstStyle/>
+            <a:p>
+              <a:pPr algn="ctr"/>
+              <a:endParaRPr lang="en-US"/>
+            </a:p>
+          </p:txBody>
+        </p:sp>
+        <p:pic>
+          <p:nvPicPr>
+            <p:cNvPr id="14" name="Picture 13" descr="鳥"/>
+            <p:cNvPicPr>
+              <a:picLocks noChangeAspect="1"/>
+            </p:cNvPicPr>
+            <p:nvPr/>
+          </p:nvPicPr>
+          <p:blipFill>
+            <a:blip r:embed="rId2"/>
+            <a:stretch>
+              <a:fillRect/>
+            </a:stretch>
+          </p:blipFill>
+          <p:spPr>
+            <a:xfrm>
+              <a:off x="288" y="-642"/>
+              <a:ext cx="5250" cy="5895"/>
+            </a:xfrm>
+            <a:prstGeom prst="rect">
+              <a:avLst/>
+            </a:prstGeom>
+          </p:spPr>
+        </p:pic>
+        <p:pic>
+          <p:nvPicPr>
+            <p:cNvPr id="15" name="Picture 14" descr="mountain"/>
+            <p:cNvPicPr>
+              <a:picLocks noChangeAspect="1"/>
+            </p:cNvPicPr>
+            <p:nvPr/>
+          </p:nvPicPr>
+          <p:blipFill>
+            <a:blip r:embed="rId3"/>
+            <a:srcRect t="62647"/>
+            <a:stretch>
+              <a:fillRect/>
+            </a:stretch>
+          </p:blipFill>
+          <p:spPr>
+            <a:xfrm>
+              <a:off x="9315" y="5987"/>
+              <a:ext cx="10320" cy="5665"/>
+            </a:xfrm>
+            <a:prstGeom prst="rect">
+              <a:avLst/>
+            </a:prstGeom>
+          </p:spPr>
+        </p:pic>
+      </p:grpSp>
+      <p:pic>
+        <p:nvPicPr>
+          <p:cNvPr id="4" name="內容版面配置區 3"/>
+          <p:cNvPicPr>
+            <a:picLocks noGrp="1" noChangeAspect="1"/>
+          </p:cNvPicPr>
+          <p:nvPr>
+            <p:ph sz="half" idx="1"/>
+          </p:nvPr>
+        </p:nvPicPr>
+        <p:blipFill>
+          <a:blip r:embed="rId4" cstate="print">
+            <a:extLst>
+              <a:ext uri="{28A0092B-C50C-407E-A947-70E740481C1C}">
+                <a14:useLocalDpi xmlns:a14="http://schemas.microsoft.com/office/drawing/2010/main" val="0"/>
+              </a:ext>
+            </a:extLst>
+          </a:blip>
+          <a:stretch>
+            <a:fillRect/>
+          </a:stretch>
+        </p:blipFill>
+        <p:spPr>
+          <a:xfrm>
+            <a:off x="1214896" y="450082"/>
+            <a:ext cx="2841542" cy="6038278"/>
+          </a:xfrm>
+          <a:effectLst>
+            <a:outerShdw blurRad="50800" dist="38100" dir="2700000" algn="tl" rotWithShape="0">
+              <a:prstClr val="black">
+                <a:alpha val="40000"/>
+              </a:prstClr>
+            </a:outerShdw>
+          </a:effectLst>
+        </p:spPr>
+      </p:pic>
+    </p:spTree>
+    <p:extLst>
+      <p:ext uri="{BB962C8B-B14F-4D97-AF65-F5344CB8AC3E}">
+        <p14:creationId xmlns:p14="http://schemas.microsoft.com/office/powerpoint/2010/main" val="3777081807"/>
+      </p:ext>
+    </p:extLst>
+  </p:cSld>
+  <p:clrMapOvr>
+    <a:masterClrMapping/>
+  </p:clrMapOvr>
+  <p:timing>
+    <p:tnLst>
+      <p:par>
+        <p:cTn id="1" dur="indefinite" restart="never" nodeType="tmRoot"/>
+      </p:par>
+    </p:tnLst>
+  </p:timing>
+</p:sld>
+</file>
+
+<file path=ppt/slides/slide11.xml><?xml version="1.0" encoding="utf-8"?>
+<p:sld xmlns:a="http://schemas.openxmlformats.org/drawingml/2006/main" xmlns:r="http://schemas.openxmlformats.org/officeDocument/2006/relationships" xmlns:p="http://schemas.openxmlformats.org/presentationml/2006/main">
+  <p:cSld>
+    <p:spTree>
+      <p:nvGrpSpPr>
+        <p:cNvPr id="1" name=""/>
+        <p:cNvGrpSpPr/>
+        <p:nvPr/>
+      </p:nvGrpSpPr>
+      <p:grpSpPr>
+        <a:xfrm>
+          <a:off x="0" y="0"/>
+          <a:ext cx="0" cy="0"/>
+          <a:chOff x="0" y="0"/>
+          <a:chExt cx="0" cy="0"/>
+        </a:xfrm>
+      </p:grpSpPr>
+      <p:sp>
+        <p:nvSpPr>
+          <p:cNvPr id="2" name="Title 1"/>
+          <p:cNvSpPr>
+            <a:spLocks noGrp="1"/>
+          </p:cNvSpPr>
+          <p:nvPr>
+            <p:ph type="title"/>
+          </p:nvPr>
+        </p:nvSpPr>
         <p:spPr/>
         <p:txBody>
           <a:bodyPr anchor="ctr" anchorCtr="0"/>
+          <a:lstStyle/>
           <a:p>
             <a:pPr algn="ctr"/>
             <a:r>
@@ -3117,18 +3309,356 @@
                 <a:solidFill>
                   <a:srgbClr val="614F4D"/>
                 </a:solidFill>
-                <a:latin typeface="Noto Sans CJK TC Black" panose="020B0A00000000000000" charset="-120"/>
-                <a:ea typeface="Noto Sans CJK TC Black" panose="020B0A00000000000000" charset="-120"/>
+                <a:latin typeface="華康儷粗黑" panose="020B0709000000000000" pitchFamily="49" charset="-120"/>
+                <a:ea typeface="華康儷粗黑" panose="020B0709000000000000" pitchFamily="49" charset="-120"/>
               </a:rPr>
-              <a:t>目錄</a:t>
-            </a:r>
-            <a:endParaRPr lang="zh-TW" altLang="en-US" sz="6000" dirty="0">
+              <a:t>主題配色</a:t>
+            </a:r>
+          </a:p>
+        </p:txBody>
+      </p:sp>
+      <p:grpSp>
+        <p:nvGrpSpPr>
+          <p:cNvPr id="12" name="Group 11"/>
+          <p:cNvGrpSpPr/>
+          <p:nvPr/>
+        </p:nvGrpSpPr>
+        <p:grpSpPr>
+          <a:xfrm>
+            <a:off x="-195580" y="-582930"/>
+            <a:ext cx="12285345" cy="7806055"/>
+            <a:chOff x="288" y="-642"/>
+            <a:chExt cx="19347" cy="12293"/>
+          </a:xfrm>
+        </p:grpSpPr>
+        <p:sp>
+          <p:nvSpPr>
+            <p:cNvPr id="13" name="Rounded Rectangle 12"/>
+            <p:cNvSpPr/>
+            <p:nvPr/>
+          </p:nvSpPr>
+          <p:spPr>
+            <a:xfrm>
+              <a:off x="2784" y="2517"/>
+              <a:ext cx="14313" cy="7568"/>
+            </a:xfrm>
+            <a:prstGeom prst="roundRect">
+              <a:avLst>
+                <a:gd name="adj" fmla="val 5787"/>
+              </a:avLst>
+            </a:prstGeom>
+            <a:solidFill>
+              <a:schemeClr val="bg1">
+                <a:alpha val="16000"/>
+              </a:schemeClr>
+            </a:solidFill>
+            <a:ln>
+              <a:noFill/>
+            </a:ln>
+          </p:spPr>
+          <p:style>
+            <a:lnRef idx="2">
+              <a:schemeClr val="accent1">
+                <a:shade val="50000"/>
+              </a:schemeClr>
+            </a:lnRef>
+            <a:fillRef idx="1">
+              <a:schemeClr val="accent1"/>
+            </a:fillRef>
+            <a:effectRef idx="0">
+              <a:schemeClr val="accent1"/>
+            </a:effectRef>
+            <a:fontRef idx="minor">
+              <a:schemeClr val="lt1"/>
+            </a:fontRef>
+          </p:style>
+          <p:txBody>
+            <a:bodyPr rtlCol="0" anchor="ctr"/>
+            <a:lstStyle/>
+            <a:p>
+              <a:pPr algn="ctr"/>
+              <a:endParaRPr lang="en-US"/>
+            </a:p>
+          </p:txBody>
+        </p:sp>
+        <p:pic>
+          <p:nvPicPr>
+            <p:cNvPr id="14" name="Picture 13" descr="鳥"/>
+            <p:cNvPicPr>
+              <a:picLocks noChangeAspect="1"/>
+            </p:cNvPicPr>
+            <p:nvPr/>
+          </p:nvPicPr>
+          <p:blipFill>
+            <a:blip r:embed="rId2"/>
+            <a:stretch>
+              <a:fillRect/>
+            </a:stretch>
+          </p:blipFill>
+          <p:spPr>
+            <a:xfrm>
+              <a:off x="288" y="-642"/>
+              <a:ext cx="5250" cy="5895"/>
+            </a:xfrm>
+            <a:prstGeom prst="rect">
+              <a:avLst/>
+            </a:prstGeom>
+          </p:spPr>
+        </p:pic>
+        <p:pic>
+          <p:nvPicPr>
+            <p:cNvPr id="15" name="Picture 14" descr="mountain"/>
+            <p:cNvPicPr>
+              <a:picLocks noChangeAspect="1"/>
+            </p:cNvPicPr>
+            <p:nvPr/>
+          </p:nvPicPr>
+          <p:blipFill>
+            <a:blip r:embed="rId3"/>
+            <a:srcRect t="62647"/>
+            <a:stretch>
+              <a:fillRect/>
+            </a:stretch>
+          </p:blipFill>
+          <p:spPr>
+            <a:xfrm>
+              <a:off x="9315" y="5987"/>
+              <a:ext cx="10320" cy="5665"/>
+            </a:xfrm>
+            <a:prstGeom prst="rect">
+              <a:avLst/>
+            </a:prstGeom>
+          </p:spPr>
+        </p:pic>
+      </p:grpSp>
+      <p:pic>
+        <p:nvPicPr>
+          <p:cNvPr id="5" name="Content Placeholder 4"/>
+          <p:cNvPicPr>
+            <a:picLocks noGrp="1" noChangeAspect="1"/>
+          </p:cNvPicPr>
+          <p:nvPr>
+            <p:ph idx="1"/>
+          </p:nvPr>
+        </p:nvPicPr>
+        <p:blipFill>
+          <a:blip r:embed="rId4"/>
+          <a:stretch>
+            <a:fillRect/>
+          </a:stretch>
+        </p:blipFill>
+        <p:spPr>
+          <a:xfrm>
+            <a:off x="925830" y="1691005"/>
+            <a:ext cx="10515600" cy="2277745"/>
+          </a:xfrm>
+          <a:prstGeom prst="rect">
+            <a:avLst/>
+          </a:prstGeom>
+        </p:spPr>
+      </p:pic>
+    </p:spTree>
+  </p:cSld>
+  <p:clrMapOvr>
+    <a:masterClrMapping/>
+  </p:clrMapOvr>
+  <p:timing>
+    <p:tnLst>
+      <p:par>
+        <p:cTn id="1" dur="indefinite" restart="never" nodeType="tmRoot"/>
+      </p:par>
+    </p:tnLst>
+  </p:timing>
+</p:sld>
+</file>
+
+<file path=ppt/slides/slide12.xml><?xml version="1.0" encoding="utf-8"?>
+<p:sld xmlns:a="http://schemas.openxmlformats.org/drawingml/2006/main" xmlns:r="http://schemas.openxmlformats.org/officeDocument/2006/relationships" xmlns:p="http://schemas.openxmlformats.org/presentationml/2006/main">
+  <p:cSld>
+    <p:spTree>
+      <p:nvGrpSpPr>
+        <p:cNvPr id="1" name=""/>
+        <p:cNvGrpSpPr/>
+        <p:nvPr/>
+      </p:nvGrpSpPr>
+      <p:grpSpPr>
+        <a:xfrm>
+          <a:off x="0" y="0"/>
+          <a:ext cx="0" cy="0"/>
+          <a:chOff x="0" y="0"/>
+          <a:chExt cx="0" cy="0"/>
+        </a:xfrm>
+      </p:grpSpPr>
+      <p:grpSp>
+        <p:nvGrpSpPr>
+          <p:cNvPr id="12" name="Group 11"/>
+          <p:cNvGrpSpPr/>
+          <p:nvPr/>
+        </p:nvGrpSpPr>
+        <p:grpSpPr>
+          <a:xfrm>
+            <a:off x="-195580" y="-582930"/>
+            <a:ext cx="12285345" cy="7806690"/>
+            <a:chOff x="288" y="-642"/>
+            <a:chExt cx="19347" cy="12294"/>
+          </a:xfrm>
+        </p:grpSpPr>
+        <p:pic>
+          <p:nvPicPr>
+            <p:cNvPr id="14" name="Picture 13" descr="鳥"/>
+            <p:cNvPicPr>
+              <a:picLocks noChangeAspect="1"/>
+            </p:cNvPicPr>
+            <p:nvPr/>
+          </p:nvPicPr>
+          <p:blipFill>
+            <a:blip r:embed="rId2"/>
+            <a:stretch>
+              <a:fillRect/>
+            </a:stretch>
+          </p:blipFill>
+          <p:spPr>
+            <a:xfrm>
+              <a:off x="288" y="-642"/>
+              <a:ext cx="5250" cy="5895"/>
+            </a:xfrm>
+            <a:prstGeom prst="rect">
+              <a:avLst/>
+            </a:prstGeom>
+          </p:spPr>
+        </p:pic>
+        <p:pic>
+          <p:nvPicPr>
+            <p:cNvPr id="15" name="Picture 14" descr="mountain"/>
+            <p:cNvPicPr>
+              <a:picLocks noChangeAspect="1"/>
+            </p:cNvPicPr>
+            <p:nvPr/>
+          </p:nvPicPr>
+          <p:blipFill>
+            <a:blip r:embed="rId3"/>
+            <a:srcRect t="62647"/>
+            <a:stretch>
+              <a:fillRect/>
+            </a:stretch>
+          </p:blipFill>
+          <p:spPr>
+            <a:xfrm>
+              <a:off x="9315" y="5987"/>
+              <a:ext cx="10320" cy="5665"/>
+            </a:xfrm>
+            <a:prstGeom prst="rect">
+              <a:avLst/>
+            </a:prstGeom>
+          </p:spPr>
+        </p:pic>
+      </p:grpSp>
+      <p:sp>
+        <p:nvSpPr>
+          <p:cNvPr id="2" name="Title 1"/>
+          <p:cNvSpPr>
+            <a:spLocks noGrp="1"/>
+          </p:cNvSpPr>
+          <p:nvPr>
+            <p:ph type="title"/>
+          </p:nvPr>
+        </p:nvSpPr>
+        <p:spPr>
+          <a:xfrm>
+            <a:off x="852714" y="1060110"/>
+            <a:ext cx="10515600" cy="5132750"/>
+          </a:xfrm>
+        </p:spPr>
+        <p:txBody>
+          <a:bodyPr anchor="ctr" anchorCtr="0">
+            <a:noAutofit/>
+          </a:bodyPr>
+          <a:lstStyle/>
+          <a:p>
+            <a:pPr algn="ctr"/>
+            <a:r>
+              <a:rPr lang="zh-TW" altLang="en-US" sz="28800" dirty="0" smtClean="0">
+                <a:solidFill>
+                  <a:srgbClr val="614F4D"/>
+                </a:solidFill>
+                <a:latin typeface="華康儷粗黑" panose="020B0709000000000000" pitchFamily="49" charset="-120"/>
+                <a:ea typeface="華康儷粗黑" panose="020B0709000000000000" pitchFamily="49" charset="-120"/>
+              </a:rPr>
+              <a:t>完</a:t>
+            </a:r>
+            <a:endParaRPr lang="zh-TW" altLang="en-US" sz="28800" dirty="0">
               <a:solidFill>
                 <a:srgbClr val="614F4D"/>
               </a:solidFill>
-              <a:latin typeface="Noto Sans CJK TC Black" panose="020B0A00000000000000" charset="-120"/>
-              <a:ea typeface="Noto Sans CJK TC Black" panose="020B0A00000000000000" charset="-120"/>
+              <a:latin typeface="華康儷粗黑" panose="020B0709000000000000" pitchFamily="49" charset="-120"/>
+              <a:ea typeface="華康儷粗黑" panose="020B0709000000000000" pitchFamily="49" charset="-120"/>
             </a:endParaRPr>
+          </a:p>
+        </p:txBody>
+      </p:sp>
+    </p:spTree>
+    <p:extLst>
+      <p:ext uri="{BB962C8B-B14F-4D97-AF65-F5344CB8AC3E}">
+        <p14:creationId xmlns:p14="http://schemas.microsoft.com/office/powerpoint/2010/main" val="2827033762"/>
+      </p:ext>
+    </p:extLst>
+  </p:cSld>
+  <p:clrMapOvr>
+    <a:masterClrMapping/>
+  </p:clrMapOvr>
+  <p:timing>
+    <p:tnLst>
+      <p:par>
+        <p:cTn id="1" dur="indefinite" restart="never" nodeType="tmRoot"/>
+      </p:par>
+    </p:tnLst>
+  </p:timing>
+</p:sld>
+</file>
+
+<file path=ppt/slides/slide2.xml><?xml version="1.0" encoding="utf-8"?>
+<p:sld xmlns:a="http://schemas.openxmlformats.org/drawingml/2006/main" xmlns:r="http://schemas.openxmlformats.org/officeDocument/2006/relationships" xmlns:p="http://schemas.openxmlformats.org/presentationml/2006/main">
+  <p:cSld>
+    <p:spTree>
+      <p:nvGrpSpPr>
+        <p:cNvPr id="1" name=""/>
+        <p:cNvGrpSpPr/>
+        <p:nvPr/>
+      </p:nvGrpSpPr>
+      <p:grpSpPr>
+        <a:xfrm>
+          <a:off x="0" y="0"/>
+          <a:ext cx="0" cy="0"/>
+          <a:chOff x="0" y="0"/>
+          <a:chExt cx="0" cy="0"/>
+        </a:xfrm>
+      </p:grpSpPr>
+      <p:sp>
+        <p:nvSpPr>
+          <p:cNvPr id="2" name="Title 1"/>
+          <p:cNvSpPr>
+            <a:spLocks noGrp="1"/>
+          </p:cNvSpPr>
+          <p:nvPr>
+            <p:ph type="title"/>
+          </p:nvPr>
+        </p:nvSpPr>
+        <p:spPr/>
+        <p:txBody>
+          <a:bodyPr anchor="ctr" anchorCtr="0"/>
+          <a:lstStyle/>
+          <a:p>
+            <a:pPr algn="ctr"/>
+            <a:r>
+              <a:rPr lang="zh-TW" altLang="en-US" sz="6000" dirty="0">
+                <a:solidFill>
+                  <a:srgbClr val="614F4D"/>
+                </a:solidFill>
+                <a:latin typeface="華康儷粗黑" panose="020B0709000000000000" pitchFamily="49" charset="-120"/>
+                <a:ea typeface="華康儷粗黑" panose="020B0709000000000000" pitchFamily="49" charset="-120"/>
+              </a:rPr>
+              <a:t>目錄</a:t>
+            </a:r>
           </a:p>
         </p:txBody>
       </p:sp>
@@ -3152,6 +3682,7 @@
           <a:bodyPr>
             <a:normAutofit lnSpcReduction="10000"/>
           </a:bodyPr>
+          <a:lstStyle/>
           <a:p>
             <a:pPr marL="0" algn="l">
               <a:lnSpc>
@@ -3166,8 +3697,8 @@
                 <a:solidFill>
                   <a:schemeClr val="tx1"/>
                 </a:solidFill>
-                <a:latin typeface="Noto Sans CJK TC Black" panose="020B0A00000000000000" charset="-120"/>
-                <a:ea typeface="Noto Sans CJK TC Black" panose="020B0A00000000000000" charset="-120"/>
+                <a:latin typeface="華康儷粗黑" panose="020B0709000000000000" pitchFamily="49" charset="-120"/>
+                <a:ea typeface="華康儷粗黑" panose="020B0709000000000000" pitchFamily="49" charset="-120"/>
                 <a:cs typeface="+mj-cs"/>
               </a:rPr>
               <a:t>/</a:t>
@@ -3177,20 +3708,12 @@
                 <a:solidFill>
                   <a:schemeClr val="tx1"/>
                 </a:solidFill>
-                <a:latin typeface="Noto Sans CJK TC Black" panose="020B0A00000000000000" charset="-120"/>
-                <a:ea typeface="Noto Sans CJK TC Black" panose="020B0A00000000000000" charset="-120"/>
+                <a:latin typeface="華康儷粗黑" panose="020B0709000000000000" pitchFamily="49" charset="-120"/>
+                <a:ea typeface="華康儷粗黑" panose="020B0709000000000000" pitchFamily="49" charset="-120"/>
                 <a:cs typeface="+mj-cs"/>
               </a:rPr>
               <a:t> 主題構想</a:t>
             </a:r>
-            <a:endParaRPr lang="zh-TW" altLang="en-US" sz="4400" dirty="0">
-              <a:solidFill>
-                <a:schemeClr val="tx1"/>
-              </a:solidFill>
-              <a:latin typeface="Noto Sans CJK TC Black" panose="020B0A00000000000000" charset="-120"/>
-              <a:ea typeface="Noto Sans CJK TC Black" panose="020B0A00000000000000" charset="-120"/>
-              <a:cs typeface="+mj-cs"/>
-            </a:endParaRPr>
           </a:p>
           <a:p>
             <a:pPr marL="0" algn="l">
@@ -3206,8 +3729,8 @@
                 <a:solidFill>
                   <a:schemeClr val="tx1"/>
                 </a:solidFill>
-                <a:latin typeface="Noto Sans CJK TC Black" panose="020B0A00000000000000" charset="-120"/>
-                <a:ea typeface="Noto Sans CJK TC Black" panose="020B0A00000000000000" charset="-120"/>
+                <a:latin typeface="華康儷粗黑" panose="020B0709000000000000" pitchFamily="49" charset="-120"/>
+                <a:ea typeface="華康儷粗黑" panose="020B0709000000000000" pitchFamily="49" charset="-120"/>
                 <a:cs typeface="+mj-cs"/>
               </a:rPr>
               <a:t>/</a:t>
@@ -3217,20 +3740,12 @@
                 <a:solidFill>
                   <a:schemeClr val="tx1"/>
                 </a:solidFill>
-                <a:latin typeface="Noto Sans CJK TC Black" panose="020B0A00000000000000" charset="-120"/>
-                <a:ea typeface="Noto Sans CJK TC Black" panose="020B0A00000000000000" charset="-120"/>
+                <a:latin typeface="華康儷粗黑" panose="020B0709000000000000" pitchFamily="49" charset="-120"/>
+                <a:ea typeface="華康儷粗黑" panose="020B0709000000000000" pitchFamily="49" charset="-120"/>
                 <a:cs typeface="+mj-cs"/>
               </a:rPr>
               <a:t> 視覺</a:t>
             </a:r>
-            <a:endParaRPr lang="zh-TW" altLang="en-US" sz="4400" dirty="0">
-              <a:solidFill>
-                <a:schemeClr val="tx1"/>
-              </a:solidFill>
-              <a:latin typeface="Noto Sans CJK TC Black" panose="020B0A00000000000000" charset="-120"/>
-              <a:ea typeface="Noto Sans CJK TC Black" panose="020B0A00000000000000" charset="-120"/>
-              <a:cs typeface="+mj-cs"/>
-            </a:endParaRPr>
           </a:p>
           <a:p>
             <a:pPr marL="0" algn="l">
@@ -3246,8 +3761,8 @@
                 <a:solidFill>
                   <a:schemeClr val="tx1"/>
                 </a:solidFill>
-                <a:latin typeface="Noto Sans CJK TC Black" panose="020B0A00000000000000" charset="-120"/>
-                <a:ea typeface="Noto Sans CJK TC Black" panose="020B0A00000000000000" charset="-120"/>
+                <a:latin typeface="華康儷粗黑" panose="020B0709000000000000" pitchFamily="49" charset="-120"/>
+                <a:ea typeface="華康儷粗黑" panose="020B0709000000000000" pitchFamily="49" charset="-120"/>
                 <a:cs typeface="+mj-cs"/>
               </a:rPr>
               <a:t>/</a:t>
@@ -3257,20 +3772,12 @@
                 <a:solidFill>
                   <a:schemeClr val="tx1"/>
                 </a:solidFill>
-                <a:latin typeface="Noto Sans CJK TC Black" panose="020B0A00000000000000" charset="-120"/>
-                <a:ea typeface="Noto Sans CJK TC Black" panose="020B0A00000000000000" charset="-120"/>
+                <a:latin typeface="華康儷粗黑" panose="020B0709000000000000" pitchFamily="49" charset="-120"/>
+                <a:ea typeface="華康儷粗黑" panose="020B0709000000000000" pitchFamily="49" charset="-120"/>
                 <a:cs typeface="+mj-cs"/>
               </a:rPr>
               <a:t> 網站架構</a:t>
             </a:r>
-            <a:endParaRPr lang="zh-TW" altLang="en-US" sz="4400" dirty="0">
-              <a:solidFill>
-                <a:schemeClr val="tx1"/>
-              </a:solidFill>
-              <a:latin typeface="Noto Sans CJK TC Black" panose="020B0A00000000000000" charset="-120"/>
-              <a:ea typeface="Noto Sans CJK TC Black" panose="020B0A00000000000000" charset="-120"/>
-              <a:cs typeface="+mj-cs"/>
-            </a:endParaRPr>
           </a:p>
           <a:p>
             <a:pPr marL="0" algn="l">
@@ -3286,8 +3793,8 @@
                 <a:solidFill>
                   <a:schemeClr val="tx1"/>
                 </a:solidFill>
-                <a:latin typeface="Noto Sans CJK TC Black" panose="020B0A00000000000000" charset="-120"/>
-                <a:ea typeface="Noto Sans CJK TC Black" panose="020B0A00000000000000" charset="-120"/>
+                <a:latin typeface="華康儷粗黑" panose="020B0709000000000000" pitchFamily="49" charset="-120"/>
+                <a:ea typeface="華康儷粗黑" panose="020B0709000000000000" pitchFamily="49" charset="-120"/>
                 <a:cs typeface="+mj-cs"/>
               </a:rPr>
               <a:t>/</a:t>
@@ -3297,20 +3804,12 @@
                 <a:solidFill>
                   <a:schemeClr val="tx1"/>
                 </a:solidFill>
-                <a:latin typeface="Noto Sans CJK TC Black" panose="020B0A00000000000000" charset="-120"/>
-                <a:ea typeface="Noto Sans CJK TC Black" panose="020B0A00000000000000" charset="-120"/>
+                <a:latin typeface="華康儷粗黑" panose="020B0709000000000000" pitchFamily="49" charset="-120"/>
+                <a:ea typeface="華康儷粗黑" panose="020B0709000000000000" pitchFamily="49" charset="-120"/>
                 <a:cs typeface="+mj-cs"/>
               </a:rPr>
               <a:t> 畫面配置</a:t>
             </a:r>
-            <a:endParaRPr lang="zh-TW" altLang="en-US" sz="4400" dirty="0">
-              <a:solidFill>
-                <a:schemeClr val="tx1"/>
-              </a:solidFill>
-              <a:latin typeface="Noto Sans CJK TC Black" panose="020B0A00000000000000" charset="-120"/>
-              <a:ea typeface="Noto Sans CJK TC Black" panose="020B0A00000000000000" charset="-120"/>
-              <a:cs typeface="+mj-cs"/>
-            </a:endParaRPr>
           </a:p>
         </p:txBody>
       </p:sp>
@@ -3383,30 +3882,33 @@
   <p:clrMapOvr>
     <a:masterClrMapping/>
   </p:clrMapOvr>
+  <p:timing>
+    <p:tnLst>
+      <p:par>
+        <p:cTn id="1" dur="indefinite" restart="never" nodeType="tmRoot"/>
+      </p:par>
+    </p:tnLst>
+  </p:timing>
 </p:sld>
 </file>
 
 <file path=ppt/slides/slide3.xml><?xml version="1.0" encoding="utf-8"?>
 <p:sld xmlns:a="http://schemas.openxmlformats.org/drawingml/2006/main" xmlns:r="http://schemas.openxmlformats.org/officeDocument/2006/relationships" xmlns:p="http://schemas.openxmlformats.org/presentationml/2006/main">
   <p:cSld>
-    <p:bg>
-      <p:bgPr>
-        <a:blipFill>
-          <a:blip r:embed="rId1"/>
-          <a:stretch>
-            <a:fillRect/>
-          </a:stretch>
-        </a:blipFill>
-        <a:effectLst/>
-      </p:bgPr>
-    </p:bg>
     <p:spTree>
       <p:nvGrpSpPr>
         <p:cNvPr id="1" name=""/>
         <p:cNvGrpSpPr/>
         <p:nvPr/>
       </p:nvGrpSpPr>
-      <p:grpSpPr/>
+      <p:grpSpPr>
+        <a:xfrm>
+          <a:off x="0" y="0"/>
+          <a:ext cx="0" cy="0"/>
+          <a:chOff x="0" y="0"/>
+          <a:chExt cx="0" cy="0"/>
+        </a:xfrm>
+      </p:grpSpPr>
       <p:sp>
         <p:nvSpPr>
           <p:cNvPr id="2" name="Title 1"/>
@@ -3420,6 +3922,7 @@
         <p:spPr/>
         <p:txBody>
           <a:bodyPr anchor="ctr" anchorCtr="0"/>
+          <a:lstStyle/>
           <a:p>
             <a:pPr algn="ctr"/>
             <a:r>
@@ -3427,18 +3930,11 @@
                 <a:solidFill>
                   <a:srgbClr val="614F4D"/>
                 </a:solidFill>
-                <a:latin typeface="Noto Sans CJK TC Black" panose="020B0A00000000000000" charset="-120"/>
-                <a:ea typeface="Noto Sans CJK TC Black" panose="020B0A00000000000000" charset="-120"/>
+                <a:latin typeface="華康儷粗黑" panose="020B0709000000000000" pitchFamily="49" charset="-120"/>
+                <a:ea typeface="華康儷粗黑" panose="020B0709000000000000" pitchFamily="49" charset="-120"/>
               </a:rPr>
               <a:t>主題構想</a:t>
             </a:r>
-            <a:endParaRPr lang="zh-TW" altLang="en-US" sz="6000" dirty="0">
-              <a:solidFill>
-                <a:srgbClr val="614F4D"/>
-              </a:solidFill>
-              <a:latin typeface="Noto Sans CJK TC Black" panose="020B0A00000000000000" charset="-120"/>
-              <a:ea typeface="Noto Sans CJK TC Black" panose="020B0A00000000000000" charset="-120"/>
-            </a:endParaRPr>
           </a:p>
         </p:txBody>
       </p:sp>
@@ -3499,6 +3995,4313 @@
           </p:style>
           <p:txBody>
             <a:bodyPr rtlCol="0" anchor="ctr"/>
+            <a:lstStyle/>
+            <a:p>
+              <a:pPr algn="ctr"/>
+              <a:endParaRPr lang="en-US"/>
+            </a:p>
+          </p:txBody>
+        </p:sp>
+        <p:pic>
+          <p:nvPicPr>
+            <p:cNvPr id="14" name="Picture 13" descr="鳥"/>
+            <p:cNvPicPr>
+              <a:picLocks noChangeAspect="1"/>
+            </p:cNvPicPr>
+            <p:nvPr/>
+          </p:nvPicPr>
+          <p:blipFill>
+            <a:blip r:embed="rId2"/>
+            <a:stretch>
+              <a:fillRect/>
+            </a:stretch>
+          </p:blipFill>
+          <p:spPr>
+            <a:xfrm>
+              <a:off x="288" y="-642"/>
+              <a:ext cx="5250" cy="5895"/>
+            </a:xfrm>
+            <a:prstGeom prst="rect">
+              <a:avLst/>
+            </a:prstGeom>
+          </p:spPr>
+        </p:pic>
+        <p:pic>
+          <p:nvPicPr>
+            <p:cNvPr id="15" name="Picture 14" descr="mountain"/>
+            <p:cNvPicPr>
+              <a:picLocks noChangeAspect="1"/>
+            </p:cNvPicPr>
+            <p:nvPr/>
+          </p:nvPicPr>
+          <p:blipFill>
+            <a:blip r:embed="rId3"/>
+            <a:srcRect t="62647"/>
+            <a:stretch>
+              <a:fillRect/>
+            </a:stretch>
+          </p:blipFill>
+          <p:spPr>
+            <a:xfrm>
+              <a:off x="9315" y="5987"/>
+              <a:ext cx="10320" cy="5665"/>
+            </a:xfrm>
+            <a:prstGeom prst="rect">
+              <a:avLst/>
+            </a:prstGeom>
+          </p:spPr>
+        </p:pic>
+      </p:grpSp>
+      <p:sp>
+        <p:nvSpPr>
+          <p:cNvPr id="3" name="Content Placeholder 2"/>
+          <p:cNvSpPr>
+            <a:spLocks noGrp="1"/>
+          </p:cNvSpPr>
+          <p:nvPr>
+            <p:ph sz="half" idx="1"/>
+          </p:nvPr>
+        </p:nvSpPr>
+        <p:spPr>
+          <a:xfrm>
+            <a:off x="2489835" y="1877060"/>
+            <a:ext cx="7988300" cy="4351655"/>
+          </a:xfrm>
+        </p:spPr>
+        <p:txBody>
+          <a:bodyPr>
+            <a:normAutofit/>
+          </a:bodyPr>
+          <a:lstStyle/>
+          <a:p>
+            <a:pPr marL="0" algn="l">
+              <a:lnSpc>
+                <a:spcPct val="150000"/>
+              </a:lnSpc>
+              <a:buClrTx/>
+              <a:buSzTx/>
+              <a:buNone/>
+            </a:pPr>
+            <a:r>
+              <a:rPr lang="en-US" altLang="zh-TW" sz="4400" dirty="0">
+                <a:solidFill>
+                  <a:schemeClr val="tx1"/>
+                </a:solidFill>
+                <a:latin typeface="華康儷粗黑" panose="020B0709000000000000" pitchFamily="49" charset="-120"/>
+                <a:ea typeface="華康儷粗黑" panose="020B0709000000000000" pitchFamily="49" charset="-120"/>
+                <a:cs typeface="+mj-cs"/>
+              </a:rPr>
+              <a:t>/  </a:t>
+            </a:r>
+            <a:r>
+              <a:rPr lang="zh-TW" altLang="en-US" sz="4400" dirty="0">
+                <a:solidFill>
+                  <a:schemeClr val="tx1"/>
+                </a:solidFill>
+                <a:latin typeface="華康儷粗黑" panose="020B0709000000000000" pitchFamily="49" charset="-120"/>
+                <a:ea typeface="華康儷粗黑" panose="020B0709000000000000" pitchFamily="49" charset="-120"/>
+                <a:cs typeface="+mj-cs"/>
+              </a:rPr>
+              <a:t>可以收藏喜歡的字帖</a:t>
+            </a:r>
+          </a:p>
+          <a:p>
+            <a:pPr marL="0" algn="l">
+              <a:lnSpc>
+                <a:spcPct val="150000"/>
+              </a:lnSpc>
+              <a:buClrTx/>
+              <a:buSzTx/>
+              <a:buNone/>
+            </a:pPr>
+            <a:r>
+              <a:rPr lang="en-US" altLang="zh-TW" sz="4400" dirty="0">
+                <a:solidFill>
+                  <a:schemeClr val="tx1"/>
+                </a:solidFill>
+                <a:latin typeface="華康儷粗黑" panose="020B0709000000000000" pitchFamily="49" charset="-120"/>
+                <a:ea typeface="華康儷粗黑" panose="020B0709000000000000" pitchFamily="49" charset="-120"/>
+                <a:cs typeface="+mj-cs"/>
+              </a:rPr>
+              <a:t>/  </a:t>
+            </a:r>
+            <a:r>
+              <a:rPr lang="zh-TW" altLang="en-US" sz="4400" dirty="0">
+                <a:solidFill>
+                  <a:schemeClr val="tx1"/>
+                </a:solidFill>
+                <a:latin typeface="華康儷粗黑" panose="020B0709000000000000" pitchFamily="49" charset="-120"/>
+                <a:ea typeface="華康儷粗黑" panose="020B0709000000000000" pitchFamily="49" charset="-120"/>
+                <a:cs typeface="+mj-cs"/>
+              </a:rPr>
+              <a:t>分享自己的作品</a:t>
+            </a:r>
+          </a:p>
+          <a:p>
+            <a:pPr marL="0" algn="l">
+              <a:lnSpc>
+                <a:spcPct val="150000"/>
+              </a:lnSpc>
+              <a:buClrTx/>
+              <a:buSzTx/>
+              <a:buNone/>
+            </a:pPr>
+            <a:r>
+              <a:rPr lang="en-US" altLang="zh-TW" sz="4400" dirty="0">
+                <a:solidFill>
+                  <a:schemeClr val="tx1"/>
+                </a:solidFill>
+                <a:latin typeface="華康儷粗黑" panose="020B0709000000000000" pitchFamily="49" charset="-120"/>
+                <a:ea typeface="華康儷粗黑" panose="020B0709000000000000" pitchFamily="49" charset="-120"/>
+                <a:cs typeface="+mj-cs"/>
+              </a:rPr>
+              <a:t>/  </a:t>
+            </a:r>
+            <a:r>
+              <a:rPr lang="zh-TW" altLang="en-US" sz="4400" dirty="0">
+                <a:solidFill>
+                  <a:schemeClr val="tx1"/>
+                </a:solidFill>
+                <a:latin typeface="華康儷粗黑" panose="020B0709000000000000" pitchFamily="49" charset="-120"/>
+                <a:ea typeface="華康儷粗黑" panose="020B0709000000000000" pitchFamily="49" charset="-120"/>
+                <a:cs typeface="+mj-cs"/>
+              </a:rPr>
+              <a:t>草書、行書</a:t>
+            </a:r>
+          </a:p>
+        </p:txBody>
+      </p:sp>
+    </p:spTree>
+  </p:cSld>
+  <p:clrMapOvr>
+    <a:masterClrMapping/>
+  </p:clrMapOvr>
+  <p:timing>
+    <p:tnLst>
+      <p:par>
+        <p:cTn id="1" dur="indefinite" restart="never" nodeType="tmRoot"/>
+      </p:par>
+    </p:tnLst>
+  </p:timing>
+</p:sld>
+</file>
+
+<file path=ppt/slides/slide4.xml><?xml version="1.0" encoding="utf-8"?>
+<p:sld xmlns:a="http://schemas.openxmlformats.org/drawingml/2006/main" xmlns:r="http://schemas.openxmlformats.org/officeDocument/2006/relationships" xmlns:p="http://schemas.openxmlformats.org/presentationml/2006/main">
+  <p:cSld>
+    <p:spTree>
+      <p:nvGrpSpPr>
+        <p:cNvPr id="1" name=""/>
+        <p:cNvGrpSpPr/>
+        <p:nvPr/>
+      </p:nvGrpSpPr>
+      <p:grpSpPr>
+        <a:xfrm>
+          <a:off x="0" y="0"/>
+          <a:ext cx="0" cy="0"/>
+          <a:chOff x="0" y="0"/>
+          <a:chExt cx="0" cy="0"/>
+        </a:xfrm>
+      </p:grpSpPr>
+      <p:sp>
+        <p:nvSpPr>
+          <p:cNvPr id="2" name="Title 1"/>
+          <p:cNvSpPr>
+            <a:spLocks noGrp="1"/>
+          </p:cNvSpPr>
+          <p:nvPr>
+            <p:ph type="title"/>
+          </p:nvPr>
+        </p:nvSpPr>
+        <p:spPr/>
+        <p:txBody>
+          <a:bodyPr anchor="ctr" anchorCtr="0"/>
+          <a:lstStyle/>
+          <a:p>
+            <a:pPr algn="ctr"/>
+            <a:r>
+              <a:rPr lang="zh-TW" altLang="en-US" sz="6000" dirty="0">
+                <a:solidFill>
+                  <a:srgbClr val="614F4D"/>
+                </a:solidFill>
+                <a:latin typeface="華康儷粗黑" panose="020B0709000000000000" pitchFamily="49" charset="-120"/>
+                <a:ea typeface="華康儷粗黑" panose="020B0709000000000000" pitchFamily="49" charset="-120"/>
+              </a:rPr>
+              <a:t>主題構想</a:t>
+            </a:r>
+          </a:p>
+        </p:txBody>
+      </p:sp>
+      <p:grpSp>
+        <p:nvGrpSpPr>
+          <p:cNvPr id="12" name="Group 11"/>
+          <p:cNvGrpSpPr/>
+          <p:nvPr/>
+        </p:nvGrpSpPr>
+        <p:grpSpPr>
+          <a:xfrm>
+            <a:off x="-195580" y="-582930"/>
+            <a:ext cx="12285345" cy="7806055"/>
+            <a:chOff x="288" y="-642"/>
+            <a:chExt cx="19347" cy="12293"/>
+          </a:xfrm>
+        </p:grpSpPr>
+        <p:sp>
+          <p:nvSpPr>
+            <p:cNvPr id="13" name="Rounded Rectangle 12"/>
+            <p:cNvSpPr/>
+            <p:nvPr/>
+          </p:nvSpPr>
+          <p:spPr>
+            <a:xfrm>
+              <a:off x="2784" y="2517"/>
+              <a:ext cx="14313" cy="7568"/>
+            </a:xfrm>
+            <a:prstGeom prst="roundRect">
+              <a:avLst>
+                <a:gd name="adj" fmla="val 5787"/>
+              </a:avLst>
+            </a:prstGeom>
+            <a:solidFill>
+              <a:schemeClr val="bg1">
+                <a:alpha val="16000"/>
+              </a:schemeClr>
+            </a:solidFill>
+            <a:ln>
+              <a:noFill/>
+            </a:ln>
+          </p:spPr>
+          <p:style>
+            <a:lnRef idx="2">
+              <a:schemeClr val="accent1">
+                <a:shade val="50000"/>
+              </a:schemeClr>
+            </a:lnRef>
+            <a:fillRef idx="1">
+              <a:schemeClr val="accent1"/>
+            </a:fillRef>
+            <a:effectRef idx="0">
+              <a:schemeClr val="accent1"/>
+            </a:effectRef>
+            <a:fontRef idx="minor">
+              <a:schemeClr val="lt1"/>
+            </a:fontRef>
+          </p:style>
+          <p:txBody>
+            <a:bodyPr rtlCol="0" anchor="ctr"/>
+            <a:lstStyle/>
+            <a:p>
+              <a:pPr algn="ctr"/>
+              <a:endParaRPr lang="en-US"/>
+            </a:p>
+          </p:txBody>
+        </p:sp>
+        <p:pic>
+          <p:nvPicPr>
+            <p:cNvPr id="14" name="Picture 13" descr="鳥"/>
+            <p:cNvPicPr>
+              <a:picLocks noChangeAspect="1"/>
+            </p:cNvPicPr>
+            <p:nvPr/>
+          </p:nvPicPr>
+          <p:blipFill>
+            <a:blip r:embed="rId2"/>
+            <a:stretch>
+              <a:fillRect/>
+            </a:stretch>
+          </p:blipFill>
+          <p:spPr>
+            <a:xfrm>
+              <a:off x="288" y="-642"/>
+              <a:ext cx="5250" cy="5895"/>
+            </a:xfrm>
+            <a:prstGeom prst="rect">
+              <a:avLst/>
+            </a:prstGeom>
+          </p:spPr>
+        </p:pic>
+        <p:pic>
+          <p:nvPicPr>
+            <p:cNvPr id="15" name="Picture 14" descr="mountain"/>
+            <p:cNvPicPr>
+              <a:picLocks noChangeAspect="1"/>
+            </p:cNvPicPr>
+            <p:nvPr/>
+          </p:nvPicPr>
+          <p:blipFill>
+            <a:blip r:embed="rId3"/>
+            <a:srcRect t="62647"/>
+            <a:stretch>
+              <a:fillRect/>
+            </a:stretch>
+          </p:blipFill>
+          <p:spPr>
+            <a:xfrm>
+              <a:off x="9315" y="5987"/>
+              <a:ext cx="10320" cy="5665"/>
+            </a:xfrm>
+            <a:prstGeom prst="rect">
+              <a:avLst/>
+            </a:prstGeom>
+          </p:spPr>
+        </p:pic>
+      </p:grpSp>
+      <p:pic>
+        <p:nvPicPr>
+          <p:cNvPr id="5" name="Content Placeholder 4"/>
+          <p:cNvPicPr>
+            <a:picLocks noGrp="1" noChangeAspect="1"/>
+          </p:cNvPicPr>
+          <p:nvPr>
+            <p:ph sz="half" idx="1"/>
+          </p:nvPr>
+        </p:nvPicPr>
+        <p:blipFill>
+          <a:blip r:embed="rId4"/>
+          <a:stretch>
+            <a:fillRect/>
+          </a:stretch>
+        </p:blipFill>
+        <p:spPr>
+          <a:xfrm>
+            <a:off x="838200" y="1826895"/>
+            <a:ext cx="5181600" cy="4348480"/>
+          </a:xfrm>
+          <a:prstGeom prst="rect">
+            <a:avLst/>
+          </a:prstGeom>
+          <a:effectLst>
+            <a:outerShdw blurRad="50800" dist="38100" dir="2700000" algn="tl" rotWithShape="0">
+              <a:prstClr val="black">
+                <a:alpha val="40000"/>
+              </a:prstClr>
+            </a:outerShdw>
+          </a:effectLst>
+        </p:spPr>
+      </p:pic>
+      <p:pic>
+        <p:nvPicPr>
+          <p:cNvPr id="8" name="Content Placeholder 7"/>
+          <p:cNvPicPr>
+            <a:picLocks noGrp="1" noChangeAspect="1"/>
+          </p:cNvPicPr>
+          <p:nvPr>
+            <p:ph sz="half" idx="2"/>
+          </p:nvPr>
+        </p:nvPicPr>
+        <p:blipFill>
+          <a:blip r:embed="rId5"/>
+          <a:stretch>
+            <a:fillRect/>
+          </a:stretch>
+        </p:blipFill>
+        <p:spPr>
+          <a:xfrm>
+            <a:off x="6210935" y="1825625"/>
+            <a:ext cx="5102860" cy="4351655"/>
+          </a:xfrm>
+          <a:prstGeom prst="rect">
+            <a:avLst/>
+          </a:prstGeom>
+          <a:effectLst>
+            <a:outerShdw blurRad="50800" dist="38100" dir="2700000" algn="tl" rotWithShape="0">
+              <a:prstClr val="black">
+                <a:alpha val="40000"/>
+              </a:prstClr>
+            </a:outerShdw>
+          </a:effectLst>
+        </p:spPr>
+      </p:pic>
+    </p:spTree>
+  </p:cSld>
+  <p:clrMapOvr>
+    <a:masterClrMapping/>
+  </p:clrMapOvr>
+  <p:timing>
+    <p:tnLst>
+      <p:par>
+        <p:cTn id="1" dur="indefinite" restart="never" nodeType="tmRoot"/>
+      </p:par>
+    </p:tnLst>
+  </p:timing>
+</p:sld>
+</file>
+
+<file path=ppt/slides/slide5.xml><?xml version="1.0" encoding="utf-8"?>
+<p:sld xmlns:a="http://schemas.openxmlformats.org/drawingml/2006/main" xmlns:r="http://schemas.openxmlformats.org/officeDocument/2006/relationships" xmlns:p="http://schemas.openxmlformats.org/presentationml/2006/main">
+  <p:cSld>
+    <p:spTree>
+      <p:nvGrpSpPr>
+        <p:cNvPr id="1" name=""/>
+        <p:cNvGrpSpPr/>
+        <p:nvPr/>
+      </p:nvGrpSpPr>
+      <p:grpSpPr>
+        <a:xfrm>
+          <a:off x="0" y="0"/>
+          <a:ext cx="0" cy="0"/>
+          <a:chOff x="0" y="0"/>
+          <a:chExt cx="0" cy="0"/>
+        </a:xfrm>
+      </p:grpSpPr>
+      <p:sp>
+        <p:nvSpPr>
+          <p:cNvPr id="2" name="Title 1"/>
+          <p:cNvSpPr>
+            <a:spLocks noGrp="1"/>
+          </p:cNvSpPr>
+          <p:nvPr>
+            <p:ph type="title"/>
+          </p:nvPr>
+        </p:nvSpPr>
+        <p:spPr/>
+        <p:txBody>
+          <a:bodyPr anchor="ctr" anchorCtr="0"/>
+          <a:lstStyle/>
+          <a:p>
+            <a:pPr algn="ctr"/>
+            <a:r>
+              <a:rPr lang="zh-TW" altLang="en-US" sz="6000" dirty="0">
+                <a:solidFill>
+                  <a:srgbClr val="614F4D"/>
+                </a:solidFill>
+                <a:latin typeface="華康儷粗黑" panose="020B0709000000000000" pitchFamily="49" charset="-120"/>
+                <a:ea typeface="華康儷粗黑" panose="020B0709000000000000" pitchFamily="49" charset="-120"/>
+              </a:rPr>
+              <a:t>網站架構</a:t>
+            </a:r>
+          </a:p>
+        </p:txBody>
+      </p:sp>
+      <p:grpSp>
+        <p:nvGrpSpPr>
+          <p:cNvPr id="12" name="Group 11"/>
+          <p:cNvGrpSpPr/>
+          <p:nvPr/>
+        </p:nvGrpSpPr>
+        <p:grpSpPr>
+          <a:xfrm>
+            <a:off x="132397" y="-208916"/>
+            <a:ext cx="12285345" cy="7806055"/>
+            <a:chOff x="288" y="-642"/>
+            <a:chExt cx="19347" cy="12293"/>
+          </a:xfrm>
+        </p:grpSpPr>
+        <p:sp>
+          <p:nvSpPr>
+            <p:cNvPr id="13" name="Rounded Rectangle 12"/>
+            <p:cNvSpPr/>
+            <p:nvPr/>
+          </p:nvSpPr>
+          <p:spPr>
+            <a:xfrm>
+              <a:off x="2784" y="2517"/>
+              <a:ext cx="14313" cy="7568"/>
+            </a:xfrm>
+            <a:prstGeom prst="roundRect">
+              <a:avLst>
+                <a:gd name="adj" fmla="val 5787"/>
+              </a:avLst>
+            </a:prstGeom>
+            <a:solidFill>
+              <a:schemeClr val="bg1">
+                <a:alpha val="16000"/>
+              </a:schemeClr>
+            </a:solidFill>
+            <a:ln>
+              <a:noFill/>
+            </a:ln>
+          </p:spPr>
+          <p:style>
+            <a:lnRef idx="2">
+              <a:schemeClr val="accent1">
+                <a:shade val="50000"/>
+              </a:schemeClr>
+            </a:lnRef>
+            <a:fillRef idx="1">
+              <a:schemeClr val="accent1"/>
+            </a:fillRef>
+            <a:effectRef idx="0">
+              <a:schemeClr val="accent1"/>
+            </a:effectRef>
+            <a:fontRef idx="minor">
+              <a:schemeClr val="lt1"/>
+            </a:fontRef>
+          </p:style>
+          <p:txBody>
+            <a:bodyPr rtlCol="0" anchor="ctr"/>
+            <a:lstStyle/>
+            <a:p>
+              <a:pPr algn="ctr"/>
+              <a:endParaRPr lang="en-US"/>
+            </a:p>
+          </p:txBody>
+        </p:sp>
+        <p:pic>
+          <p:nvPicPr>
+            <p:cNvPr id="14" name="Picture 13" descr="鳥"/>
+            <p:cNvPicPr>
+              <a:picLocks noChangeAspect="1"/>
+            </p:cNvPicPr>
+            <p:nvPr/>
+          </p:nvPicPr>
+          <p:blipFill>
+            <a:blip r:embed="rId2"/>
+            <a:stretch>
+              <a:fillRect/>
+            </a:stretch>
+          </p:blipFill>
+          <p:spPr>
+            <a:xfrm>
+              <a:off x="288" y="-642"/>
+              <a:ext cx="5250" cy="5895"/>
+            </a:xfrm>
+            <a:prstGeom prst="rect">
+              <a:avLst/>
+            </a:prstGeom>
+          </p:spPr>
+        </p:pic>
+        <p:pic>
+          <p:nvPicPr>
+            <p:cNvPr id="15" name="Picture 14" descr="mountain"/>
+            <p:cNvPicPr>
+              <a:picLocks noChangeAspect="1"/>
+            </p:cNvPicPr>
+            <p:nvPr/>
+          </p:nvPicPr>
+          <p:blipFill>
+            <a:blip r:embed="rId3"/>
+            <a:srcRect t="62647"/>
+            <a:stretch>
+              <a:fillRect/>
+            </a:stretch>
+          </p:blipFill>
+          <p:spPr>
+            <a:xfrm>
+              <a:off x="9315" y="5987"/>
+              <a:ext cx="10320" cy="5665"/>
+            </a:xfrm>
+            <a:prstGeom prst="rect">
+              <a:avLst/>
+            </a:prstGeom>
+          </p:spPr>
+        </p:pic>
+      </p:grpSp>
+      <p:sp>
+        <p:nvSpPr>
+          <p:cNvPr id="6" name="Flowchart: Process 5"/>
+          <p:cNvSpPr/>
+          <p:nvPr/>
+        </p:nvSpPr>
+        <p:spPr>
+          <a:xfrm>
+            <a:off x="949325" y="2933065"/>
+            <a:ext cx="641985" cy="1872298"/>
+          </a:xfrm>
+          <a:prstGeom prst="flowChartProcess">
+            <a:avLst/>
+          </a:prstGeom>
+          <a:solidFill>
+            <a:srgbClr val="7E2F28"/>
+          </a:solidFill>
+          <a:ln>
+            <a:noFill/>
+          </a:ln>
+        </p:spPr>
+        <p:style>
+          <a:lnRef idx="2">
+            <a:schemeClr val="accent1">
+              <a:shade val="50000"/>
+            </a:schemeClr>
+          </a:lnRef>
+          <a:fillRef idx="1">
+            <a:schemeClr val="accent1"/>
+          </a:fillRef>
+          <a:effectRef idx="0">
+            <a:schemeClr val="accent1"/>
+          </a:effectRef>
+          <a:fontRef idx="minor">
+            <a:schemeClr val="lt1"/>
+          </a:fontRef>
+        </p:style>
+        <p:txBody>
+          <a:bodyPr rtlCol="0" anchor="ctr"/>
+          <a:lstStyle/>
+          <a:p>
+            <a:pPr algn="ctr"/>
+            <a:endParaRPr lang="en-US"/>
+          </a:p>
+        </p:txBody>
+      </p:sp>
+      <p:sp>
+        <p:nvSpPr>
+          <p:cNvPr id="9" name="Text Box 8"/>
+          <p:cNvSpPr txBox="1"/>
+          <p:nvPr/>
+        </p:nvSpPr>
+        <p:spPr>
+          <a:xfrm>
+            <a:off x="1038840" y="3070225"/>
+            <a:ext cx="461665" cy="1598931"/>
+          </a:xfrm>
+          <a:prstGeom prst="rect">
+            <a:avLst/>
+          </a:prstGeom>
+          <a:noFill/>
+        </p:spPr>
+        <p:txBody>
+          <a:bodyPr vert="eaVert" wrap="square" rtlCol="0">
+            <a:spAutoFit/>
+          </a:bodyPr>
+          <a:lstStyle/>
+          <a:p>
+            <a:r>
+              <a:rPr lang="zh-TW" altLang="en-US" dirty="0">
+                <a:solidFill>
+                  <a:schemeClr val="bg1"/>
+                </a:solidFill>
+                <a:latin typeface="Noto Sans CJK TC Bold" panose="020B0800000000000000" charset="-120"/>
+                <a:ea typeface="Noto Sans CJK TC Bold" panose="020B0800000000000000" charset="-120"/>
+              </a:rPr>
+              <a:t>前</a:t>
+            </a:r>
+            <a:r>
+              <a:rPr lang="en-US" altLang="zh-TW" dirty="0">
+                <a:solidFill>
+                  <a:schemeClr val="bg1"/>
+                </a:solidFill>
+                <a:latin typeface="Noto Sans CJK TC Bold" panose="020B0800000000000000" charset="-120"/>
+                <a:ea typeface="Noto Sans CJK TC Bold" panose="020B0800000000000000" charset="-120"/>
+              </a:rPr>
+              <a:t> </a:t>
+            </a:r>
+            <a:r>
+              <a:rPr lang="zh-TW" altLang="en-US" dirty="0">
+                <a:solidFill>
+                  <a:schemeClr val="bg1"/>
+                </a:solidFill>
+                <a:latin typeface="Noto Sans CJK TC Bold" panose="020B0800000000000000" charset="-120"/>
+                <a:ea typeface="Noto Sans CJK TC Bold" panose="020B0800000000000000" charset="-120"/>
+              </a:rPr>
+              <a:t>臺</a:t>
+            </a:r>
+            <a:r>
+              <a:rPr lang="en-US" altLang="zh-TW" dirty="0">
+                <a:solidFill>
+                  <a:schemeClr val="bg1"/>
+                </a:solidFill>
+                <a:latin typeface="Noto Sans CJK TC Bold" panose="020B0800000000000000" charset="-120"/>
+                <a:ea typeface="Noto Sans CJK TC Bold" panose="020B0800000000000000" charset="-120"/>
+              </a:rPr>
+              <a:t> </a:t>
+            </a:r>
+            <a:r>
+              <a:rPr lang="en-US" altLang="zh-TW" dirty="0" smtClean="0">
+                <a:solidFill>
+                  <a:schemeClr val="bg1"/>
+                </a:solidFill>
+                <a:latin typeface="Noto Sans CJK TC Bold" panose="020B0800000000000000" charset="-120"/>
+                <a:ea typeface="Noto Sans CJK TC Bold" panose="020B0800000000000000" charset="-120"/>
+              </a:rPr>
+              <a:t>/ </a:t>
+            </a:r>
+            <a:r>
+              <a:rPr lang="zh-TW" altLang="en-US" dirty="0" smtClean="0">
+                <a:solidFill>
+                  <a:schemeClr val="bg1"/>
+                </a:solidFill>
+                <a:latin typeface="Noto Sans CJK TC Bold" panose="020B0800000000000000" charset="-120"/>
+                <a:ea typeface="Noto Sans CJK TC Bold" panose="020B0800000000000000" charset="-120"/>
+              </a:rPr>
+              <a:t>首頁</a:t>
+            </a:r>
+            <a:endParaRPr lang="zh-TW" altLang="en-US" dirty="0">
+              <a:solidFill>
+                <a:schemeClr val="bg1"/>
+              </a:solidFill>
+              <a:latin typeface="Noto Sans CJK TC Bold" panose="020B0800000000000000" charset="-120"/>
+              <a:ea typeface="Noto Sans CJK TC Bold" panose="020B0800000000000000" charset="-120"/>
+            </a:endParaRPr>
+          </a:p>
+        </p:txBody>
+      </p:sp>
+      <p:sp>
+        <p:nvSpPr>
+          <p:cNvPr id="10" name="Flowchart: Process 9"/>
+          <p:cNvSpPr/>
+          <p:nvPr/>
+        </p:nvSpPr>
+        <p:spPr>
+          <a:xfrm>
+            <a:off x="2075815" y="2548890"/>
+            <a:ext cx="1788160" cy="520700"/>
+          </a:xfrm>
+          <a:prstGeom prst="flowChartProcess">
+            <a:avLst/>
+          </a:prstGeom>
+          <a:solidFill>
+            <a:srgbClr val="202938"/>
+          </a:solidFill>
+          <a:ln>
+            <a:noFill/>
+          </a:ln>
+        </p:spPr>
+        <p:style>
+          <a:lnRef idx="2">
+            <a:schemeClr val="accent1">
+              <a:shade val="50000"/>
+            </a:schemeClr>
+          </a:lnRef>
+          <a:fillRef idx="1">
+            <a:schemeClr val="accent1"/>
+          </a:fillRef>
+          <a:effectRef idx="0">
+            <a:schemeClr val="accent1"/>
+          </a:effectRef>
+          <a:fontRef idx="minor">
+            <a:schemeClr val="lt1"/>
+          </a:fontRef>
+        </p:style>
+        <p:txBody>
+          <a:bodyPr rtlCol="0" anchor="ctr"/>
+          <a:lstStyle/>
+          <a:p>
+            <a:pPr algn="ctr"/>
+            <a:endParaRPr lang="en-US"/>
+          </a:p>
+        </p:txBody>
+      </p:sp>
+      <p:sp>
+        <p:nvSpPr>
+          <p:cNvPr id="16" name="Flowchart: Process 15"/>
+          <p:cNvSpPr/>
+          <p:nvPr/>
+        </p:nvSpPr>
+        <p:spPr>
+          <a:xfrm>
+            <a:off x="2066290" y="3214370"/>
+            <a:ext cx="1788160" cy="520700"/>
+          </a:xfrm>
+          <a:prstGeom prst="flowChartProcess">
+            <a:avLst/>
+          </a:prstGeom>
+          <a:solidFill>
+            <a:srgbClr val="202938"/>
+          </a:solidFill>
+          <a:ln>
+            <a:noFill/>
+          </a:ln>
+        </p:spPr>
+        <p:style>
+          <a:lnRef idx="2">
+            <a:schemeClr val="accent1">
+              <a:shade val="50000"/>
+            </a:schemeClr>
+          </a:lnRef>
+          <a:fillRef idx="1">
+            <a:schemeClr val="accent1"/>
+          </a:fillRef>
+          <a:effectRef idx="0">
+            <a:schemeClr val="accent1"/>
+          </a:effectRef>
+          <a:fontRef idx="minor">
+            <a:schemeClr val="lt1"/>
+          </a:fontRef>
+        </p:style>
+        <p:txBody>
+          <a:bodyPr rtlCol="0" anchor="ctr"/>
+          <a:lstStyle/>
+          <a:p>
+            <a:pPr algn="ctr"/>
+            <a:endParaRPr lang="en-US"/>
+          </a:p>
+        </p:txBody>
+      </p:sp>
+      <p:sp>
+        <p:nvSpPr>
+          <p:cNvPr id="17" name="Flowchart: Process 16"/>
+          <p:cNvSpPr/>
+          <p:nvPr/>
+        </p:nvSpPr>
+        <p:spPr>
+          <a:xfrm>
+            <a:off x="2075815" y="3879850"/>
+            <a:ext cx="1788160" cy="520700"/>
+          </a:xfrm>
+          <a:prstGeom prst="flowChartProcess">
+            <a:avLst/>
+          </a:prstGeom>
+          <a:solidFill>
+            <a:srgbClr val="202938"/>
+          </a:solidFill>
+          <a:ln>
+            <a:noFill/>
+          </a:ln>
+        </p:spPr>
+        <p:style>
+          <a:lnRef idx="2">
+            <a:schemeClr val="accent1">
+              <a:shade val="50000"/>
+            </a:schemeClr>
+          </a:lnRef>
+          <a:fillRef idx="1">
+            <a:schemeClr val="accent1"/>
+          </a:fillRef>
+          <a:effectRef idx="0">
+            <a:schemeClr val="accent1"/>
+          </a:effectRef>
+          <a:fontRef idx="minor">
+            <a:schemeClr val="lt1"/>
+          </a:fontRef>
+        </p:style>
+        <p:txBody>
+          <a:bodyPr rtlCol="0" anchor="ctr"/>
+          <a:lstStyle/>
+          <a:p>
+            <a:pPr algn="ctr"/>
+            <a:endParaRPr lang="en-US"/>
+          </a:p>
+        </p:txBody>
+      </p:sp>
+      <p:sp>
+        <p:nvSpPr>
+          <p:cNvPr id="18" name="Flowchart: Process 17"/>
+          <p:cNvSpPr/>
+          <p:nvPr/>
+        </p:nvSpPr>
+        <p:spPr>
+          <a:xfrm>
+            <a:off x="2075815" y="4545330"/>
+            <a:ext cx="1788160" cy="520700"/>
+          </a:xfrm>
+          <a:prstGeom prst="flowChartProcess">
+            <a:avLst/>
+          </a:prstGeom>
+          <a:solidFill>
+            <a:srgbClr val="202938"/>
+          </a:solidFill>
+          <a:ln>
+            <a:noFill/>
+          </a:ln>
+        </p:spPr>
+        <p:style>
+          <a:lnRef idx="2">
+            <a:schemeClr val="accent1">
+              <a:shade val="50000"/>
+            </a:schemeClr>
+          </a:lnRef>
+          <a:fillRef idx="1">
+            <a:schemeClr val="accent1"/>
+          </a:fillRef>
+          <a:effectRef idx="0">
+            <a:schemeClr val="accent1"/>
+          </a:effectRef>
+          <a:fontRef idx="minor">
+            <a:schemeClr val="lt1"/>
+          </a:fontRef>
+        </p:style>
+        <p:txBody>
+          <a:bodyPr rtlCol="0" anchor="ctr"/>
+          <a:lstStyle/>
+          <a:p>
+            <a:pPr algn="ctr"/>
+            <a:endParaRPr lang="en-US"/>
+          </a:p>
+        </p:txBody>
+      </p:sp>
+      <p:sp>
+        <p:nvSpPr>
+          <p:cNvPr id="19" name="Flowchart: Process 18"/>
+          <p:cNvSpPr/>
+          <p:nvPr/>
+        </p:nvSpPr>
+        <p:spPr>
+          <a:xfrm>
+            <a:off x="2075815" y="5210810"/>
+            <a:ext cx="1788160" cy="520700"/>
+          </a:xfrm>
+          <a:prstGeom prst="flowChartProcess">
+            <a:avLst/>
+          </a:prstGeom>
+          <a:solidFill>
+            <a:srgbClr val="202938"/>
+          </a:solidFill>
+          <a:ln>
+            <a:noFill/>
+          </a:ln>
+        </p:spPr>
+        <p:style>
+          <a:lnRef idx="2">
+            <a:schemeClr val="accent1">
+              <a:shade val="50000"/>
+            </a:schemeClr>
+          </a:lnRef>
+          <a:fillRef idx="1">
+            <a:schemeClr val="accent1"/>
+          </a:fillRef>
+          <a:effectRef idx="0">
+            <a:schemeClr val="accent1"/>
+          </a:effectRef>
+          <a:fontRef idx="minor">
+            <a:schemeClr val="lt1"/>
+          </a:fontRef>
+        </p:style>
+        <p:txBody>
+          <a:bodyPr rtlCol="0" anchor="ctr"/>
+          <a:lstStyle/>
+          <a:p>
+            <a:pPr algn="ctr"/>
+            <a:endParaRPr lang="en-US"/>
+          </a:p>
+        </p:txBody>
+      </p:sp>
+      <p:cxnSp>
+        <p:nvCxnSpPr>
+          <p:cNvPr id="20" name="Elbow Connector 19"/>
+          <p:cNvCxnSpPr>
+            <a:stCxn id="6" idx="3"/>
+            <a:endCxn id="10" idx="1"/>
+          </p:cNvCxnSpPr>
+          <p:nvPr/>
+        </p:nvCxnSpPr>
+        <p:spPr>
+          <a:xfrm flipV="1">
+            <a:off x="1591310" y="2809240"/>
+            <a:ext cx="484505" cy="1059974"/>
+          </a:xfrm>
+          <a:prstGeom prst="bentConnector3">
+            <a:avLst>
+              <a:gd name="adj1" fmla="val 50000"/>
+            </a:avLst>
+          </a:prstGeom>
+        </p:spPr>
+        <p:style>
+          <a:lnRef idx="1">
+            <a:schemeClr val="dk1"/>
+          </a:lnRef>
+          <a:fillRef idx="0">
+            <a:schemeClr val="dk1"/>
+          </a:fillRef>
+          <a:effectRef idx="0">
+            <a:schemeClr val="dk1"/>
+          </a:effectRef>
+          <a:fontRef idx="minor">
+            <a:schemeClr val="tx1"/>
+          </a:fontRef>
+        </p:style>
+      </p:cxnSp>
+      <p:cxnSp>
+        <p:nvCxnSpPr>
+          <p:cNvPr id="21" name="Elbow Connector 20"/>
+          <p:cNvCxnSpPr>
+            <a:stCxn id="6" idx="3"/>
+          </p:cNvCxnSpPr>
+          <p:nvPr/>
+        </p:nvCxnSpPr>
+        <p:spPr>
+          <a:xfrm flipV="1">
+            <a:off x="1591310" y="3435986"/>
+            <a:ext cx="484505" cy="433228"/>
+          </a:xfrm>
+          <a:prstGeom prst="bentConnector3">
+            <a:avLst>
+              <a:gd name="adj1" fmla="val 50000"/>
+            </a:avLst>
+          </a:prstGeom>
+        </p:spPr>
+        <p:style>
+          <a:lnRef idx="1">
+            <a:schemeClr val="dk1"/>
+          </a:lnRef>
+          <a:fillRef idx="0">
+            <a:schemeClr val="dk1"/>
+          </a:fillRef>
+          <a:effectRef idx="0">
+            <a:schemeClr val="dk1"/>
+          </a:effectRef>
+          <a:fontRef idx="minor">
+            <a:schemeClr val="tx1"/>
+          </a:fontRef>
+        </p:style>
+      </p:cxnSp>
+      <p:cxnSp>
+        <p:nvCxnSpPr>
+          <p:cNvPr id="22" name="Elbow Connector 21"/>
+          <p:cNvCxnSpPr>
+            <a:stCxn id="6" idx="3"/>
+          </p:cNvCxnSpPr>
+          <p:nvPr/>
+        </p:nvCxnSpPr>
+        <p:spPr>
+          <a:xfrm>
+            <a:off x="1591310" y="3869214"/>
+            <a:ext cx="484505" cy="240506"/>
+          </a:xfrm>
+          <a:prstGeom prst="bentConnector3">
+            <a:avLst>
+              <a:gd name="adj1" fmla="val 50000"/>
+            </a:avLst>
+          </a:prstGeom>
+        </p:spPr>
+        <p:style>
+          <a:lnRef idx="1">
+            <a:schemeClr val="dk1"/>
+          </a:lnRef>
+          <a:fillRef idx="0">
+            <a:schemeClr val="dk1"/>
+          </a:fillRef>
+          <a:effectRef idx="0">
+            <a:schemeClr val="dk1"/>
+          </a:effectRef>
+          <a:fontRef idx="minor">
+            <a:schemeClr val="tx1"/>
+          </a:fontRef>
+        </p:style>
+      </p:cxnSp>
+      <p:cxnSp>
+        <p:nvCxnSpPr>
+          <p:cNvPr id="25" name="Elbow Connector 24"/>
+          <p:cNvCxnSpPr>
+            <a:stCxn id="6" idx="3"/>
+            <a:endCxn id="19" idx="1"/>
+          </p:cNvCxnSpPr>
+          <p:nvPr/>
+        </p:nvCxnSpPr>
+        <p:spPr>
+          <a:xfrm>
+            <a:off x="1591310" y="3869214"/>
+            <a:ext cx="484505" cy="1601946"/>
+          </a:xfrm>
+          <a:prstGeom prst="bentConnector3">
+            <a:avLst>
+              <a:gd name="adj1" fmla="val 50000"/>
+            </a:avLst>
+          </a:prstGeom>
+        </p:spPr>
+        <p:style>
+          <a:lnRef idx="1">
+            <a:schemeClr val="dk1"/>
+          </a:lnRef>
+          <a:fillRef idx="0">
+            <a:schemeClr val="dk1"/>
+          </a:fillRef>
+          <a:effectRef idx="0">
+            <a:schemeClr val="dk1"/>
+          </a:effectRef>
+          <a:fontRef idx="minor">
+            <a:schemeClr val="tx1"/>
+          </a:fontRef>
+        </p:style>
+      </p:cxnSp>
+      <p:cxnSp>
+        <p:nvCxnSpPr>
+          <p:cNvPr id="26" name="Elbow Connector 25"/>
+          <p:cNvCxnSpPr>
+            <a:stCxn id="6" idx="3"/>
+            <a:endCxn id="18" idx="1"/>
+          </p:cNvCxnSpPr>
+          <p:nvPr/>
+        </p:nvCxnSpPr>
+        <p:spPr>
+          <a:xfrm>
+            <a:off x="1591310" y="3869214"/>
+            <a:ext cx="484505" cy="936466"/>
+          </a:xfrm>
+          <a:prstGeom prst="bentConnector3">
+            <a:avLst>
+              <a:gd name="adj1" fmla="val 50000"/>
+            </a:avLst>
+          </a:prstGeom>
+        </p:spPr>
+        <p:style>
+          <a:lnRef idx="1">
+            <a:schemeClr val="dk1"/>
+          </a:lnRef>
+          <a:fillRef idx="0">
+            <a:schemeClr val="dk1"/>
+          </a:fillRef>
+          <a:effectRef idx="0">
+            <a:schemeClr val="dk1"/>
+          </a:effectRef>
+          <a:fontRef idx="minor">
+            <a:schemeClr val="tx1"/>
+          </a:fontRef>
+        </p:style>
+      </p:cxnSp>
+      <p:sp>
+        <p:nvSpPr>
+          <p:cNvPr id="27" name="Text Box 26"/>
+          <p:cNvSpPr txBox="1"/>
+          <p:nvPr/>
+        </p:nvSpPr>
+        <p:spPr>
+          <a:xfrm>
+            <a:off x="2294255" y="2625090"/>
+            <a:ext cx="1351280" cy="368300"/>
+          </a:xfrm>
+          <a:prstGeom prst="rect">
+            <a:avLst/>
+          </a:prstGeom>
+          <a:noFill/>
+        </p:spPr>
+        <p:txBody>
+          <a:bodyPr wrap="square" rtlCol="0">
+            <a:spAutoFit/>
+          </a:bodyPr>
+          <a:lstStyle/>
+          <a:p>
+            <a:pPr algn="dist"/>
+            <a:r>
+              <a:rPr lang="zh-TW" altLang="en-US" dirty="0">
+                <a:solidFill>
+                  <a:schemeClr val="bg1"/>
+                </a:solidFill>
+                <a:latin typeface="Noto Sans CJK TC Bold" panose="020B0800000000000000" charset="-120"/>
+                <a:ea typeface="Noto Sans CJK TC Bold" panose="020B0800000000000000" charset="-120"/>
+              </a:rPr>
+              <a:t>精選字帖</a:t>
+            </a:r>
+          </a:p>
+        </p:txBody>
+      </p:sp>
+      <p:sp>
+        <p:nvSpPr>
+          <p:cNvPr id="28" name="Text Box 27"/>
+          <p:cNvSpPr txBox="1"/>
+          <p:nvPr/>
+        </p:nvSpPr>
+        <p:spPr>
+          <a:xfrm>
+            <a:off x="2284730" y="3290570"/>
+            <a:ext cx="1351280" cy="368300"/>
+          </a:xfrm>
+          <a:prstGeom prst="rect">
+            <a:avLst/>
+          </a:prstGeom>
+          <a:noFill/>
+        </p:spPr>
+        <p:txBody>
+          <a:bodyPr wrap="square" rtlCol="0">
+            <a:spAutoFit/>
+          </a:bodyPr>
+          <a:lstStyle/>
+          <a:p>
+            <a:pPr algn="dist"/>
+            <a:r>
+              <a:rPr lang="zh-TW" altLang="en-US">
+                <a:solidFill>
+                  <a:schemeClr val="bg1"/>
+                </a:solidFill>
+                <a:latin typeface="Noto Sans CJK TC Bold" panose="020B0800000000000000" charset="-120"/>
+                <a:ea typeface="Noto Sans CJK TC Bold" panose="020B0800000000000000" charset="-120"/>
+              </a:rPr>
+              <a:t>書法入門</a:t>
+            </a:r>
+          </a:p>
+        </p:txBody>
+      </p:sp>
+      <p:sp>
+        <p:nvSpPr>
+          <p:cNvPr id="29" name="Text Box 28"/>
+          <p:cNvSpPr txBox="1"/>
+          <p:nvPr/>
+        </p:nvSpPr>
+        <p:spPr>
+          <a:xfrm>
+            <a:off x="2294255" y="3956050"/>
+            <a:ext cx="1351280" cy="368300"/>
+          </a:xfrm>
+          <a:prstGeom prst="rect">
+            <a:avLst/>
+          </a:prstGeom>
+          <a:noFill/>
+        </p:spPr>
+        <p:txBody>
+          <a:bodyPr wrap="square" rtlCol="0">
+            <a:spAutoFit/>
+          </a:bodyPr>
+          <a:lstStyle/>
+          <a:p>
+            <a:pPr algn="dist"/>
+            <a:r>
+              <a:rPr lang="zh-TW" altLang="en-US">
+                <a:solidFill>
+                  <a:schemeClr val="bg1"/>
+                </a:solidFill>
+                <a:latin typeface="Noto Sans CJK TC Bold" panose="020B0800000000000000" charset="-120"/>
+                <a:ea typeface="Noto Sans CJK TC Bold" panose="020B0800000000000000" charset="-120"/>
+              </a:rPr>
+              <a:t>作品分享</a:t>
+            </a:r>
+          </a:p>
+        </p:txBody>
+      </p:sp>
+      <p:sp>
+        <p:nvSpPr>
+          <p:cNvPr id="30" name="Text Box 29"/>
+          <p:cNvSpPr txBox="1"/>
+          <p:nvPr/>
+        </p:nvSpPr>
+        <p:spPr>
+          <a:xfrm>
+            <a:off x="2294255" y="4621530"/>
+            <a:ext cx="1351280" cy="368300"/>
+          </a:xfrm>
+          <a:prstGeom prst="rect">
+            <a:avLst/>
+          </a:prstGeom>
+          <a:noFill/>
+        </p:spPr>
+        <p:txBody>
+          <a:bodyPr wrap="square" rtlCol="0">
+            <a:spAutoFit/>
+          </a:bodyPr>
+          <a:lstStyle/>
+          <a:p>
+            <a:pPr algn="dist"/>
+            <a:r>
+              <a:rPr lang="zh-TW" altLang="en-US">
+                <a:solidFill>
+                  <a:schemeClr val="bg1"/>
+                </a:solidFill>
+                <a:latin typeface="Noto Sans CJK TC Bold" panose="020B0800000000000000" charset="-120"/>
+                <a:ea typeface="Noto Sans CJK TC Bold" panose="020B0800000000000000" charset="-120"/>
+              </a:rPr>
+              <a:t>常見問題</a:t>
+            </a:r>
+          </a:p>
+        </p:txBody>
+      </p:sp>
+      <p:sp>
+        <p:nvSpPr>
+          <p:cNvPr id="31" name="Text Box 30"/>
+          <p:cNvSpPr txBox="1"/>
+          <p:nvPr/>
+        </p:nvSpPr>
+        <p:spPr>
+          <a:xfrm>
+            <a:off x="2294255" y="5287010"/>
+            <a:ext cx="1351280" cy="368300"/>
+          </a:xfrm>
+          <a:prstGeom prst="rect">
+            <a:avLst/>
+          </a:prstGeom>
+          <a:noFill/>
+        </p:spPr>
+        <p:txBody>
+          <a:bodyPr wrap="square" rtlCol="0">
+            <a:spAutoFit/>
+          </a:bodyPr>
+          <a:lstStyle/>
+          <a:p>
+            <a:pPr algn="dist"/>
+            <a:r>
+              <a:rPr lang="zh-TW" altLang="en-US">
+                <a:solidFill>
+                  <a:schemeClr val="bg1"/>
+                </a:solidFill>
+                <a:latin typeface="Noto Sans CJK TC Bold" panose="020B0800000000000000" charset="-120"/>
+                <a:ea typeface="Noto Sans CJK TC Bold" panose="020B0800000000000000" charset="-120"/>
+              </a:rPr>
+              <a:t>店家資訊</a:t>
+            </a:r>
+          </a:p>
+        </p:txBody>
+      </p:sp>
+      <p:sp>
+        <p:nvSpPr>
+          <p:cNvPr id="32" name="Flowchart: Process 31"/>
+          <p:cNvSpPr/>
+          <p:nvPr/>
+        </p:nvSpPr>
+        <p:spPr>
+          <a:xfrm>
+            <a:off x="4499903" y="1557534"/>
+            <a:ext cx="1191895" cy="520700"/>
+          </a:xfrm>
+          <a:prstGeom prst="flowChartProcess">
+            <a:avLst/>
+          </a:prstGeom>
+          <a:solidFill>
+            <a:srgbClr val="45312A"/>
+          </a:solidFill>
+          <a:ln>
+            <a:noFill/>
+          </a:ln>
+        </p:spPr>
+        <p:style>
+          <a:lnRef idx="2">
+            <a:schemeClr val="accent1">
+              <a:shade val="50000"/>
+            </a:schemeClr>
+          </a:lnRef>
+          <a:fillRef idx="1">
+            <a:schemeClr val="accent1"/>
+          </a:fillRef>
+          <a:effectRef idx="0">
+            <a:schemeClr val="accent1"/>
+          </a:effectRef>
+          <a:fontRef idx="minor">
+            <a:schemeClr val="lt1"/>
+          </a:fontRef>
+        </p:style>
+        <p:txBody>
+          <a:bodyPr rtlCol="0" anchor="ctr"/>
+          <a:lstStyle/>
+          <a:p>
+            <a:pPr algn="ctr"/>
+            <a:endParaRPr lang="en-US"/>
+          </a:p>
+        </p:txBody>
+      </p:sp>
+      <p:sp>
+        <p:nvSpPr>
+          <p:cNvPr id="33" name="Text Box 32"/>
+          <p:cNvSpPr txBox="1"/>
+          <p:nvPr/>
+        </p:nvSpPr>
+        <p:spPr>
+          <a:xfrm>
+            <a:off x="4650081" y="1633734"/>
+            <a:ext cx="891540" cy="368300"/>
+          </a:xfrm>
+          <a:prstGeom prst="rect">
+            <a:avLst/>
+          </a:prstGeom>
+          <a:noFill/>
+        </p:spPr>
+        <p:txBody>
+          <a:bodyPr wrap="square" rtlCol="0">
+            <a:spAutoFit/>
+          </a:bodyPr>
+          <a:lstStyle/>
+          <a:p>
+            <a:pPr algn="dist"/>
+            <a:r>
+              <a:rPr lang="zh-TW" altLang="en-US" dirty="0">
+                <a:solidFill>
+                  <a:schemeClr val="bg1"/>
+                </a:solidFill>
+                <a:latin typeface="Noto Sans CJK TC Bold" panose="020B0800000000000000" charset="-120"/>
+                <a:ea typeface="Noto Sans CJK TC Bold" panose="020B0800000000000000" charset="-120"/>
+              </a:rPr>
+              <a:t>草書</a:t>
+            </a:r>
+          </a:p>
+        </p:txBody>
+      </p:sp>
+      <p:sp>
+        <p:nvSpPr>
+          <p:cNvPr id="34" name="Flowchart: Process 33"/>
+          <p:cNvSpPr/>
+          <p:nvPr/>
+        </p:nvSpPr>
+        <p:spPr>
+          <a:xfrm>
+            <a:off x="4499903" y="2155069"/>
+            <a:ext cx="1191895" cy="520700"/>
+          </a:xfrm>
+          <a:prstGeom prst="flowChartProcess">
+            <a:avLst/>
+          </a:prstGeom>
+          <a:solidFill>
+            <a:srgbClr val="45312A"/>
+          </a:solidFill>
+          <a:ln>
+            <a:noFill/>
+          </a:ln>
+        </p:spPr>
+        <p:style>
+          <a:lnRef idx="2">
+            <a:schemeClr val="accent1">
+              <a:shade val="50000"/>
+            </a:schemeClr>
+          </a:lnRef>
+          <a:fillRef idx="1">
+            <a:schemeClr val="accent1"/>
+          </a:fillRef>
+          <a:effectRef idx="0">
+            <a:schemeClr val="accent1"/>
+          </a:effectRef>
+          <a:fontRef idx="minor">
+            <a:schemeClr val="lt1"/>
+          </a:fontRef>
+        </p:style>
+        <p:txBody>
+          <a:bodyPr rtlCol="0" anchor="ctr"/>
+          <a:lstStyle/>
+          <a:p>
+            <a:pPr algn="ctr"/>
+            <a:endParaRPr lang="en-US"/>
+          </a:p>
+        </p:txBody>
+      </p:sp>
+      <p:sp>
+        <p:nvSpPr>
+          <p:cNvPr id="35" name="Text Box 34"/>
+          <p:cNvSpPr txBox="1"/>
+          <p:nvPr/>
+        </p:nvSpPr>
+        <p:spPr>
+          <a:xfrm>
+            <a:off x="4650081" y="2231269"/>
+            <a:ext cx="891540" cy="368300"/>
+          </a:xfrm>
+          <a:prstGeom prst="rect">
+            <a:avLst/>
+          </a:prstGeom>
+          <a:noFill/>
+        </p:spPr>
+        <p:txBody>
+          <a:bodyPr wrap="square" rtlCol="0">
+            <a:spAutoFit/>
+          </a:bodyPr>
+          <a:lstStyle/>
+          <a:p>
+            <a:pPr algn="dist"/>
+            <a:r>
+              <a:rPr lang="zh-TW" altLang="en-US" dirty="0">
+                <a:solidFill>
+                  <a:schemeClr val="bg1"/>
+                </a:solidFill>
+                <a:latin typeface="Noto Sans CJK TC Bold" panose="020B0800000000000000" charset="-120"/>
+                <a:ea typeface="Noto Sans CJK TC Bold" panose="020B0800000000000000" charset="-120"/>
+              </a:rPr>
+              <a:t>行書</a:t>
+            </a:r>
+          </a:p>
+        </p:txBody>
+      </p:sp>
+      <p:sp>
+        <p:nvSpPr>
+          <p:cNvPr id="46" name="Flowchart: Process 31"/>
+          <p:cNvSpPr/>
+          <p:nvPr/>
+        </p:nvSpPr>
+        <p:spPr>
+          <a:xfrm>
+            <a:off x="1054294" y="1732915"/>
+            <a:ext cx="2001422" cy="520700"/>
+          </a:xfrm>
+          <a:prstGeom prst="flowChartProcess">
+            <a:avLst/>
+          </a:prstGeom>
+          <a:solidFill>
+            <a:srgbClr val="1D2025"/>
+          </a:solidFill>
+          <a:ln>
+            <a:noFill/>
+          </a:ln>
+        </p:spPr>
+        <p:style>
+          <a:lnRef idx="2">
+            <a:schemeClr val="accent1">
+              <a:shade val="50000"/>
+            </a:schemeClr>
+          </a:lnRef>
+          <a:fillRef idx="1">
+            <a:schemeClr val="accent1"/>
+          </a:fillRef>
+          <a:effectRef idx="0">
+            <a:schemeClr val="accent1"/>
+          </a:effectRef>
+          <a:fontRef idx="minor">
+            <a:schemeClr val="lt1"/>
+          </a:fontRef>
+        </p:style>
+        <p:txBody>
+          <a:bodyPr rtlCol="0" anchor="ctr"/>
+          <a:lstStyle/>
+          <a:p>
+            <a:pPr algn="ctr"/>
+            <a:endParaRPr lang="en-US"/>
+          </a:p>
+        </p:txBody>
+      </p:sp>
+      <p:sp>
+        <p:nvSpPr>
+          <p:cNvPr id="47" name="Text Box 32"/>
+          <p:cNvSpPr txBox="1"/>
+          <p:nvPr/>
+        </p:nvSpPr>
+        <p:spPr>
+          <a:xfrm>
+            <a:off x="1204471" y="1809115"/>
+            <a:ext cx="1689199" cy="368300"/>
+          </a:xfrm>
+          <a:prstGeom prst="rect">
+            <a:avLst/>
+          </a:prstGeom>
+          <a:noFill/>
+        </p:spPr>
+        <p:txBody>
+          <a:bodyPr wrap="square" rtlCol="0">
+            <a:spAutoFit/>
+          </a:bodyPr>
+          <a:lstStyle/>
+          <a:p>
+            <a:pPr algn="dist"/>
+            <a:r>
+              <a:rPr lang="zh-TW" altLang="en-US" dirty="0" smtClean="0">
+                <a:solidFill>
+                  <a:schemeClr val="bg1"/>
+                </a:solidFill>
+                <a:latin typeface="Noto Sans CJK TC Bold" panose="020B0800000000000000" charset="-120"/>
+                <a:ea typeface="Noto Sans CJK TC Bold" panose="020B0800000000000000" charset="-120"/>
+              </a:rPr>
+              <a:t>登入｜註冊</a:t>
+            </a:r>
+            <a:endParaRPr lang="zh-TW" altLang="en-US" dirty="0">
+              <a:solidFill>
+                <a:schemeClr val="bg1"/>
+              </a:solidFill>
+              <a:latin typeface="Noto Sans CJK TC Bold" panose="020B0800000000000000" charset="-120"/>
+              <a:ea typeface="Noto Sans CJK TC Bold" panose="020B0800000000000000" charset="-120"/>
+            </a:endParaRPr>
+          </a:p>
+        </p:txBody>
+      </p:sp>
+      <p:cxnSp>
+        <p:nvCxnSpPr>
+          <p:cNvPr id="49" name="肘形接點 48"/>
+          <p:cNvCxnSpPr>
+            <a:stCxn id="10" idx="3"/>
+            <a:endCxn id="32" idx="1"/>
+          </p:cNvCxnSpPr>
+          <p:nvPr/>
+        </p:nvCxnSpPr>
+        <p:spPr>
+          <a:xfrm flipV="1">
+            <a:off x="3863975" y="1817884"/>
+            <a:ext cx="635928" cy="991356"/>
+          </a:xfrm>
+          <a:prstGeom prst="bentConnector3">
+            <a:avLst/>
+          </a:prstGeom>
+        </p:spPr>
+        <p:style>
+          <a:lnRef idx="1">
+            <a:schemeClr val="dk1"/>
+          </a:lnRef>
+          <a:fillRef idx="0">
+            <a:schemeClr val="dk1"/>
+          </a:fillRef>
+          <a:effectRef idx="0">
+            <a:schemeClr val="dk1"/>
+          </a:effectRef>
+          <a:fontRef idx="minor">
+            <a:schemeClr val="tx1"/>
+          </a:fontRef>
+        </p:style>
+      </p:cxnSp>
+      <p:cxnSp>
+        <p:nvCxnSpPr>
+          <p:cNvPr id="51" name="肘形接點 50"/>
+          <p:cNvCxnSpPr>
+            <a:stCxn id="10" idx="3"/>
+            <a:endCxn id="34" idx="1"/>
+          </p:cNvCxnSpPr>
+          <p:nvPr/>
+        </p:nvCxnSpPr>
+        <p:spPr>
+          <a:xfrm flipV="1">
+            <a:off x="3863975" y="2415419"/>
+            <a:ext cx="635928" cy="393821"/>
+          </a:xfrm>
+          <a:prstGeom prst="bentConnector3">
+            <a:avLst/>
+          </a:prstGeom>
+        </p:spPr>
+        <p:style>
+          <a:lnRef idx="1">
+            <a:schemeClr val="dk1"/>
+          </a:lnRef>
+          <a:fillRef idx="0">
+            <a:schemeClr val="dk1"/>
+          </a:fillRef>
+          <a:effectRef idx="0">
+            <a:schemeClr val="dk1"/>
+          </a:effectRef>
+          <a:fontRef idx="minor">
+            <a:schemeClr val="tx1"/>
+          </a:fontRef>
+        </p:style>
+      </p:cxnSp>
+      <p:sp>
+        <p:nvSpPr>
+          <p:cNvPr id="55" name="Flowchart: Process 31"/>
+          <p:cNvSpPr/>
+          <p:nvPr/>
+        </p:nvSpPr>
+        <p:spPr>
+          <a:xfrm>
+            <a:off x="6120226" y="2627386"/>
+            <a:ext cx="1191895" cy="520700"/>
+          </a:xfrm>
+          <a:prstGeom prst="flowChartProcess">
+            <a:avLst/>
+          </a:prstGeom>
+          <a:solidFill>
+            <a:srgbClr val="45312A"/>
+          </a:solidFill>
+          <a:ln>
+            <a:noFill/>
+          </a:ln>
+        </p:spPr>
+        <p:style>
+          <a:lnRef idx="2">
+            <a:schemeClr val="accent1">
+              <a:shade val="50000"/>
+            </a:schemeClr>
+          </a:lnRef>
+          <a:fillRef idx="1">
+            <a:schemeClr val="accent1"/>
+          </a:fillRef>
+          <a:effectRef idx="0">
+            <a:schemeClr val="accent1"/>
+          </a:effectRef>
+          <a:fontRef idx="minor">
+            <a:schemeClr val="lt1"/>
+          </a:fontRef>
+        </p:style>
+        <p:txBody>
+          <a:bodyPr rtlCol="0" anchor="ctr"/>
+          <a:lstStyle/>
+          <a:p>
+            <a:pPr algn="ctr"/>
+            <a:endParaRPr lang="en-US"/>
+          </a:p>
+        </p:txBody>
+      </p:sp>
+      <p:sp>
+        <p:nvSpPr>
+          <p:cNvPr id="56" name="Flowchart: Process 33"/>
+          <p:cNvSpPr/>
+          <p:nvPr/>
+        </p:nvSpPr>
+        <p:spPr>
+          <a:xfrm>
+            <a:off x="6120226" y="3224921"/>
+            <a:ext cx="1191895" cy="520700"/>
+          </a:xfrm>
+          <a:prstGeom prst="flowChartProcess">
+            <a:avLst/>
+          </a:prstGeom>
+          <a:solidFill>
+            <a:srgbClr val="45312A"/>
+          </a:solidFill>
+          <a:ln>
+            <a:noFill/>
+          </a:ln>
+        </p:spPr>
+        <p:style>
+          <a:lnRef idx="2">
+            <a:schemeClr val="accent1">
+              <a:shade val="50000"/>
+            </a:schemeClr>
+          </a:lnRef>
+          <a:fillRef idx="1">
+            <a:schemeClr val="accent1"/>
+          </a:fillRef>
+          <a:effectRef idx="0">
+            <a:schemeClr val="accent1"/>
+          </a:effectRef>
+          <a:fontRef idx="minor">
+            <a:schemeClr val="lt1"/>
+          </a:fontRef>
+        </p:style>
+        <p:txBody>
+          <a:bodyPr rtlCol="0" anchor="ctr"/>
+          <a:lstStyle/>
+          <a:p>
+            <a:pPr algn="ctr"/>
+            <a:endParaRPr lang="en-US"/>
+          </a:p>
+        </p:txBody>
+      </p:sp>
+      <p:sp>
+        <p:nvSpPr>
+          <p:cNvPr id="57" name="Flowchart: Process 31"/>
+          <p:cNvSpPr/>
+          <p:nvPr/>
+        </p:nvSpPr>
+        <p:spPr>
+          <a:xfrm>
+            <a:off x="6120226" y="3822456"/>
+            <a:ext cx="1191895" cy="520700"/>
+          </a:xfrm>
+          <a:prstGeom prst="flowChartProcess">
+            <a:avLst/>
+          </a:prstGeom>
+          <a:solidFill>
+            <a:srgbClr val="45312A"/>
+          </a:solidFill>
+          <a:ln>
+            <a:noFill/>
+          </a:ln>
+        </p:spPr>
+        <p:style>
+          <a:lnRef idx="2">
+            <a:schemeClr val="accent1">
+              <a:shade val="50000"/>
+            </a:schemeClr>
+          </a:lnRef>
+          <a:fillRef idx="1">
+            <a:schemeClr val="accent1"/>
+          </a:fillRef>
+          <a:effectRef idx="0">
+            <a:schemeClr val="accent1"/>
+          </a:effectRef>
+          <a:fontRef idx="minor">
+            <a:schemeClr val="lt1"/>
+          </a:fontRef>
+        </p:style>
+        <p:txBody>
+          <a:bodyPr rtlCol="0" anchor="ctr"/>
+          <a:lstStyle/>
+          <a:p>
+            <a:pPr algn="ctr"/>
+            <a:endParaRPr lang="en-US"/>
+          </a:p>
+        </p:txBody>
+      </p:sp>
+      <p:sp>
+        <p:nvSpPr>
+          <p:cNvPr id="58" name="Flowchart: Process 33"/>
+          <p:cNvSpPr/>
+          <p:nvPr/>
+        </p:nvSpPr>
+        <p:spPr>
+          <a:xfrm>
+            <a:off x="6131565" y="4419991"/>
+            <a:ext cx="1191895" cy="520700"/>
+          </a:xfrm>
+          <a:prstGeom prst="flowChartProcess">
+            <a:avLst/>
+          </a:prstGeom>
+          <a:solidFill>
+            <a:srgbClr val="45312A"/>
+          </a:solidFill>
+          <a:ln>
+            <a:noFill/>
+          </a:ln>
+        </p:spPr>
+        <p:style>
+          <a:lnRef idx="2">
+            <a:schemeClr val="accent1">
+              <a:shade val="50000"/>
+            </a:schemeClr>
+          </a:lnRef>
+          <a:fillRef idx="1">
+            <a:schemeClr val="accent1"/>
+          </a:fillRef>
+          <a:effectRef idx="0">
+            <a:schemeClr val="accent1"/>
+          </a:effectRef>
+          <a:fontRef idx="minor">
+            <a:schemeClr val="lt1"/>
+          </a:fontRef>
+        </p:style>
+        <p:txBody>
+          <a:bodyPr rtlCol="0" anchor="ctr"/>
+          <a:lstStyle/>
+          <a:p>
+            <a:pPr algn="ctr"/>
+            <a:endParaRPr lang="en-US"/>
+          </a:p>
+        </p:txBody>
+      </p:sp>
+      <p:sp>
+        <p:nvSpPr>
+          <p:cNvPr id="59" name="Text Box 34"/>
+          <p:cNvSpPr txBox="1"/>
+          <p:nvPr/>
+        </p:nvSpPr>
+        <p:spPr>
+          <a:xfrm>
+            <a:off x="6270404" y="2703586"/>
+            <a:ext cx="891540" cy="368300"/>
+          </a:xfrm>
+          <a:prstGeom prst="rect">
+            <a:avLst/>
+          </a:prstGeom>
+          <a:noFill/>
+        </p:spPr>
+        <p:txBody>
+          <a:bodyPr wrap="square" rtlCol="0">
+            <a:spAutoFit/>
+          </a:bodyPr>
+          <a:lstStyle/>
+          <a:p>
+            <a:pPr algn="dist"/>
+            <a:r>
+              <a:rPr lang="zh-TW" altLang="en-US" dirty="0">
+                <a:solidFill>
+                  <a:schemeClr val="bg1"/>
+                </a:solidFill>
+                <a:latin typeface="Noto Sans CJK TC Bold" panose="020B0800000000000000" charset="-120"/>
+                <a:ea typeface="Noto Sans CJK TC Bold" panose="020B0800000000000000" charset="-120"/>
+              </a:rPr>
+              <a:t>筆</a:t>
+            </a:r>
+            <a:endParaRPr lang="zh-TW" altLang="en-US" dirty="0">
+              <a:solidFill>
+                <a:schemeClr val="bg1"/>
+              </a:solidFill>
+              <a:latin typeface="Noto Sans CJK TC Bold" panose="020B0800000000000000" charset="-120"/>
+              <a:ea typeface="Noto Sans CJK TC Bold" panose="020B0800000000000000" charset="-120"/>
+            </a:endParaRPr>
+          </a:p>
+        </p:txBody>
+      </p:sp>
+      <p:sp>
+        <p:nvSpPr>
+          <p:cNvPr id="60" name="Text Box 34"/>
+          <p:cNvSpPr txBox="1"/>
+          <p:nvPr/>
+        </p:nvSpPr>
+        <p:spPr>
+          <a:xfrm>
+            <a:off x="6270404" y="3318422"/>
+            <a:ext cx="891540" cy="368300"/>
+          </a:xfrm>
+          <a:prstGeom prst="rect">
+            <a:avLst/>
+          </a:prstGeom>
+          <a:noFill/>
+        </p:spPr>
+        <p:txBody>
+          <a:bodyPr wrap="square" rtlCol="0">
+            <a:spAutoFit/>
+          </a:bodyPr>
+          <a:lstStyle/>
+          <a:p>
+            <a:pPr algn="dist"/>
+            <a:r>
+              <a:rPr lang="zh-TW" altLang="en-US" dirty="0" smtClean="0">
+                <a:solidFill>
+                  <a:schemeClr val="bg1"/>
+                </a:solidFill>
+                <a:latin typeface="Noto Sans CJK TC Bold" panose="020B0800000000000000" charset="-120"/>
+                <a:ea typeface="Noto Sans CJK TC Bold" panose="020B0800000000000000" charset="-120"/>
+              </a:rPr>
+              <a:t>墨</a:t>
+            </a:r>
+            <a:endParaRPr lang="zh-TW" altLang="en-US" dirty="0">
+              <a:solidFill>
+                <a:schemeClr val="bg1"/>
+              </a:solidFill>
+              <a:latin typeface="Noto Sans CJK TC Bold" panose="020B0800000000000000" charset="-120"/>
+              <a:ea typeface="Noto Sans CJK TC Bold" panose="020B0800000000000000" charset="-120"/>
+            </a:endParaRPr>
+          </a:p>
+        </p:txBody>
+      </p:sp>
+      <p:sp>
+        <p:nvSpPr>
+          <p:cNvPr id="61" name="Text Box 34"/>
+          <p:cNvSpPr txBox="1"/>
+          <p:nvPr/>
+        </p:nvSpPr>
+        <p:spPr>
+          <a:xfrm>
+            <a:off x="6270404" y="3896116"/>
+            <a:ext cx="891540" cy="368300"/>
+          </a:xfrm>
+          <a:prstGeom prst="rect">
+            <a:avLst/>
+          </a:prstGeom>
+          <a:noFill/>
+        </p:spPr>
+        <p:txBody>
+          <a:bodyPr wrap="square" rtlCol="0">
+            <a:spAutoFit/>
+          </a:bodyPr>
+          <a:lstStyle/>
+          <a:p>
+            <a:pPr algn="dist"/>
+            <a:r>
+              <a:rPr lang="zh-TW" altLang="en-US" dirty="0" smtClean="0">
+                <a:solidFill>
+                  <a:schemeClr val="bg1"/>
+                </a:solidFill>
+                <a:latin typeface="Noto Sans CJK TC Bold" panose="020B0800000000000000" charset="-120"/>
+                <a:ea typeface="Noto Sans CJK TC Bold" panose="020B0800000000000000" charset="-120"/>
+              </a:rPr>
+              <a:t>紙</a:t>
+            </a:r>
+            <a:endParaRPr lang="zh-TW" altLang="en-US" dirty="0">
+              <a:solidFill>
+                <a:schemeClr val="bg1"/>
+              </a:solidFill>
+              <a:latin typeface="Noto Sans CJK TC Bold" panose="020B0800000000000000" charset="-120"/>
+              <a:ea typeface="Noto Sans CJK TC Bold" panose="020B0800000000000000" charset="-120"/>
+            </a:endParaRPr>
+          </a:p>
+        </p:txBody>
+      </p:sp>
+      <p:sp>
+        <p:nvSpPr>
+          <p:cNvPr id="62" name="Text Box 34"/>
+          <p:cNvSpPr txBox="1"/>
+          <p:nvPr/>
+        </p:nvSpPr>
+        <p:spPr>
+          <a:xfrm>
+            <a:off x="6270404" y="4496191"/>
+            <a:ext cx="891540" cy="368300"/>
+          </a:xfrm>
+          <a:prstGeom prst="rect">
+            <a:avLst/>
+          </a:prstGeom>
+          <a:noFill/>
+        </p:spPr>
+        <p:txBody>
+          <a:bodyPr wrap="square" rtlCol="0">
+            <a:spAutoFit/>
+          </a:bodyPr>
+          <a:lstStyle/>
+          <a:p>
+            <a:pPr algn="dist"/>
+            <a:r>
+              <a:rPr lang="zh-TW" altLang="en-US" dirty="0" smtClean="0">
+                <a:solidFill>
+                  <a:schemeClr val="bg1"/>
+                </a:solidFill>
+                <a:latin typeface="Noto Sans CJK TC Bold" panose="020B0800000000000000" charset="-120"/>
+                <a:ea typeface="Noto Sans CJK TC Bold" panose="020B0800000000000000" charset="-120"/>
+              </a:rPr>
+              <a:t>字帖</a:t>
+            </a:r>
+            <a:endParaRPr lang="zh-TW" altLang="en-US" dirty="0">
+              <a:solidFill>
+                <a:schemeClr val="bg1"/>
+              </a:solidFill>
+              <a:latin typeface="Noto Sans CJK TC Bold" panose="020B0800000000000000" charset="-120"/>
+              <a:ea typeface="Noto Sans CJK TC Bold" panose="020B0800000000000000" charset="-120"/>
+            </a:endParaRPr>
+          </a:p>
+        </p:txBody>
+      </p:sp>
+      <p:cxnSp>
+        <p:nvCxnSpPr>
+          <p:cNvPr id="64" name="肘形接點 63"/>
+          <p:cNvCxnSpPr>
+            <a:stCxn id="16" idx="3"/>
+            <a:endCxn id="55" idx="1"/>
+          </p:cNvCxnSpPr>
+          <p:nvPr/>
+        </p:nvCxnSpPr>
+        <p:spPr>
+          <a:xfrm flipV="1">
+            <a:off x="3854450" y="2887736"/>
+            <a:ext cx="2265776" cy="586984"/>
+          </a:xfrm>
+          <a:prstGeom prst="bentConnector3">
+            <a:avLst/>
+          </a:prstGeom>
+        </p:spPr>
+        <p:style>
+          <a:lnRef idx="1">
+            <a:schemeClr val="dk1"/>
+          </a:lnRef>
+          <a:fillRef idx="0">
+            <a:schemeClr val="dk1"/>
+          </a:fillRef>
+          <a:effectRef idx="0">
+            <a:schemeClr val="dk1"/>
+          </a:effectRef>
+          <a:fontRef idx="minor">
+            <a:schemeClr val="tx1"/>
+          </a:fontRef>
+        </p:style>
+      </p:cxnSp>
+      <p:cxnSp>
+        <p:nvCxnSpPr>
+          <p:cNvPr id="69" name="肘形接點 68"/>
+          <p:cNvCxnSpPr>
+            <a:stCxn id="16" idx="3"/>
+            <a:endCxn id="56" idx="1"/>
+          </p:cNvCxnSpPr>
+          <p:nvPr/>
+        </p:nvCxnSpPr>
+        <p:spPr>
+          <a:xfrm>
+            <a:off x="3854450" y="3474720"/>
+            <a:ext cx="2265776" cy="10551"/>
+          </a:xfrm>
+          <a:prstGeom prst="bentConnector3">
+            <a:avLst>
+              <a:gd name="adj1" fmla="val 50000"/>
+            </a:avLst>
+          </a:prstGeom>
+        </p:spPr>
+        <p:style>
+          <a:lnRef idx="1">
+            <a:schemeClr val="dk1"/>
+          </a:lnRef>
+          <a:fillRef idx="0">
+            <a:schemeClr val="dk1"/>
+          </a:fillRef>
+          <a:effectRef idx="0">
+            <a:schemeClr val="dk1"/>
+          </a:effectRef>
+          <a:fontRef idx="minor">
+            <a:schemeClr val="tx1"/>
+          </a:fontRef>
+        </p:style>
+      </p:cxnSp>
+      <p:cxnSp>
+        <p:nvCxnSpPr>
+          <p:cNvPr id="72" name="肘形接點 71"/>
+          <p:cNvCxnSpPr>
+            <a:stCxn id="16" idx="3"/>
+            <a:endCxn id="57" idx="1"/>
+          </p:cNvCxnSpPr>
+          <p:nvPr/>
+        </p:nvCxnSpPr>
+        <p:spPr>
+          <a:xfrm>
+            <a:off x="3854450" y="3474720"/>
+            <a:ext cx="2265776" cy="608086"/>
+          </a:xfrm>
+          <a:prstGeom prst="bentConnector3">
+            <a:avLst>
+              <a:gd name="adj1" fmla="val 50000"/>
+            </a:avLst>
+          </a:prstGeom>
+        </p:spPr>
+        <p:style>
+          <a:lnRef idx="1">
+            <a:schemeClr val="dk1"/>
+          </a:lnRef>
+          <a:fillRef idx="0">
+            <a:schemeClr val="dk1"/>
+          </a:fillRef>
+          <a:effectRef idx="0">
+            <a:schemeClr val="dk1"/>
+          </a:effectRef>
+          <a:fontRef idx="minor">
+            <a:schemeClr val="tx1"/>
+          </a:fontRef>
+        </p:style>
+      </p:cxnSp>
+      <p:cxnSp>
+        <p:nvCxnSpPr>
+          <p:cNvPr id="75" name="肘形接點 74"/>
+          <p:cNvCxnSpPr>
+            <a:stCxn id="58" idx="1"/>
+            <a:endCxn id="16" idx="3"/>
+          </p:cNvCxnSpPr>
+          <p:nvPr/>
+        </p:nvCxnSpPr>
+        <p:spPr>
+          <a:xfrm rot="10800000">
+            <a:off x="3854451" y="3474721"/>
+            <a:ext cx="2277115" cy="1205621"/>
+          </a:xfrm>
+          <a:prstGeom prst="bentConnector3">
+            <a:avLst/>
+          </a:prstGeom>
+        </p:spPr>
+        <p:style>
+          <a:lnRef idx="1">
+            <a:schemeClr val="dk1"/>
+          </a:lnRef>
+          <a:fillRef idx="0">
+            <a:schemeClr val="dk1"/>
+          </a:fillRef>
+          <a:effectRef idx="0">
+            <a:schemeClr val="dk1"/>
+          </a:effectRef>
+          <a:fontRef idx="minor">
+            <a:schemeClr val="tx1"/>
+          </a:fontRef>
+        </p:style>
+      </p:cxnSp>
+      <p:sp>
+        <p:nvSpPr>
+          <p:cNvPr id="79" name="Flowchart: Process 5"/>
+          <p:cNvSpPr/>
+          <p:nvPr/>
+        </p:nvSpPr>
+        <p:spPr>
+          <a:xfrm>
+            <a:off x="7724815" y="1736563"/>
+            <a:ext cx="641985" cy="1872298"/>
+          </a:xfrm>
+          <a:prstGeom prst="flowChartProcess">
+            <a:avLst/>
+          </a:prstGeom>
+          <a:solidFill>
+            <a:srgbClr val="7E2F28"/>
+          </a:solidFill>
+          <a:ln>
+            <a:noFill/>
+          </a:ln>
+        </p:spPr>
+        <p:style>
+          <a:lnRef idx="2">
+            <a:schemeClr val="accent1">
+              <a:shade val="50000"/>
+            </a:schemeClr>
+          </a:lnRef>
+          <a:fillRef idx="1">
+            <a:schemeClr val="accent1"/>
+          </a:fillRef>
+          <a:effectRef idx="0">
+            <a:schemeClr val="accent1"/>
+          </a:effectRef>
+          <a:fontRef idx="minor">
+            <a:schemeClr val="lt1"/>
+          </a:fontRef>
+        </p:style>
+        <p:txBody>
+          <a:bodyPr rtlCol="0" anchor="ctr"/>
+          <a:lstStyle/>
+          <a:p>
+            <a:pPr algn="ctr"/>
+            <a:endParaRPr lang="en-US"/>
+          </a:p>
+        </p:txBody>
+      </p:sp>
+      <p:sp>
+        <p:nvSpPr>
+          <p:cNvPr id="80" name="Text Box 8"/>
+          <p:cNvSpPr txBox="1"/>
+          <p:nvPr/>
+        </p:nvSpPr>
+        <p:spPr>
+          <a:xfrm>
+            <a:off x="7814330" y="1873723"/>
+            <a:ext cx="461665" cy="1598931"/>
+          </a:xfrm>
+          <a:prstGeom prst="rect">
+            <a:avLst/>
+          </a:prstGeom>
+          <a:noFill/>
+        </p:spPr>
+        <p:txBody>
+          <a:bodyPr vert="eaVert" wrap="square" rtlCol="0">
+            <a:spAutoFit/>
+          </a:bodyPr>
+          <a:lstStyle/>
+          <a:p>
+            <a:r>
+              <a:rPr lang="zh-TW" altLang="en-US" dirty="0" smtClean="0">
+                <a:solidFill>
+                  <a:schemeClr val="bg1"/>
+                </a:solidFill>
+                <a:latin typeface="Noto Sans CJK TC Bold" panose="020B0800000000000000" charset="-120"/>
+                <a:ea typeface="Noto Sans CJK TC Bold" panose="020B0800000000000000" charset="-120"/>
+              </a:rPr>
+              <a:t>後</a:t>
+            </a:r>
+            <a:r>
+              <a:rPr lang="en-US" altLang="zh-TW" dirty="0" smtClean="0">
+                <a:solidFill>
+                  <a:schemeClr val="bg1"/>
+                </a:solidFill>
+                <a:latin typeface="Noto Sans CJK TC Bold" panose="020B0800000000000000" charset="-120"/>
+                <a:ea typeface="Noto Sans CJK TC Bold" panose="020B0800000000000000" charset="-120"/>
+              </a:rPr>
+              <a:t> </a:t>
+            </a:r>
+            <a:r>
+              <a:rPr lang="zh-TW" altLang="en-US" dirty="0">
+                <a:solidFill>
+                  <a:schemeClr val="bg1"/>
+                </a:solidFill>
+                <a:latin typeface="Noto Sans CJK TC Bold" panose="020B0800000000000000" charset="-120"/>
+                <a:ea typeface="Noto Sans CJK TC Bold" panose="020B0800000000000000" charset="-120"/>
+              </a:rPr>
+              <a:t>臺</a:t>
+            </a:r>
+            <a:r>
+              <a:rPr lang="en-US" altLang="zh-TW" dirty="0">
+                <a:solidFill>
+                  <a:schemeClr val="bg1"/>
+                </a:solidFill>
+                <a:latin typeface="Noto Sans CJK TC Bold" panose="020B0800000000000000" charset="-120"/>
+                <a:ea typeface="Noto Sans CJK TC Bold" panose="020B0800000000000000" charset="-120"/>
+              </a:rPr>
+              <a:t> </a:t>
+            </a:r>
+            <a:r>
+              <a:rPr lang="en-US" altLang="zh-TW" dirty="0" smtClean="0">
+                <a:solidFill>
+                  <a:schemeClr val="bg1"/>
+                </a:solidFill>
+                <a:latin typeface="Noto Sans CJK TC Bold" panose="020B0800000000000000" charset="-120"/>
+                <a:ea typeface="Noto Sans CJK TC Bold" panose="020B0800000000000000" charset="-120"/>
+              </a:rPr>
+              <a:t>/ </a:t>
+            </a:r>
+            <a:r>
+              <a:rPr lang="zh-TW" altLang="en-US" dirty="0" smtClean="0">
+                <a:solidFill>
+                  <a:schemeClr val="bg1"/>
+                </a:solidFill>
+                <a:latin typeface="Noto Sans CJK TC Bold" panose="020B0800000000000000" charset="-120"/>
+                <a:ea typeface="Noto Sans CJK TC Bold" panose="020B0800000000000000" charset="-120"/>
+              </a:rPr>
+              <a:t>會員</a:t>
+            </a:r>
+            <a:endParaRPr lang="zh-TW" altLang="en-US" dirty="0">
+              <a:solidFill>
+                <a:schemeClr val="bg1"/>
+              </a:solidFill>
+              <a:latin typeface="Noto Sans CJK TC Bold" panose="020B0800000000000000" charset="-120"/>
+              <a:ea typeface="Noto Sans CJK TC Bold" panose="020B0800000000000000" charset="-120"/>
+            </a:endParaRPr>
+          </a:p>
+        </p:txBody>
+      </p:sp>
+      <p:sp>
+        <p:nvSpPr>
+          <p:cNvPr id="84" name="Flowchart: Process 9"/>
+          <p:cNvSpPr/>
+          <p:nvPr/>
+        </p:nvSpPr>
+        <p:spPr>
+          <a:xfrm>
+            <a:off x="8680172" y="1729655"/>
+            <a:ext cx="521351" cy="1865450"/>
+          </a:xfrm>
+          <a:prstGeom prst="flowChartProcess">
+            <a:avLst/>
+          </a:prstGeom>
+          <a:solidFill>
+            <a:srgbClr val="202938"/>
+          </a:solidFill>
+          <a:ln>
+            <a:noFill/>
+          </a:ln>
+        </p:spPr>
+        <p:style>
+          <a:lnRef idx="2">
+            <a:schemeClr val="accent1">
+              <a:shade val="50000"/>
+            </a:schemeClr>
+          </a:lnRef>
+          <a:fillRef idx="1">
+            <a:schemeClr val="accent1"/>
+          </a:fillRef>
+          <a:effectRef idx="0">
+            <a:schemeClr val="accent1"/>
+          </a:effectRef>
+          <a:fontRef idx="minor">
+            <a:schemeClr val="lt1"/>
+          </a:fontRef>
+        </p:style>
+        <p:txBody>
+          <a:bodyPr rtlCol="0" anchor="ctr"/>
+          <a:lstStyle/>
+          <a:p>
+            <a:pPr algn="ctr"/>
+            <a:endParaRPr lang="en-US"/>
+          </a:p>
+        </p:txBody>
+      </p:sp>
+      <p:cxnSp>
+        <p:nvCxnSpPr>
+          <p:cNvPr id="89" name="直線接點 88"/>
+          <p:cNvCxnSpPr>
+            <a:stCxn id="6" idx="0"/>
+          </p:cNvCxnSpPr>
+          <p:nvPr/>
+        </p:nvCxnSpPr>
+        <p:spPr>
+          <a:xfrm flipV="1">
+            <a:off x="1270318" y="2253615"/>
+            <a:ext cx="6032" cy="679450"/>
+          </a:xfrm>
+          <a:prstGeom prst="line">
+            <a:avLst/>
+          </a:prstGeom>
+        </p:spPr>
+        <p:style>
+          <a:lnRef idx="1">
+            <a:schemeClr val="dk1"/>
+          </a:lnRef>
+          <a:fillRef idx="0">
+            <a:schemeClr val="dk1"/>
+          </a:fillRef>
+          <a:effectRef idx="0">
+            <a:schemeClr val="dk1"/>
+          </a:effectRef>
+          <a:fontRef idx="minor">
+            <a:schemeClr val="tx1"/>
+          </a:fontRef>
+        </p:style>
+      </p:cxnSp>
+      <p:sp>
+        <p:nvSpPr>
+          <p:cNvPr id="91" name="Flowchart: Process 31"/>
+          <p:cNvSpPr/>
+          <p:nvPr/>
+        </p:nvSpPr>
+        <p:spPr>
+          <a:xfrm>
+            <a:off x="9786025" y="1036834"/>
+            <a:ext cx="1544955" cy="520700"/>
+          </a:xfrm>
+          <a:prstGeom prst="flowChartProcess">
+            <a:avLst/>
+          </a:prstGeom>
+          <a:solidFill>
+            <a:srgbClr val="45312A"/>
+          </a:solidFill>
+          <a:ln>
+            <a:noFill/>
+          </a:ln>
+        </p:spPr>
+        <p:style>
+          <a:lnRef idx="2">
+            <a:schemeClr val="accent1">
+              <a:shade val="50000"/>
+            </a:schemeClr>
+          </a:lnRef>
+          <a:fillRef idx="1">
+            <a:schemeClr val="accent1"/>
+          </a:fillRef>
+          <a:effectRef idx="0">
+            <a:schemeClr val="accent1"/>
+          </a:effectRef>
+          <a:fontRef idx="minor">
+            <a:schemeClr val="lt1"/>
+          </a:fontRef>
+        </p:style>
+        <p:txBody>
+          <a:bodyPr rtlCol="0" anchor="ctr"/>
+          <a:lstStyle/>
+          <a:p>
+            <a:pPr algn="ctr"/>
+            <a:endParaRPr lang="en-US"/>
+          </a:p>
+        </p:txBody>
+      </p:sp>
+      <p:sp>
+        <p:nvSpPr>
+          <p:cNvPr id="92" name="Text Box 32"/>
+          <p:cNvSpPr txBox="1"/>
+          <p:nvPr/>
+        </p:nvSpPr>
+        <p:spPr>
+          <a:xfrm>
+            <a:off x="9898753" y="1113034"/>
+            <a:ext cx="1319498" cy="368300"/>
+          </a:xfrm>
+          <a:prstGeom prst="rect">
+            <a:avLst/>
+          </a:prstGeom>
+          <a:noFill/>
+        </p:spPr>
+        <p:txBody>
+          <a:bodyPr wrap="square" rtlCol="0">
+            <a:spAutoFit/>
+          </a:bodyPr>
+          <a:lstStyle/>
+          <a:p>
+            <a:pPr algn="dist"/>
+            <a:r>
+              <a:rPr lang="zh-TW" altLang="en-US" dirty="0">
+                <a:solidFill>
+                  <a:schemeClr val="bg1"/>
+                </a:solidFill>
+                <a:latin typeface="Noto Sans CJK TC Bold" panose="020B0800000000000000" charset="-120"/>
+                <a:ea typeface="Noto Sans CJK TC Bold" panose="020B0800000000000000" charset="-120"/>
+              </a:rPr>
+              <a:t>上</a:t>
+            </a:r>
+            <a:r>
+              <a:rPr lang="zh-TW" altLang="en-US" dirty="0" smtClean="0">
+                <a:solidFill>
+                  <a:schemeClr val="bg1"/>
+                </a:solidFill>
+                <a:latin typeface="Noto Sans CJK TC Bold" panose="020B0800000000000000" charset="-120"/>
+                <a:ea typeface="Noto Sans CJK TC Bold" panose="020B0800000000000000" charset="-120"/>
+              </a:rPr>
+              <a:t>傳作品</a:t>
+            </a:r>
+            <a:endParaRPr lang="zh-TW" altLang="en-US" dirty="0">
+              <a:solidFill>
+                <a:schemeClr val="bg1"/>
+              </a:solidFill>
+              <a:latin typeface="Noto Sans CJK TC Bold" panose="020B0800000000000000" charset="-120"/>
+              <a:ea typeface="Noto Sans CJK TC Bold" panose="020B0800000000000000" charset="-120"/>
+            </a:endParaRPr>
+          </a:p>
+        </p:txBody>
+      </p:sp>
+      <p:sp>
+        <p:nvSpPr>
+          <p:cNvPr id="93" name="Flowchart: Process 31"/>
+          <p:cNvSpPr/>
+          <p:nvPr/>
+        </p:nvSpPr>
+        <p:spPr>
+          <a:xfrm>
+            <a:off x="9786025" y="1631515"/>
+            <a:ext cx="1544955" cy="520700"/>
+          </a:xfrm>
+          <a:prstGeom prst="flowChartProcess">
+            <a:avLst/>
+          </a:prstGeom>
+          <a:solidFill>
+            <a:srgbClr val="45312A"/>
+          </a:solidFill>
+          <a:ln>
+            <a:noFill/>
+          </a:ln>
+        </p:spPr>
+        <p:style>
+          <a:lnRef idx="2">
+            <a:schemeClr val="accent1">
+              <a:shade val="50000"/>
+            </a:schemeClr>
+          </a:lnRef>
+          <a:fillRef idx="1">
+            <a:schemeClr val="accent1"/>
+          </a:fillRef>
+          <a:effectRef idx="0">
+            <a:schemeClr val="accent1"/>
+          </a:effectRef>
+          <a:fontRef idx="minor">
+            <a:schemeClr val="lt1"/>
+          </a:fontRef>
+        </p:style>
+        <p:txBody>
+          <a:bodyPr rtlCol="0" anchor="ctr"/>
+          <a:lstStyle/>
+          <a:p>
+            <a:pPr algn="ctr"/>
+            <a:endParaRPr lang="en-US"/>
+          </a:p>
+        </p:txBody>
+      </p:sp>
+      <p:sp>
+        <p:nvSpPr>
+          <p:cNvPr id="94" name="Text Box 32"/>
+          <p:cNvSpPr txBox="1"/>
+          <p:nvPr/>
+        </p:nvSpPr>
+        <p:spPr>
+          <a:xfrm>
+            <a:off x="9898753" y="1707715"/>
+            <a:ext cx="1319498" cy="368300"/>
+          </a:xfrm>
+          <a:prstGeom prst="rect">
+            <a:avLst/>
+          </a:prstGeom>
+          <a:noFill/>
+        </p:spPr>
+        <p:txBody>
+          <a:bodyPr wrap="square" rtlCol="0">
+            <a:spAutoFit/>
+          </a:bodyPr>
+          <a:lstStyle/>
+          <a:p>
+            <a:pPr algn="dist"/>
+            <a:r>
+              <a:rPr lang="zh-TW" altLang="en-US" dirty="0" smtClean="0">
+                <a:solidFill>
+                  <a:schemeClr val="bg1"/>
+                </a:solidFill>
+                <a:latin typeface="Noto Sans CJK TC Bold" panose="020B0800000000000000" charset="-120"/>
+                <a:ea typeface="Noto Sans CJK TC Bold" panose="020B0800000000000000" charset="-120"/>
+              </a:rPr>
+              <a:t>收藏字帖</a:t>
+            </a:r>
+            <a:endParaRPr lang="zh-TW" altLang="en-US" dirty="0">
+              <a:solidFill>
+                <a:schemeClr val="bg1"/>
+              </a:solidFill>
+              <a:latin typeface="Noto Sans CJK TC Bold" panose="020B0800000000000000" charset="-120"/>
+              <a:ea typeface="Noto Sans CJK TC Bold" panose="020B0800000000000000" charset="-120"/>
+            </a:endParaRPr>
+          </a:p>
+        </p:txBody>
+      </p:sp>
+      <p:cxnSp>
+        <p:nvCxnSpPr>
+          <p:cNvPr id="96" name="肘形接點 95"/>
+          <p:cNvCxnSpPr>
+            <a:stCxn id="84" idx="3"/>
+            <a:endCxn id="91" idx="1"/>
+          </p:cNvCxnSpPr>
+          <p:nvPr/>
+        </p:nvCxnSpPr>
+        <p:spPr>
+          <a:xfrm flipV="1">
+            <a:off x="9201523" y="1297184"/>
+            <a:ext cx="584502" cy="1365196"/>
+          </a:xfrm>
+          <a:prstGeom prst="bentConnector3">
+            <a:avLst/>
+          </a:prstGeom>
+        </p:spPr>
+        <p:style>
+          <a:lnRef idx="1">
+            <a:schemeClr val="dk1"/>
+          </a:lnRef>
+          <a:fillRef idx="0">
+            <a:schemeClr val="dk1"/>
+          </a:fillRef>
+          <a:effectRef idx="0">
+            <a:schemeClr val="dk1"/>
+          </a:effectRef>
+          <a:fontRef idx="minor">
+            <a:schemeClr val="tx1"/>
+          </a:fontRef>
+        </p:style>
+      </p:cxnSp>
+      <p:cxnSp>
+        <p:nvCxnSpPr>
+          <p:cNvPr id="98" name="肘形接點 97"/>
+          <p:cNvCxnSpPr>
+            <a:stCxn id="84" idx="3"/>
+            <a:endCxn id="93" idx="1"/>
+          </p:cNvCxnSpPr>
+          <p:nvPr/>
+        </p:nvCxnSpPr>
+        <p:spPr>
+          <a:xfrm flipV="1">
+            <a:off x="9201523" y="1891865"/>
+            <a:ext cx="584502" cy="770515"/>
+          </a:xfrm>
+          <a:prstGeom prst="bentConnector3">
+            <a:avLst/>
+          </a:prstGeom>
+        </p:spPr>
+        <p:style>
+          <a:lnRef idx="1">
+            <a:schemeClr val="dk1"/>
+          </a:lnRef>
+          <a:fillRef idx="0">
+            <a:schemeClr val="dk1"/>
+          </a:fillRef>
+          <a:effectRef idx="0">
+            <a:schemeClr val="dk1"/>
+          </a:effectRef>
+          <a:fontRef idx="minor">
+            <a:schemeClr val="tx1"/>
+          </a:fontRef>
+        </p:style>
+      </p:cxnSp>
+      <p:cxnSp>
+        <p:nvCxnSpPr>
+          <p:cNvPr id="103" name="直線接點 102"/>
+          <p:cNvCxnSpPr>
+            <a:stCxn id="79" idx="3"/>
+            <a:endCxn id="84" idx="1"/>
+          </p:cNvCxnSpPr>
+          <p:nvPr/>
+        </p:nvCxnSpPr>
+        <p:spPr>
+          <a:xfrm flipV="1">
+            <a:off x="8366800" y="2662380"/>
+            <a:ext cx="313372" cy="10332"/>
+          </a:xfrm>
+          <a:prstGeom prst="line">
+            <a:avLst/>
+          </a:prstGeom>
+        </p:spPr>
+        <p:style>
+          <a:lnRef idx="1">
+            <a:schemeClr val="dk1"/>
+          </a:lnRef>
+          <a:fillRef idx="0">
+            <a:schemeClr val="dk1"/>
+          </a:fillRef>
+          <a:effectRef idx="0">
+            <a:schemeClr val="dk1"/>
+          </a:effectRef>
+          <a:fontRef idx="minor">
+            <a:schemeClr val="tx1"/>
+          </a:fontRef>
+        </p:style>
+      </p:cxnSp>
+      <p:sp>
+        <p:nvSpPr>
+          <p:cNvPr id="109" name="Flowchart: Process 5"/>
+          <p:cNvSpPr/>
+          <p:nvPr/>
+        </p:nvSpPr>
+        <p:spPr>
+          <a:xfrm>
+            <a:off x="7724815" y="3961532"/>
+            <a:ext cx="641985" cy="2130923"/>
+          </a:xfrm>
+          <a:prstGeom prst="flowChartProcess">
+            <a:avLst/>
+          </a:prstGeom>
+          <a:solidFill>
+            <a:srgbClr val="7E2F28"/>
+          </a:solidFill>
+          <a:ln>
+            <a:noFill/>
+          </a:ln>
+        </p:spPr>
+        <p:style>
+          <a:lnRef idx="2">
+            <a:schemeClr val="accent1">
+              <a:shade val="50000"/>
+            </a:schemeClr>
+          </a:lnRef>
+          <a:fillRef idx="1">
+            <a:schemeClr val="accent1"/>
+          </a:fillRef>
+          <a:effectRef idx="0">
+            <a:schemeClr val="accent1"/>
+          </a:effectRef>
+          <a:fontRef idx="minor">
+            <a:schemeClr val="lt1"/>
+          </a:fontRef>
+        </p:style>
+        <p:txBody>
+          <a:bodyPr rtlCol="0" anchor="ctr"/>
+          <a:lstStyle/>
+          <a:p>
+            <a:pPr algn="ctr"/>
+            <a:endParaRPr lang="en-US"/>
+          </a:p>
+        </p:txBody>
+      </p:sp>
+      <p:sp>
+        <p:nvSpPr>
+          <p:cNvPr id="110" name="Text Box 8"/>
+          <p:cNvSpPr txBox="1"/>
+          <p:nvPr/>
+        </p:nvSpPr>
+        <p:spPr>
+          <a:xfrm>
+            <a:off x="7814330" y="4098693"/>
+            <a:ext cx="461665" cy="1855540"/>
+          </a:xfrm>
+          <a:prstGeom prst="rect">
+            <a:avLst/>
+          </a:prstGeom>
+          <a:noFill/>
+        </p:spPr>
+        <p:txBody>
+          <a:bodyPr vert="eaVert" wrap="square" rtlCol="0">
+            <a:spAutoFit/>
+          </a:bodyPr>
+          <a:lstStyle/>
+          <a:p>
+            <a:r>
+              <a:rPr lang="zh-TW" altLang="en-US" dirty="0" smtClean="0">
+                <a:solidFill>
+                  <a:schemeClr val="bg1"/>
+                </a:solidFill>
+                <a:latin typeface="Noto Sans CJK TC Bold" panose="020B0800000000000000" charset="-120"/>
+                <a:ea typeface="Noto Sans CJK TC Bold" panose="020B0800000000000000" charset="-120"/>
+              </a:rPr>
+              <a:t>後</a:t>
+            </a:r>
+            <a:r>
+              <a:rPr lang="en-US" altLang="zh-TW" dirty="0" smtClean="0">
+                <a:solidFill>
+                  <a:schemeClr val="bg1"/>
+                </a:solidFill>
+                <a:latin typeface="Noto Sans CJK TC Bold" panose="020B0800000000000000" charset="-120"/>
+                <a:ea typeface="Noto Sans CJK TC Bold" panose="020B0800000000000000" charset="-120"/>
+              </a:rPr>
+              <a:t> </a:t>
+            </a:r>
+            <a:r>
+              <a:rPr lang="zh-TW" altLang="en-US" dirty="0" smtClean="0">
+                <a:solidFill>
+                  <a:schemeClr val="bg1"/>
+                </a:solidFill>
+                <a:latin typeface="Noto Sans CJK TC Bold" panose="020B0800000000000000" charset="-120"/>
+                <a:ea typeface="Noto Sans CJK TC Bold" panose="020B0800000000000000" charset="-120"/>
+              </a:rPr>
+              <a:t>臺 </a:t>
+            </a:r>
+            <a:r>
+              <a:rPr lang="en-US" altLang="zh-TW" dirty="0" smtClean="0">
+                <a:solidFill>
+                  <a:schemeClr val="bg1"/>
+                </a:solidFill>
+                <a:latin typeface="Noto Sans CJK TC Bold" panose="020B0800000000000000" charset="-120"/>
+                <a:ea typeface="Noto Sans CJK TC Bold" panose="020B0800000000000000" charset="-120"/>
+              </a:rPr>
+              <a:t>/ </a:t>
+            </a:r>
+            <a:r>
+              <a:rPr lang="zh-TW" altLang="en-US" dirty="0" smtClean="0">
+                <a:solidFill>
+                  <a:schemeClr val="bg1"/>
+                </a:solidFill>
+                <a:latin typeface="Noto Sans CJK TC Bold" panose="020B0800000000000000" charset="-120"/>
+                <a:ea typeface="Noto Sans CJK TC Bold" panose="020B0800000000000000" charset="-120"/>
+              </a:rPr>
+              <a:t>管理員</a:t>
+            </a:r>
+            <a:endParaRPr lang="zh-TW" altLang="en-US" dirty="0">
+              <a:solidFill>
+                <a:schemeClr val="bg1"/>
+              </a:solidFill>
+              <a:latin typeface="Noto Sans CJK TC Bold" panose="020B0800000000000000" charset="-120"/>
+              <a:ea typeface="Noto Sans CJK TC Bold" panose="020B0800000000000000" charset="-120"/>
+            </a:endParaRPr>
+          </a:p>
+        </p:txBody>
+      </p:sp>
+      <p:sp>
+        <p:nvSpPr>
+          <p:cNvPr id="111" name="Flowchart: Process 9"/>
+          <p:cNvSpPr/>
+          <p:nvPr/>
+        </p:nvSpPr>
+        <p:spPr>
+          <a:xfrm>
+            <a:off x="8670012" y="3956049"/>
+            <a:ext cx="531511" cy="2136405"/>
+          </a:xfrm>
+          <a:prstGeom prst="flowChartProcess">
+            <a:avLst/>
+          </a:prstGeom>
+          <a:solidFill>
+            <a:srgbClr val="202938"/>
+          </a:solidFill>
+          <a:ln>
+            <a:noFill/>
+          </a:ln>
+        </p:spPr>
+        <p:style>
+          <a:lnRef idx="2">
+            <a:schemeClr val="accent1">
+              <a:shade val="50000"/>
+            </a:schemeClr>
+          </a:lnRef>
+          <a:fillRef idx="1">
+            <a:schemeClr val="accent1"/>
+          </a:fillRef>
+          <a:effectRef idx="0">
+            <a:schemeClr val="accent1"/>
+          </a:effectRef>
+          <a:fontRef idx="minor">
+            <a:schemeClr val="lt1"/>
+          </a:fontRef>
+        </p:style>
+        <p:txBody>
+          <a:bodyPr rtlCol="0" anchor="ctr"/>
+          <a:lstStyle/>
+          <a:p>
+            <a:pPr algn="ctr"/>
+            <a:endParaRPr lang="en-US"/>
+          </a:p>
+        </p:txBody>
+      </p:sp>
+      <p:sp>
+        <p:nvSpPr>
+          <p:cNvPr id="112" name="Text Box 26"/>
+          <p:cNvSpPr txBox="1"/>
+          <p:nvPr/>
+        </p:nvSpPr>
+        <p:spPr>
+          <a:xfrm>
+            <a:off x="8704934" y="4339584"/>
+            <a:ext cx="461665" cy="1391926"/>
+          </a:xfrm>
+          <a:prstGeom prst="rect">
+            <a:avLst/>
+          </a:prstGeom>
+          <a:noFill/>
+        </p:spPr>
+        <p:txBody>
+          <a:bodyPr vert="eaVert" wrap="square" rtlCol="0">
+            <a:spAutoFit/>
+          </a:bodyPr>
+          <a:lstStyle/>
+          <a:p>
+            <a:pPr algn="dist"/>
+            <a:r>
+              <a:rPr lang="zh-TW" altLang="en-US" dirty="0" smtClean="0">
+                <a:solidFill>
+                  <a:schemeClr val="bg1"/>
+                </a:solidFill>
+                <a:latin typeface="Noto Sans CJK TC Bold" panose="020B0800000000000000" charset="-120"/>
+                <a:ea typeface="Noto Sans CJK TC Bold" panose="020B0800000000000000" charset="-120"/>
+              </a:rPr>
+              <a:t>增加刪除</a:t>
+            </a:r>
+            <a:endParaRPr lang="zh-TW" altLang="en-US" dirty="0">
+              <a:solidFill>
+                <a:schemeClr val="bg1"/>
+              </a:solidFill>
+              <a:latin typeface="Noto Sans CJK TC Bold" panose="020B0800000000000000" charset="-120"/>
+              <a:ea typeface="Noto Sans CJK TC Bold" panose="020B0800000000000000" charset="-120"/>
+            </a:endParaRPr>
+          </a:p>
+        </p:txBody>
+      </p:sp>
+      <p:cxnSp>
+        <p:nvCxnSpPr>
+          <p:cNvPr id="113" name="直線接點 112"/>
+          <p:cNvCxnSpPr>
+            <a:stCxn id="109" idx="3"/>
+            <a:endCxn id="111" idx="1"/>
+          </p:cNvCxnSpPr>
+          <p:nvPr/>
+        </p:nvCxnSpPr>
+        <p:spPr>
+          <a:xfrm flipV="1">
+            <a:off x="8366800" y="5024252"/>
+            <a:ext cx="303212" cy="2742"/>
+          </a:xfrm>
+          <a:prstGeom prst="line">
+            <a:avLst/>
+          </a:prstGeom>
+        </p:spPr>
+        <p:style>
+          <a:lnRef idx="1">
+            <a:schemeClr val="dk1"/>
+          </a:lnRef>
+          <a:fillRef idx="0">
+            <a:schemeClr val="dk1"/>
+          </a:fillRef>
+          <a:effectRef idx="0">
+            <a:schemeClr val="dk1"/>
+          </a:effectRef>
+          <a:fontRef idx="minor">
+            <a:schemeClr val="tx1"/>
+          </a:fontRef>
+        </p:style>
+      </p:cxnSp>
+      <p:sp>
+        <p:nvSpPr>
+          <p:cNvPr id="119" name="Flowchart: Process 31"/>
+          <p:cNvSpPr/>
+          <p:nvPr/>
+        </p:nvSpPr>
+        <p:spPr>
+          <a:xfrm>
+            <a:off x="9752703" y="3969768"/>
+            <a:ext cx="1544955" cy="502795"/>
+          </a:xfrm>
+          <a:prstGeom prst="flowChartProcess">
+            <a:avLst/>
+          </a:prstGeom>
+          <a:solidFill>
+            <a:srgbClr val="45312A"/>
+          </a:solidFill>
+          <a:ln>
+            <a:noFill/>
+          </a:ln>
+        </p:spPr>
+        <p:style>
+          <a:lnRef idx="2">
+            <a:schemeClr val="accent1">
+              <a:shade val="50000"/>
+            </a:schemeClr>
+          </a:lnRef>
+          <a:fillRef idx="1">
+            <a:schemeClr val="accent1"/>
+          </a:fillRef>
+          <a:effectRef idx="0">
+            <a:schemeClr val="accent1"/>
+          </a:effectRef>
+          <a:fontRef idx="minor">
+            <a:schemeClr val="lt1"/>
+          </a:fontRef>
+        </p:style>
+        <p:txBody>
+          <a:bodyPr rtlCol="0" anchor="ctr"/>
+          <a:lstStyle/>
+          <a:p>
+            <a:pPr algn="ctr"/>
+            <a:endParaRPr lang="en-US"/>
+          </a:p>
+        </p:txBody>
+      </p:sp>
+      <p:sp>
+        <p:nvSpPr>
+          <p:cNvPr id="120" name="Text Box 32"/>
+          <p:cNvSpPr txBox="1"/>
+          <p:nvPr/>
+        </p:nvSpPr>
+        <p:spPr>
+          <a:xfrm>
+            <a:off x="9865431" y="4045968"/>
+            <a:ext cx="1319498" cy="368300"/>
+          </a:xfrm>
+          <a:prstGeom prst="rect">
+            <a:avLst/>
+          </a:prstGeom>
+          <a:noFill/>
+        </p:spPr>
+        <p:txBody>
+          <a:bodyPr wrap="square" rtlCol="0">
+            <a:spAutoFit/>
+          </a:bodyPr>
+          <a:lstStyle/>
+          <a:p>
+            <a:pPr algn="dist"/>
+            <a:r>
+              <a:rPr lang="zh-TW" altLang="en-US" dirty="0" smtClean="0">
+                <a:solidFill>
+                  <a:schemeClr val="bg1"/>
+                </a:solidFill>
+                <a:latin typeface="Noto Sans CJK TC Bold" panose="020B0800000000000000" charset="-120"/>
+                <a:ea typeface="Noto Sans CJK TC Bold" panose="020B0800000000000000" charset="-120"/>
+              </a:rPr>
+              <a:t>字帖管理</a:t>
+            </a:r>
+            <a:endParaRPr lang="zh-TW" altLang="en-US" dirty="0">
+              <a:solidFill>
+                <a:schemeClr val="bg1"/>
+              </a:solidFill>
+              <a:latin typeface="Noto Sans CJK TC Bold" panose="020B0800000000000000" charset="-120"/>
+              <a:ea typeface="Noto Sans CJK TC Bold" panose="020B0800000000000000" charset="-120"/>
+            </a:endParaRPr>
+          </a:p>
+        </p:txBody>
+      </p:sp>
+      <p:sp>
+        <p:nvSpPr>
+          <p:cNvPr id="121" name="Flowchart: Process 31"/>
+          <p:cNvSpPr/>
+          <p:nvPr/>
+        </p:nvSpPr>
+        <p:spPr>
+          <a:xfrm>
+            <a:off x="9752703" y="4548763"/>
+            <a:ext cx="1544955" cy="502795"/>
+          </a:xfrm>
+          <a:prstGeom prst="flowChartProcess">
+            <a:avLst/>
+          </a:prstGeom>
+          <a:solidFill>
+            <a:srgbClr val="45312A"/>
+          </a:solidFill>
+          <a:ln>
+            <a:noFill/>
+          </a:ln>
+        </p:spPr>
+        <p:style>
+          <a:lnRef idx="2">
+            <a:schemeClr val="accent1">
+              <a:shade val="50000"/>
+            </a:schemeClr>
+          </a:lnRef>
+          <a:fillRef idx="1">
+            <a:schemeClr val="accent1"/>
+          </a:fillRef>
+          <a:effectRef idx="0">
+            <a:schemeClr val="accent1"/>
+          </a:effectRef>
+          <a:fontRef idx="minor">
+            <a:schemeClr val="lt1"/>
+          </a:fontRef>
+        </p:style>
+        <p:txBody>
+          <a:bodyPr rtlCol="0" anchor="ctr"/>
+          <a:lstStyle/>
+          <a:p>
+            <a:pPr algn="ctr"/>
+            <a:endParaRPr lang="en-US"/>
+          </a:p>
+        </p:txBody>
+      </p:sp>
+      <p:sp>
+        <p:nvSpPr>
+          <p:cNvPr id="122" name="Text Box 32"/>
+          <p:cNvSpPr txBox="1"/>
+          <p:nvPr/>
+        </p:nvSpPr>
+        <p:spPr>
+          <a:xfrm>
+            <a:off x="9865431" y="4624963"/>
+            <a:ext cx="1319498" cy="368300"/>
+          </a:xfrm>
+          <a:prstGeom prst="rect">
+            <a:avLst/>
+          </a:prstGeom>
+          <a:noFill/>
+        </p:spPr>
+        <p:txBody>
+          <a:bodyPr wrap="square" rtlCol="0">
+            <a:spAutoFit/>
+          </a:bodyPr>
+          <a:lstStyle/>
+          <a:p>
+            <a:pPr algn="dist"/>
+            <a:r>
+              <a:rPr lang="zh-TW" altLang="en-US" dirty="0" smtClean="0">
+                <a:solidFill>
+                  <a:schemeClr val="bg1"/>
+                </a:solidFill>
+                <a:latin typeface="Noto Sans CJK TC Bold" panose="020B0800000000000000" charset="-120"/>
+                <a:ea typeface="Noto Sans CJK TC Bold" panose="020B0800000000000000" charset="-120"/>
+              </a:rPr>
+              <a:t>常見問題</a:t>
+            </a:r>
+            <a:endParaRPr lang="zh-TW" altLang="en-US" dirty="0">
+              <a:solidFill>
+                <a:schemeClr val="bg1"/>
+              </a:solidFill>
+              <a:latin typeface="Noto Sans CJK TC Bold" panose="020B0800000000000000" charset="-120"/>
+              <a:ea typeface="Noto Sans CJK TC Bold" panose="020B0800000000000000" charset="-120"/>
+            </a:endParaRPr>
+          </a:p>
+        </p:txBody>
+      </p:sp>
+      <p:sp>
+        <p:nvSpPr>
+          <p:cNvPr id="126" name="Flowchart: Process 31"/>
+          <p:cNvSpPr/>
+          <p:nvPr/>
+        </p:nvSpPr>
+        <p:spPr>
+          <a:xfrm>
+            <a:off x="9752703" y="5136478"/>
+            <a:ext cx="1544955" cy="502795"/>
+          </a:xfrm>
+          <a:prstGeom prst="flowChartProcess">
+            <a:avLst/>
+          </a:prstGeom>
+          <a:solidFill>
+            <a:srgbClr val="45312A"/>
+          </a:solidFill>
+          <a:ln>
+            <a:noFill/>
+          </a:ln>
+        </p:spPr>
+        <p:style>
+          <a:lnRef idx="2">
+            <a:schemeClr val="accent1">
+              <a:shade val="50000"/>
+            </a:schemeClr>
+          </a:lnRef>
+          <a:fillRef idx="1">
+            <a:schemeClr val="accent1"/>
+          </a:fillRef>
+          <a:effectRef idx="0">
+            <a:schemeClr val="accent1"/>
+          </a:effectRef>
+          <a:fontRef idx="minor">
+            <a:schemeClr val="lt1"/>
+          </a:fontRef>
+        </p:style>
+        <p:txBody>
+          <a:bodyPr rtlCol="0" anchor="ctr"/>
+          <a:lstStyle/>
+          <a:p>
+            <a:pPr algn="ctr"/>
+            <a:endParaRPr lang="en-US"/>
+          </a:p>
+        </p:txBody>
+      </p:sp>
+      <p:sp>
+        <p:nvSpPr>
+          <p:cNvPr id="127" name="Text Box 32"/>
+          <p:cNvSpPr txBox="1"/>
+          <p:nvPr/>
+        </p:nvSpPr>
+        <p:spPr>
+          <a:xfrm>
+            <a:off x="9865431" y="5212678"/>
+            <a:ext cx="1319498" cy="368300"/>
+          </a:xfrm>
+          <a:prstGeom prst="rect">
+            <a:avLst/>
+          </a:prstGeom>
+          <a:noFill/>
+        </p:spPr>
+        <p:txBody>
+          <a:bodyPr wrap="square" rtlCol="0">
+            <a:spAutoFit/>
+          </a:bodyPr>
+          <a:lstStyle/>
+          <a:p>
+            <a:pPr algn="dist"/>
+            <a:r>
+              <a:rPr lang="zh-TW" altLang="en-US" dirty="0" smtClean="0">
+                <a:solidFill>
+                  <a:schemeClr val="bg1"/>
+                </a:solidFill>
+                <a:latin typeface="Noto Sans CJK TC Bold" panose="020B0800000000000000" charset="-120"/>
+                <a:ea typeface="Noto Sans CJK TC Bold" panose="020B0800000000000000" charset="-120"/>
+              </a:rPr>
+              <a:t>訂單管理</a:t>
+            </a:r>
+            <a:endParaRPr lang="zh-TW" altLang="en-US" dirty="0">
+              <a:solidFill>
+                <a:schemeClr val="bg1"/>
+              </a:solidFill>
+              <a:latin typeface="Noto Sans CJK TC Bold" panose="020B0800000000000000" charset="-120"/>
+              <a:ea typeface="Noto Sans CJK TC Bold" panose="020B0800000000000000" charset="-120"/>
+            </a:endParaRPr>
+          </a:p>
+        </p:txBody>
+      </p:sp>
+      <p:cxnSp>
+        <p:nvCxnSpPr>
+          <p:cNvPr id="129" name="肘形接點 128"/>
+          <p:cNvCxnSpPr>
+            <a:stCxn id="112" idx="3"/>
+            <a:endCxn id="119" idx="1"/>
+          </p:cNvCxnSpPr>
+          <p:nvPr/>
+        </p:nvCxnSpPr>
+        <p:spPr>
+          <a:xfrm flipV="1">
+            <a:off x="9166599" y="4221166"/>
+            <a:ext cx="586104" cy="814381"/>
+          </a:xfrm>
+          <a:prstGeom prst="bentConnector3">
+            <a:avLst/>
+          </a:prstGeom>
+        </p:spPr>
+        <p:style>
+          <a:lnRef idx="1">
+            <a:schemeClr val="dk1"/>
+          </a:lnRef>
+          <a:fillRef idx="0">
+            <a:schemeClr val="dk1"/>
+          </a:fillRef>
+          <a:effectRef idx="0">
+            <a:schemeClr val="dk1"/>
+          </a:effectRef>
+          <a:fontRef idx="minor">
+            <a:schemeClr val="tx1"/>
+          </a:fontRef>
+        </p:style>
+      </p:cxnSp>
+      <p:cxnSp>
+        <p:nvCxnSpPr>
+          <p:cNvPr id="131" name="肘形接點 130"/>
+          <p:cNvCxnSpPr>
+            <a:stCxn id="112" idx="3"/>
+            <a:endCxn id="121" idx="1"/>
+          </p:cNvCxnSpPr>
+          <p:nvPr/>
+        </p:nvCxnSpPr>
+        <p:spPr>
+          <a:xfrm flipV="1">
+            <a:off x="9166599" y="4800161"/>
+            <a:ext cx="586104" cy="235386"/>
+          </a:xfrm>
+          <a:prstGeom prst="bentConnector3">
+            <a:avLst>
+              <a:gd name="adj1" fmla="val 50000"/>
+            </a:avLst>
+          </a:prstGeom>
+        </p:spPr>
+        <p:style>
+          <a:lnRef idx="1">
+            <a:schemeClr val="dk1"/>
+          </a:lnRef>
+          <a:fillRef idx="0">
+            <a:schemeClr val="dk1"/>
+          </a:fillRef>
+          <a:effectRef idx="0">
+            <a:schemeClr val="dk1"/>
+          </a:effectRef>
+          <a:fontRef idx="minor">
+            <a:schemeClr val="tx1"/>
+          </a:fontRef>
+        </p:style>
+      </p:cxnSp>
+      <p:cxnSp>
+        <p:nvCxnSpPr>
+          <p:cNvPr id="135" name="肘形接點 134"/>
+          <p:cNvCxnSpPr>
+            <a:stCxn id="112" idx="3"/>
+            <a:endCxn id="126" idx="1"/>
+          </p:cNvCxnSpPr>
+          <p:nvPr/>
+        </p:nvCxnSpPr>
+        <p:spPr>
+          <a:xfrm>
+            <a:off x="9166599" y="5035547"/>
+            <a:ext cx="586104" cy="352329"/>
+          </a:xfrm>
+          <a:prstGeom prst="bentConnector3">
+            <a:avLst/>
+          </a:prstGeom>
+        </p:spPr>
+        <p:style>
+          <a:lnRef idx="1">
+            <a:schemeClr val="dk1"/>
+          </a:lnRef>
+          <a:fillRef idx="0">
+            <a:schemeClr val="dk1"/>
+          </a:fillRef>
+          <a:effectRef idx="0">
+            <a:schemeClr val="dk1"/>
+          </a:effectRef>
+          <a:fontRef idx="minor">
+            <a:schemeClr val="tx1"/>
+          </a:fontRef>
+        </p:style>
+      </p:cxnSp>
+      <p:sp>
+        <p:nvSpPr>
+          <p:cNvPr id="139" name="Flowchart: Process 18"/>
+          <p:cNvSpPr/>
+          <p:nvPr/>
+        </p:nvSpPr>
+        <p:spPr>
+          <a:xfrm>
+            <a:off x="2075815" y="5911260"/>
+            <a:ext cx="1788160" cy="520700"/>
+          </a:xfrm>
+          <a:prstGeom prst="flowChartProcess">
+            <a:avLst/>
+          </a:prstGeom>
+          <a:solidFill>
+            <a:srgbClr val="202938"/>
+          </a:solidFill>
+          <a:ln>
+            <a:noFill/>
+          </a:ln>
+        </p:spPr>
+        <p:style>
+          <a:lnRef idx="2">
+            <a:schemeClr val="accent1">
+              <a:shade val="50000"/>
+            </a:schemeClr>
+          </a:lnRef>
+          <a:fillRef idx="1">
+            <a:schemeClr val="accent1"/>
+          </a:fillRef>
+          <a:effectRef idx="0">
+            <a:schemeClr val="accent1"/>
+          </a:effectRef>
+          <a:fontRef idx="minor">
+            <a:schemeClr val="lt1"/>
+          </a:fontRef>
+        </p:style>
+        <p:txBody>
+          <a:bodyPr rtlCol="0" anchor="ctr"/>
+          <a:lstStyle/>
+          <a:p>
+            <a:pPr algn="ctr"/>
+            <a:endParaRPr lang="en-US"/>
+          </a:p>
+        </p:txBody>
+      </p:sp>
+      <p:sp>
+        <p:nvSpPr>
+          <p:cNvPr id="140" name="Text Box 30"/>
+          <p:cNvSpPr txBox="1"/>
+          <p:nvPr/>
+        </p:nvSpPr>
+        <p:spPr>
+          <a:xfrm>
+            <a:off x="2294255" y="5987460"/>
+            <a:ext cx="1351280" cy="368300"/>
+          </a:xfrm>
+          <a:prstGeom prst="rect">
+            <a:avLst/>
+          </a:prstGeom>
+          <a:noFill/>
+        </p:spPr>
+        <p:txBody>
+          <a:bodyPr wrap="square" rtlCol="0">
+            <a:spAutoFit/>
+          </a:bodyPr>
+          <a:lstStyle/>
+          <a:p>
+            <a:pPr algn="dist"/>
+            <a:r>
+              <a:rPr lang="zh-TW" altLang="en-US" dirty="0" smtClean="0">
+                <a:solidFill>
+                  <a:schemeClr val="bg1"/>
+                </a:solidFill>
+                <a:latin typeface="Noto Sans CJK TC Bold" panose="020B0800000000000000" charset="-120"/>
+                <a:ea typeface="Noto Sans CJK TC Bold" panose="020B0800000000000000" charset="-120"/>
+              </a:rPr>
+              <a:t>客製專區</a:t>
+            </a:r>
+            <a:endParaRPr lang="zh-TW" altLang="en-US" dirty="0">
+              <a:solidFill>
+                <a:schemeClr val="bg1"/>
+              </a:solidFill>
+              <a:latin typeface="Noto Sans CJK TC Bold" panose="020B0800000000000000" charset="-120"/>
+              <a:ea typeface="Noto Sans CJK TC Bold" panose="020B0800000000000000" charset="-120"/>
+            </a:endParaRPr>
+          </a:p>
+        </p:txBody>
+      </p:sp>
+      <p:sp>
+        <p:nvSpPr>
+          <p:cNvPr id="143" name="Flowchart: Process 31"/>
+          <p:cNvSpPr/>
+          <p:nvPr/>
+        </p:nvSpPr>
+        <p:spPr>
+          <a:xfrm>
+            <a:off x="9786025" y="2226196"/>
+            <a:ext cx="1544955" cy="520700"/>
+          </a:xfrm>
+          <a:prstGeom prst="flowChartProcess">
+            <a:avLst/>
+          </a:prstGeom>
+          <a:solidFill>
+            <a:srgbClr val="45312A"/>
+          </a:solidFill>
+          <a:ln>
+            <a:noFill/>
+          </a:ln>
+        </p:spPr>
+        <p:style>
+          <a:lnRef idx="2">
+            <a:schemeClr val="accent1">
+              <a:shade val="50000"/>
+            </a:schemeClr>
+          </a:lnRef>
+          <a:fillRef idx="1">
+            <a:schemeClr val="accent1"/>
+          </a:fillRef>
+          <a:effectRef idx="0">
+            <a:schemeClr val="accent1"/>
+          </a:effectRef>
+          <a:fontRef idx="minor">
+            <a:schemeClr val="lt1"/>
+          </a:fontRef>
+        </p:style>
+        <p:txBody>
+          <a:bodyPr rtlCol="0" anchor="ctr"/>
+          <a:lstStyle/>
+          <a:p>
+            <a:pPr algn="ctr"/>
+            <a:endParaRPr lang="en-US"/>
+          </a:p>
+        </p:txBody>
+      </p:sp>
+      <p:sp>
+        <p:nvSpPr>
+          <p:cNvPr id="144" name="Text Box 32"/>
+          <p:cNvSpPr txBox="1"/>
+          <p:nvPr/>
+        </p:nvSpPr>
+        <p:spPr>
+          <a:xfrm>
+            <a:off x="9898753" y="2302396"/>
+            <a:ext cx="1319498" cy="368300"/>
+          </a:xfrm>
+          <a:prstGeom prst="rect">
+            <a:avLst/>
+          </a:prstGeom>
+          <a:noFill/>
+        </p:spPr>
+        <p:txBody>
+          <a:bodyPr wrap="square" rtlCol="0">
+            <a:spAutoFit/>
+          </a:bodyPr>
+          <a:lstStyle/>
+          <a:p>
+            <a:pPr algn="dist"/>
+            <a:r>
+              <a:rPr lang="zh-TW" altLang="en-US" dirty="0" smtClean="0">
+                <a:solidFill>
+                  <a:schemeClr val="bg1"/>
+                </a:solidFill>
+                <a:latin typeface="Noto Sans CJK TC Bold" panose="020B0800000000000000" charset="-120"/>
+                <a:ea typeface="Noto Sans CJK TC Bold" panose="020B0800000000000000" charset="-120"/>
+              </a:rPr>
+              <a:t>訂單</a:t>
+            </a:r>
+            <a:endParaRPr lang="zh-TW" altLang="en-US" dirty="0">
+              <a:solidFill>
+                <a:schemeClr val="bg1"/>
+              </a:solidFill>
+              <a:latin typeface="Noto Sans CJK TC Bold" panose="020B0800000000000000" charset="-120"/>
+              <a:ea typeface="Noto Sans CJK TC Bold" panose="020B0800000000000000" charset="-120"/>
+            </a:endParaRPr>
+          </a:p>
+        </p:txBody>
+      </p:sp>
+      <p:cxnSp>
+        <p:nvCxnSpPr>
+          <p:cNvPr id="146" name="肘形接點 145"/>
+          <p:cNvCxnSpPr>
+            <a:stCxn id="139" idx="1"/>
+            <a:endCxn id="6" idx="3"/>
+          </p:cNvCxnSpPr>
+          <p:nvPr/>
+        </p:nvCxnSpPr>
+        <p:spPr>
+          <a:xfrm rot="10800000">
+            <a:off x="1591311" y="3869214"/>
+            <a:ext cx="484505" cy="2302396"/>
+          </a:xfrm>
+          <a:prstGeom prst="bentConnector3">
+            <a:avLst/>
+          </a:prstGeom>
+        </p:spPr>
+        <p:style>
+          <a:lnRef idx="1">
+            <a:schemeClr val="dk1"/>
+          </a:lnRef>
+          <a:fillRef idx="0">
+            <a:schemeClr val="dk1"/>
+          </a:fillRef>
+          <a:effectRef idx="0">
+            <a:schemeClr val="dk1"/>
+          </a:effectRef>
+          <a:fontRef idx="minor">
+            <a:schemeClr val="tx1"/>
+          </a:fontRef>
+        </p:style>
+      </p:cxnSp>
+      <p:cxnSp>
+        <p:nvCxnSpPr>
+          <p:cNvPr id="148" name="肘形接點 147"/>
+          <p:cNvCxnSpPr>
+            <a:stCxn id="143" idx="1"/>
+            <a:endCxn id="84" idx="3"/>
+          </p:cNvCxnSpPr>
+          <p:nvPr/>
+        </p:nvCxnSpPr>
+        <p:spPr>
+          <a:xfrm rot="10800000" flipV="1">
+            <a:off x="9201523" y="2486546"/>
+            <a:ext cx="584502" cy="175834"/>
+          </a:xfrm>
+          <a:prstGeom prst="bentConnector3">
+            <a:avLst>
+              <a:gd name="adj1" fmla="val 50000"/>
+            </a:avLst>
+          </a:prstGeom>
+        </p:spPr>
+        <p:style>
+          <a:lnRef idx="1">
+            <a:schemeClr val="dk1"/>
+          </a:lnRef>
+          <a:fillRef idx="0">
+            <a:schemeClr val="dk1"/>
+          </a:fillRef>
+          <a:effectRef idx="0">
+            <a:schemeClr val="dk1"/>
+          </a:effectRef>
+          <a:fontRef idx="minor">
+            <a:schemeClr val="tx1"/>
+          </a:fontRef>
+        </p:style>
+      </p:cxnSp>
+      <p:sp>
+        <p:nvSpPr>
+          <p:cNvPr id="151" name="Flowchart: Process 31"/>
+          <p:cNvSpPr/>
+          <p:nvPr/>
+        </p:nvSpPr>
+        <p:spPr>
+          <a:xfrm>
+            <a:off x="9752703" y="5731510"/>
+            <a:ext cx="1544955" cy="502795"/>
+          </a:xfrm>
+          <a:prstGeom prst="flowChartProcess">
+            <a:avLst/>
+          </a:prstGeom>
+          <a:solidFill>
+            <a:srgbClr val="45312A"/>
+          </a:solidFill>
+          <a:ln>
+            <a:noFill/>
+          </a:ln>
+        </p:spPr>
+        <p:style>
+          <a:lnRef idx="2">
+            <a:schemeClr val="accent1">
+              <a:shade val="50000"/>
+            </a:schemeClr>
+          </a:lnRef>
+          <a:fillRef idx="1">
+            <a:schemeClr val="accent1"/>
+          </a:fillRef>
+          <a:effectRef idx="0">
+            <a:schemeClr val="accent1"/>
+          </a:effectRef>
+          <a:fontRef idx="minor">
+            <a:schemeClr val="lt1"/>
+          </a:fontRef>
+        </p:style>
+        <p:txBody>
+          <a:bodyPr rtlCol="0" anchor="ctr"/>
+          <a:lstStyle/>
+          <a:p>
+            <a:pPr algn="ctr"/>
+            <a:endParaRPr lang="en-US"/>
+          </a:p>
+        </p:txBody>
+      </p:sp>
+      <p:sp>
+        <p:nvSpPr>
+          <p:cNvPr id="152" name="Text Box 32"/>
+          <p:cNvSpPr txBox="1"/>
+          <p:nvPr/>
+        </p:nvSpPr>
+        <p:spPr>
+          <a:xfrm>
+            <a:off x="9865431" y="5807710"/>
+            <a:ext cx="1319498" cy="369332"/>
+          </a:xfrm>
+          <a:prstGeom prst="rect">
+            <a:avLst/>
+          </a:prstGeom>
+          <a:noFill/>
+        </p:spPr>
+        <p:txBody>
+          <a:bodyPr wrap="square" rtlCol="0">
+            <a:spAutoFit/>
+          </a:bodyPr>
+          <a:lstStyle/>
+          <a:p>
+            <a:pPr algn="dist"/>
+            <a:r>
+              <a:rPr lang="zh-TW" altLang="en-US" dirty="0">
+                <a:solidFill>
+                  <a:schemeClr val="bg1"/>
+                </a:solidFill>
+                <a:latin typeface="Noto Sans CJK TC Bold" panose="020B0800000000000000" charset="-120"/>
+                <a:ea typeface="Noto Sans CJK TC Bold" panose="020B0800000000000000" charset="-120"/>
+              </a:rPr>
+              <a:t>會員</a:t>
+            </a:r>
+            <a:r>
+              <a:rPr lang="zh-TW" altLang="en-US" dirty="0" smtClean="0">
+                <a:solidFill>
+                  <a:schemeClr val="bg1"/>
+                </a:solidFill>
+                <a:latin typeface="Noto Sans CJK TC Bold" panose="020B0800000000000000" charset="-120"/>
+                <a:ea typeface="Noto Sans CJK TC Bold" panose="020B0800000000000000" charset="-120"/>
+              </a:rPr>
+              <a:t>管理</a:t>
+            </a:r>
+            <a:endParaRPr lang="zh-TW" altLang="en-US" dirty="0">
+              <a:solidFill>
+                <a:schemeClr val="bg1"/>
+              </a:solidFill>
+              <a:latin typeface="Noto Sans CJK TC Bold" panose="020B0800000000000000" charset="-120"/>
+              <a:ea typeface="Noto Sans CJK TC Bold" panose="020B0800000000000000" charset="-120"/>
+            </a:endParaRPr>
+          </a:p>
+        </p:txBody>
+      </p:sp>
+      <p:cxnSp>
+        <p:nvCxnSpPr>
+          <p:cNvPr id="154" name="肘形接點 153"/>
+          <p:cNvCxnSpPr>
+            <a:stCxn id="151" idx="1"/>
+            <a:endCxn id="112" idx="3"/>
+          </p:cNvCxnSpPr>
+          <p:nvPr/>
+        </p:nvCxnSpPr>
+        <p:spPr>
+          <a:xfrm rot="10800000">
+            <a:off x="9166599" y="5035548"/>
+            <a:ext cx="586104" cy="947361"/>
+          </a:xfrm>
+          <a:prstGeom prst="bentConnector3">
+            <a:avLst/>
+          </a:prstGeom>
+        </p:spPr>
+        <p:style>
+          <a:lnRef idx="1">
+            <a:schemeClr val="dk1"/>
+          </a:lnRef>
+          <a:fillRef idx="0">
+            <a:schemeClr val="dk1"/>
+          </a:fillRef>
+          <a:effectRef idx="0">
+            <a:schemeClr val="dk1"/>
+          </a:effectRef>
+          <a:fontRef idx="minor">
+            <a:schemeClr val="tx1"/>
+          </a:fontRef>
+        </p:style>
+      </p:cxnSp>
+      <p:sp>
+        <p:nvSpPr>
+          <p:cNvPr id="172" name="Text Box 26"/>
+          <p:cNvSpPr txBox="1"/>
+          <p:nvPr/>
+        </p:nvSpPr>
+        <p:spPr>
+          <a:xfrm>
+            <a:off x="8691522" y="1974240"/>
+            <a:ext cx="461665" cy="1391926"/>
+          </a:xfrm>
+          <a:prstGeom prst="rect">
+            <a:avLst/>
+          </a:prstGeom>
+          <a:noFill/>
+        </p:spPr>
+        <p:txBody>
+          <a:bodyPr vert="eaVert" wrap="square" rtlCol="0">
+            <a:spAutoFit/>
+          </a:bodyPr>
+          <a:lstStyle/>
+          <a:p>
+            <a:pPr algn="dist"/>
+            <a:r>
+              <a:rPr lang="zh-TW" altLang="en-US" dirty="0" smtClean="0">
+                <a:solidFill>
+                  <a:schemeClr val="bg1"/>
+                </a:solidFill>
+                <a:latin typeface="Noto Sans CJK TC Bold" panose="020B0800000000000000" charset="-120"/>
+                <a:ea typeface="Noto Sans CJK TC Bold" panose="020B0800000000000000" charset="-120"/>
+              </a:rPr>
+              <a:t>會員主頁</a:t>
+            </a:r>
+            <a:endParaRPr lang="zh-TW" altLang="en-US" dirty="0">
+              <a:solidFill>
+                <a:schemeClr val="bg1"/>
+              </a:solidFill>
+              <a:latin typeface="Noto Sans CJK TC Bold" panose="020B0800000000000000" charset="-120"/>
+              <a:ea typeface="Noto Sans CJK TC Bold" panose="020B0800000000000000" charset="-120"/>
+            </a:endParaRPr>
+          </a:p>
+        </p:txBody>
+      </p:sp>
+      <p:sp>
+        <p:nvSpPr>
+          <p:cNvPr id="174" name="Flowchart: Process 31"/>
+          <p:cNvSpPr/>
+          <p:nvPr/>
+        </p:nvSpPr>
+        <p:spPr>
+          <a:xfrm>
+            <a:off x="9786025" y="2822877"/>
+            <a:ext cx="1544955" cy="520700"/>
+          </a:xfrm>
+          <a:prstGeom prst="flowChartProcess">
+            <a:avLst/>
+          </a:prstGeom>
+          <a:solidFill>
+            <a:srgbClr val="45312A"/>
+          </a:solidFill>
+          <a:ln>
+            <a:noFill/>
+          </a:ln>
+        </p:spPr>
+        <p:style>
+          <a:lnRef idx="2">
+            <a:schemeClr val="accent1">
+              <a:shade val="50000"/>
+            </a:schemeClr>
+          </a:lnRef>
+          <a:fillRef idx="1">
+            <a:schemeClr val="accent1"/>
+          </a:fillRef>
+          <a:effectRef idx="0">
+            <a:schemeClr val="accent1"/>
+          </a:effectRef>
+          <a:fontRef idx="minor">
+            <a:schemeClr val="lt1"/>
+          </a:fontRef>
+        </p:style>
+        <p:txBody>
+          <a:bodyPr rtlCol="0" anchor="ctr"/>
+          <a:lstStyle/>
+          <a:p>
+            <a:pPr algn="ctr"/>
+            <a:endParaRPr lang="en-US"/>
+          </a:p>
+        </p:txBody>
+      </p:sp>
+      <p:sp>
+        <p:nvSpPr>
+          <p:cNvPr id="175" name="Text Box 32"/>
+          <p:cNvSpPr txBox="1"/>
+          <p:nvPr/>
+        </p:nvSpPr>
+        <p:spPr>
+          <a:xfrm>
+            <a:off x="9898753" y="2899077"/>
+            <a:ext cx="1319498" cy="368300"/>
+          </a:xfrm>
+          <a:prstGeom prst="rect">
+            <a:avLst/>
+          </a:prstGeom>
+          <a:noFill/>
+        </p:spPr>
+        <p:txBody>
+          <a:bodyPr wrap="square" rtlCol="0">
+            <a:spAutoFit/>
+          </a:bodyPr>
+          <a:lstStyle/>
+          <a:p>
+            <a:pPr algn="dist"/>
+            <a:r>
+              <a:rPr lang="zh-TW" altLang="en-US" dirty="0" smtClean="0">
+                <a:solidFill>
+                  <a:schemeClr val="bg1"/>
+                </a:solidFill>
+                <a:latin typeface="Noto Sans CJK TC Bold" panose="020B0800000000000000" charset="-120"/>
+                <a:ea typeface="Noto Sans CJK TC Bold" panose="020B0800000000000000" charset="-120"/>
+              </a:rPr>
+              <a:t>優惠券</a:t>
+            </a:r>
+            <a:endParaRPr lang="zh-TW" altLang="en-US" dirty="0">
+              <a:solidFill>
+                <a:schemeClr val="bg1"/>
+              </a:solidFill>
+              <a:latin typeface="Noto Sans CJK TC Bold" panose="020B0800000000000000" charset="-120"/>
+              <a:ea typeface="Noto Sans CJK TC Bold" panose="020B0800000000000000" charset="-120"/>
+            </a:endParaRPr>
+          </a:p>
+        </p:txBody>
+      </p:sp>
+      <p:cxnSp>
+        <p:nvCxnSpPr>
+          <p:cNvPr id="177" name="肘形接點 176"/>
+          <p:cNvCxnSpPr>
+            <a:stCxn id="174" idx="1"/>
+            <a:endCxn id="84" idx="3"/>
+          </p:cNvCxnSpPr>
+          <p:nvPr/>
+        </p:nvCxnSpPr>
+        <p:spPr>
+          <a:xfrm rot="10800000">
+            <a:off x="9201523" y="2662381"/>
+            <a:ext cx="584502" cy="420847"/>
+          </a:xfrm>
+          <a:prstGeom prst="bentConnector3">
+            <a:avLst/>
+          </a:prstGeom>
+        </p:spPr>
+        <p:style>
+          <a:lnRef idx="1">
+            <a:schemeClr val="dk1"/>
+          </a:lnRef>
+          <a:fillRef idx="0">
+            <a:schemeClr val="dk1"/>
+          </a:fillRef>
+          <a:effectRef idx="0">
+            <a:schemeClr val="dk1"/>
+          </a:effectRef>
+          <a:fontRef idx="minor">
+            <a:schemeClr val="tx1"/>
+          </a:fontRef>
+        </p:style>
+      </p:cxnSp>
+      <p:sp>
+        <p:nvSpPr>
+          <p:cNvPr id="179" name="Flowchart: Process 31"/>
+          <p:cNvSpPr/>
+          <p:nvPr/>
+        </p:nvSpPr>
+        <p:spPr>
+          <a:xfrm>
+            <a:off x="4590753" y="4904407"/>
+            <a:ext cx="1191895" cy="520700"/>
+          </a:xfrm>
+          <a:prstGeom prst="flowChartProcess">
+            <a:avLst/>
+          </a:prstGeom>
+          <a:solidFill>
+            <a:srgbClr val="45312A"/>
+          </a:solidFill>
+          <a:ln>
+            <a:noFill/>
+          </a:ln>
+        </p:spPr>
+        <p:style>
+          <a:lnRef idx="2">
+            <a:schemeClr val="accent1">
+              <a:shade val="50000"/>
+            </a:schemeClr>
+          </a:lnRef>
+          <a:fillRef idx="1">
+            <a:schemeClr val="accent1"/>
+          </a:fillRef>
+          <a:effectRef idx="0">
+            <a:schemeClr val="accent1"/>
+          </a:effectRef>
+          <a:fontRef idx="minor">
+            <a:schemeClr val="lt1"/>
+          </a:fontRef>
+        </p:style>
+        <p:txBody>
+          <a:bodyPr rtlCol="0" anchor="ctr"/>
+          <a:lstStyle/>
+          <a:p>
+            <a:pPr algn="ctr"/>
+            <a:endParaRPr lang="en-US"/>
+          </a:p>
+        </p:txBody>
+      </p:sp>
+      <p:sp>
+        <p:nvSpPr>
+          <p:cNvPr id="180" name="Text Box 34"/>
+          <p:cNvSpPr txBox="1"/>
+          <p:nvPr/>
+        </p:nvSpPr>
+        <p:spPr>
+          <a:xfrm>
+            <a:off x="4740931" y="4980607"/>
+            <a:ext cx="891540" cy="368300"/>
+          </a:xfrm>
+          <a:prstGeom prst="rect">
+            <a:avLst/>
+          </a:prstGeom>
+          <a:noFill/>
+        </p:spPr>
+        <p:txBody>
+          <a:bodyPr wrap="square" rtlCol="0">
+            <a:spAutoFit/>
+          </a:bodyPr>
+          <a:lstStyle/>
+          <a:p>
+            <a:pPr algn="dist"/>
+            <a:r>
+              <a:rPr lang="zh-TW" altLang="en-US" dirty="0" smtClean="0">
+                <a:solidFill>
+                  <a:schemeClr val="bg1"/>
+                </a:solidFill>
+                <a:latin typeface="Noto Sans CJK TC Bold" panose="020B0800000000000000" charset="-120"/>
+                <a:ea typeface="Noto Sans CJK TC Bold" panose="020B0800000000000000" charset="-120"/>
+              </a:rPr>
+              <a:t>卡片</a:t>
+            </a:r>
+            <a:endParaRPr lang="zh-TW" altLang="en-US" dirty="0">
+              <a:solidFill>
+                <a:schemeClr val="bg1"/>
+              </a:solidFill>
+              <a:latin typeface="Noto Sans CJK TC Bold" panose="020B0800000000000000" charset="-120"/>
+              <a:ea typeface="Noto Sans CJK TC Bold" panose="020B0800000000000000" charset="-120"/>
+            </a:endParaRPr>
+          </a:p>
+        </p:txBody>
+      </p:sp>
+      <p:sp>
+        <p:nvSpPr>
+          <p:cNvPr id="181" name="Flowchart: Process 31"/>
+          <p:cNvSpPr/>
+          <p:nvPr/>
+        </p:nvSpPr>
+        <p:spPr>
+          <a:xfrm>
+            <a:off x="4590753" y="5531468"/>
+            <a:ext cx="1191895" cy="520700"/>
+          </a:xfrm>
+          <a:prstGeom prst="flowChartProcess">
+            <a:avLst/>
+          </a:prstGeom>
+          <a:solidFill>
+            <a:srgbClr val="45312A"/>
+          </a:solidFill>
+          <a:ln>
+            <a:noFill/>
+          </a:ln>
+        </p:spPr>
+        <p:style>
+          <a:lnRef idx="2">
+            <a:schemeClr val="accent1">
+              <a:shade val="50000"/>
+            </a:schemeClr>
+          </a:lnRef>
+          <a:fillRef idx="1">
+            <a:schemeClr val="accent1"/>
+          </a:fillRef>
+          <a:effectRef idx="0">
+            <a:schemeClr val="accent1"/>
+          </a:effectRef>
+          <a:fontRef idx="minor">
+            <a:schemeClr val="lt1"/>
+          </a:fontRef>
+        </p:style>
+        <p:txBody>
+          <a:bodyPr rtlCol="0" anchor="ctr"/>
+          <a:lstStyle/>
+          <a:p>
+            <a:pPr algn="ctr"/>
+            <a:endParaRPr lang="en-US"/>
+          </a:p>
+        </p:txBody>
+      </p:sp>
+      <p:sp>
+        <p:nvSpPr>
+          <p:cNvPr id="182" name="Text Box 34"/>
+          <p:cNvSpPr txBox="1"/>
+          <p:nvPr/>
+        </p:nvSpPr>
+        <p:spPr>
+          <a:xfrm>
+            <a:off x="4740931" y="5607668"/>
+            <a:ext cx="891540" cy="368300"/>
+          </a:xfrm>
+          <a:prstGeom prst="rect">
+            <a:avLst/>
+          </a:prstGeom>
+          <a:noFill/>
+        </p:spPr>
+        <p:txBody>
+          <a:bodyPr wrap="square" rtlCol="0">
+            <a:spAutoFit/>
+          </a:bodyPr>
+          <a:lstStyle/>
+          <a:p>
+            <a:pPr algn="dist"/>
+            <a:r>
+              <a:rPr lang="zh-TW" altLang="en-US" dirty="0" smtClean="0">
+                <a:solidFill>
+                  <a:schemeClr val="bg1"/>
+                </a:solidFill>
+                <a:latin typeface="Noto Sans CJK TC Bold" panose="020B0800000000000000" charset="-120"/>
+                <a:ea typeface="Noto Sans CJK TC Bold" panose="020B0800000000000000" charset="-120"/>
+              </a:rPr>
+              <a:t>春聯</a:t>
+            </a:r>
+            <a:endParaRPr lang="zh-TW" altLang="en-US" dirty="0">
+              <a:solidFill>
+                <a:schemeClr val="bg1"/>
+              </a:solidFill>
+              <a:latin typeface="Noto Sans CJK TC Bold" panose="020B0800000000000000" charset="-120"/>
+              <a:ea typeface="Noto Sans CJK TC Bold" panose="020B0800000000000000" charset="-120"/>
+            </a:endParaRPr>
+          </a:p>
+        </p:txBody>
+      </p:sp>
+      <p:sp>
+        <p:nvSpPr>
+          <p:cNvPr id="183" name="Flowchart: Process 31"/>
+          <p:cNvSpPr/>
+          <p:nvPr/>
+        </p:nvSpPr>
+        <p:spPr>
+          <a:xfrm>
+            <a:off x="4590753" y="6188390"/>
+            <a:ext cx="1191895" cy="520700"/>
+          </a:xfrm>
+          <a:prstGeom prst="flowChartProcess">
+            <a:avLst/>
+          </a:prstGeom>
+          <a:solidFill>
+            <a:srgbClr val="45312A"/>
+          </a:solidFill>
+          <a:ln>
+            <a:noFill/>
+          </a:ln>
+        </p:spPr>
+        <p:style>
+          <a:lnRef idx="2">
+            <a:schemeClr val="accent1">
+              <a:shade val="50000"/>
+            </a:schemeClr>
+          </a:lnRef>
+          <a:fillRef idx="1">
+            <a:schemeClr val="accent1"/>
+          </a:fillRef>
+          <a:effectRef idx="0">
+            <a:schemeClr val="accent1"/>
+          </a:effectRef>
+          <a:fontRef idx="minor">
+            <a:schemeClr val="lt1"/>
+          </a:fontRef>
+        </p:style>
+        <p:txBody>
+          <a:bodyPr rtlCol="0" anchor="ctr"/>
+          <a:lstStyle/>
+          <a:p>
+            <a:pPr algn="ctr"/>
+            <a:endParaRPr lang="en-US"/>
+          </a:p>
+        </p:txBody>
+      </p:sp>
+      <p:sp>
+        <p:nvSpPr>
+          <p:cNvPr id="184" name="Text Box 34"/>
+          <p:cNvSpPr txBox="1"/>
+          <p:nvPr/>
+        </p:nvSpPr>
+        <p:spPr>
+          <a:xfrm>
+            <a:off x="4740931" y="6264590"/>
+            <a:ext cx="891540" cy="368300"/>
+          </a:xfrm>
+          <a:prstGeom prst="rect">
+            <a:avLst/>
+          </a:prstGeom>
+          <a:noFill/>
+        </p:spPr>
+        <p:txBody>
+          <a:bodyPr wrap="square" rtlCol="0">
+            <a:spAutoFit/>
+          </a:bodyPr>
+          <a:lstStyle/>
+          <a:p>
+            <a:pPr algn="dist"/>
+            <a:r>
+              <a:rPr lang="zh-TW" altLang="en-US" dirty="0" smtClean="0">
+                <a:solidFill>
+                  <a:schemeClr val="bg1"/>
+                </a:solidFill>
+                <a:latin typeface="Noto Sans CJK TC Bold" panose="020B0800000000000000" charset="-120"/>
+                <a:ea typeface="Noto Sans CJK TC Bold" panose="020B0800000000000000" charset="-120"/>
+              </a:rPr>
+              <a:t>商標</a:t>
+            </a:r>
+            <a:endParaRPr lang="zh-TW" altLang="en-US" dirty="0">
+              <a:solidFill>
+                <a:schemeClr val="bg1"/>
+              </a:solidFill>
+              <a:latin typeface="Noto Sans CJK TC Bold" panose="020B0800000000000000" charset="-120"/>
+              <a:ea typeface="Noto Sans CJK TC Bold" panose="020B0800000000000000" charset="-120"/>
+            </a:endParaRPr>
+          </a:p>
+        </p:txBody>
+      </p:sp>
+      <p:cxnSp>
+        <p:nvCxnSpPr>
+          <p:cNvPr id="186" name="肘形接點 185"/>
+          <p:cNvCxnSpPr>
+            <a:stCxn id="139" idx="3"/>
+            <a:endCxn id="179" idx="1"/>
+          </p:cNvCxnSpPr>
+          <p:nvPr/>
+        </p:nvCxnSpPr>
+        <p:spPr>
+          <a:xfrm flipV="1">
+            <a:off x="3863975" y="5164757"/>
+            <a:ext cx="726778" cy="1006853"/>
+          </a:xfrm>
+          <a:prstGeom prst="bentConnector3">
+            <a:avLst/>
+          </a:prstGeom>
+        </p:spPr>
+        <p:style>
+          <a:lnRef idx="1">
+            <a:schemeClr val="dk1"/>
+          </a:lnRef>
+          <a:fillRef idx="0">
+            <a:schemeClr val="dk1"/>
+          </a:fillRef>
+          <a:effectRef idx="0">
+            <a:schemeClr val="dk1"/>
+          </a:effectRef>
+          <a:fontRef idx="minor">
+            <a:schemeClr val="tx1"/>
+          </a:fontRef>
+        </p:style>
+      </p:cxnSp>
+      <p:cxnSp>
+        <p:nvCxnSpPr>
+          <p:cNvPr id="188" name="肘形接點 187"/>
+          <p:cNvCxnSpPr>
+            <a:stCxn id="139" idx="3"/>
+            <a:endCxn id="181" idx="1"/>
+          </p:cNvCxnSpPr>
+          <p:nvPr/>
+        </p:nvCxnSpPr>
+        <p:spPr>
+          <a:xfrm flipV="1">
+            <a:off x="3863975" y="5791818"/>
+            <a:ext cx="726778" cy="379792"/>
+          </a:xfrm>
+          <a:prstGeom prst="bentConnector3">
+            <a:avLst/>
+          </a:prstGeom>
+        </p:spPr>
+        <p:style>
+          <a:lnRef idx="1">
+            <a:schemeClr val="dk1"/>
+          </a:lnRef>
+          <a:fillRef idx="0">
+            <a:schemeClr val="dk1"/>
+          </a:fillRef>
+          <a:effectRef idx="0">
+            <a:schemeClr val="dk1"/>
+          </a:effectRef>
+          <a:fontRef idx="minor">
+            <a:schemeClr val="tx1"/>
+          </a:fontRef>
+        </p:style>
+      </p:cxnSp>
+      <p:cxnSp>
+        <p:nvCxnSpPr>
+          <p:cNvPr id="190" name="肘形接點 189"/>
+          <p:cNvCxnSpPr>
+            <a:stCxn id="139" idx="3"/>
+            <a:endCxn id="183" idx="1"/>
+          </p:cNvCxnSpPr>
+          <p:nvPr/>
+        </p:nvCxnSpPr>
+        <p:spPr>
+          <a:xfrm>
+            <a:off x="3863975" y="6171610"/>
+            <a:ext cx="726778" cy="277130"/>
+          </a:xfrm>
+          <a:prstGeom prst="bentConnector3">
+            <a:avLst/>
+          </a:prstGeom>
+        </p:spPr>
+        <p:style>
+          <a:lnRef idx="1">
+            <a:schemeClr val="dk1"/>
+          </a:lnRef>
+          <a:fillRef idx="0">
+            <a:schemeClr val="dk1"/>
+          </a:fillRef>
+          <a:effectRef idx="0">
+            <a:schemeClr val="dk1"/>
+          </a:effectRef>
+          <a:fontRef idx="minor">
+            <a:schemeClr val="tx1"/>
+          </a:fontRef>
+        </p:style>
+      </p:cxnSp>
+    </p:spTree>
+  </p:cSld>
+  <p:clrMapOvr>
+    <a:masterClrMapping/>
+  </p:clrMapOvr>
+  <p:timing>
+    <p:tnLst>
+      <p:par>
+        <p:cTn id="1" dur="indefinite" restart="never" nodeType="tmRoot"/>
+      </p:par>
+    </p:tnLst>
+  </p:timing>
+</p:sld>
+</file>
+
+<file path=ppt/slides/slide6.xml><?xml version="1.0" encoding="utf-8"?>
+<p:sld xmlns:a="http://schemas.openxmlformats.org/drawingml/2006/main" xmlns:r="http://schemas.openxmlformats.org/officeDocument/2006/relationships" xmlns:p="http://schemas.openxmlformats.org/presentationml/2006/main">
+  <p:cSld>
+    <p:spTree>
+      <p:nvGrpSpPr>
+        <p:cNvPr id="1" name=""/>
+        <p:cNvGrpSpPr/>
+        <p:nvPr/>
+      </p:nvGrpSpPr>
+      <p:grpSpPr>
+        <a:xfrm>
+          <a:off x="0" y="0"/>
+          <a:ext cx="0" cy="0"/>
+          <a:chOff x="0" y="0"/>
+          <a:chExt cx="0" cy="0"/>
+        </a:xfrm>
+      </p:grpSpPr>
+      <p:sp>
+        <p:nvSpPr>
+          <p:cNvPr id="2" name="Title 1"/>
+          <p:cNvSpPr>
+            <a:spLocks noGrp="1"/>
+          </p:cNvSpPr>
+          <p:nvPr>
+            <p:ph type="title"/>
+          </p:nvPr>
+        </p:nvSpPr>
+        <p:spPr>
+          <a:xfrm>
+            <a:off x="4190228" y="315182"/>
+            <a:ext cx="3487057" cy="675006"/>
+          </a:xfrm>
+        </p:spPr>
+        <p:txBody>
+          <a:bodyPr anchor="ctr" anchorCtr="0">
+            <a:normAutofit/>
+          </a:bodyPr>
+          <a:lstStyle/>
+          <a:p>
+            <a:pPr algn="ctr"/>
+            <a:r>
+              <a:rPr lang="zh-TW" altLang="en-US" sz="3200" dirty="0" smtClean="0">
+                <a:solidFill>
+                  <a:srgbClr val="614F4D"/>
+                </a:solidFill>
+                <a:latin typeface="華康儷粗黑" panose="020B0709000000000000" pitchFamily="49" charset="-120"/>
+                <a:ea typeface="華康儷粗黑" panose="020B0709000000000000" pitchFamily="49" charset="-120"/>
+              </a:rPr>
+              <a:t>畫面配置 </a:t>
+            </a:r>
+            <a:r>
+              <a:rPr lang="en-US" altLang="zh-TW" sz="3200" dirty="0" smtClean="0">
+                <a:solidFill>
+                  <a:srgbClr val="614F4D"/>
+                </a:solidFill>
+                <a:latin typeface="華康儷粗黑" panose="020B0709000000000000" pitchFamily="49" charset="-120"/>
+                <a:ea typeface="華康儷粗黑" panose="020B0709000000000000" pitchFamily="49" charset="-120"/>
+              </a:rPr>
+              <a:t>/ </a:t>
+            </a:r>
+            <a:r>
+              <a:rPr lang="zh-TW" altLang="en-US" sz="3200" dirty="0" smtClean="0">
+                <a:solidFill>
+                  <a:srgbClr val="614F4D"/>
+                </a:solidFill>
+                <a:latin typeface="華康儷粗黑" panose="020B0709000000000000" pitchFamily="49" charset="-120"/>
+                <a:ea typeface="華康儷粗黑" panose="020B0709000000000000" pitchFamily="49" charset="-120"/>
+              </a:rPr>
+              <a:t>首頁</a:t>
+            </a:r>
+            <a:endParaRPr lang="zh-TW" altLang="en-US" sz="3200" dirty="0">
+              <a:solidFill>
+                <a:srgbClr val="614F4D"/>
+              </a:solidFill>
+              <a:latin typeface="華康儷粗黑" panose="020B0709000000000000" pitchFamily="49" charset="-120"/>
+              <a:ea typeface="華康儷粗黑" panose="020B0709000000000000" pitchFamily="49" charset="-120"/>
+            </a:endParaRPr>
+          </a:p>
+        </p:txBody>
+      </p:sp>
+      <p:grpSp>
+        <p:nvGrpSpPr>
+          <p:cNvPr id="12" name="Group 11"/>
+          <p:cNvGrpSpPr/>
+          <p:nvPr/>
+        </p:nvGrpSpPr>
+        <p:grpSpPr>
+          <a:xfrm>
+            <a:off x="-195580" y="-582930"/>
+            <a:ext cx="12285345" cy="7806055"/>
+            <a:chOff x="288" y="-642"/>
+            <a:chExt cx="19347" cy="12293"/>
+          </a:xfrm>
+        </p:grpSpPr>
+        <p:sp>
+          <p:nvSpPr>
+            <p:cNvPr id="13" name="Rounded Rectangle 12"/>
+            <p:cNvSpPr/>
+            <p:nvPr/>
+          </p:nvSpPr>
+          <p:spPr>
+            <a:xfrm>
+              <a:off x="2784" y="2517"/>
+              <a:ext cx="14313" cy="7568"/>
+            </a:xfrm>
+            <a:prstGeom prst="roundRect">
+              <a:avLst>
+                <a:gd name="adj" fmla="val 5787"/>
+              </a:avLst>
+            </a:prstGeom>
+            <a:solidFill>
+              <a:schemeClr val="bg1">
+                <a:alpha val="16000"/>
+              </a:schemeClr>
+            </a:solidFill>
+            <a:ln>
+              <a:noFill/>
+            </a:ln>
+          </p:spPr>
+          <p:style>
+            <a:lnRef idx="2">
+              <a:schemeClr val="accent1">
+                <a:shade val="50000"/>
+              </a:schemeClr>
+            </a:lnRef>
+            <a:fillRef idx="1">
+              <a:schemeClr val="accent1"/>
+            </a:fillRef>
+            <a:effectRef idx="0">
+              <a:schemeClr val="accent1"/>
+            </a:effectRef>
+            <a:fontRef idx="minor">
+              <a:schemeClr val="lt1"/>
+            </a:fontRef>
+          </p:style>
+          <p:txBody>
+            <a:bodyPr rtlCol="0" anchor="ctr"/>
+            <a:lstStyle/>
             <a:p>
               <a:pPr algn="ctr"/>
               <a:endParaRPr lang="en-US"/>
@@ -3560,30 +8363,33 @@
   <p:clrMapOvr>
     <a:masterClrMapping/>
   </p:clrMapOvr>
+  <p:timing>
+    <p:tnLst>
+      <p:par>
+        <p:cTn id="1" dur="indefinite" restart="never" nodeType="tmRoot"/>
+      </p:par>
+    </p:tnLst>
+  </p:timing>
 </p:sld>
 </file>
 
-<file path=ppt/slides/slide4.xml><?xml version="1.0" encoding="utf-8"?>
+<file path=ppt/slides/slide7.xml><?xml version="1.0" encoding="utf-8"?>
 <p:sld xmlns:a="http://schemas.openxmlformats.org/drawingml/2006/main" xmlns:r="http://schemas.openxmlformats.org/officeDocument/2006/relationships" xmlns:p="http://schemas.openxmlformats.org/presentationml/2006/main">
   <p:cSld>
-    <p:bg>
-      <p:bgPr>
-        <a:blipFill>
-          <a:blip r:embed="rId1"/>
-          <a:stretch>
-            <a:fillRect/>
-          </a:stretch>
-        </a:blipFill>
-        <a:effectLst/>
-      </p:bgPr>
-    </p:bg>
     <p:spTree>
       <p:nvGrpSpPr>
         <p:cNvPr id="1" name=""/>
         <p:cNvGrpSpPr/>
         <p:nvPr/>
       </p:nvGrpSpPr>
-      <p:grpSpPr/>
+      <p:grpSpPr>
+        <a:xfrm>
+          <a:off x="0" y="0"/>
+          <a:ext cx="0" cy="0"/>
+          <a:chOff x="0" y="0"/>
+          <a:chExt cx="0" cy="0"/>
+        </a:xfrm>
+      </p:grpSpPr>
       <p:sp>
         <p:nvSpPr>
           <p:cNvPr id="2" name="Title 1"/>
@@ -3594,27 +8400,65 @@
             <p:ph type="title"/>
           </p:nvPr>
         </p:nvSpPr>
-        <p:spPr/>
-        <p:txBody>
-          <a:bodyPr anchor="ctr" anchorCtr="0"/>
+        <p:spPr>
+          <a:xfrm>
+            <a:off x="838200" y="365126"/>
+            <a:ext cx="10515600" cy="667702"/>
+          </a:xfrm>
+        </p:spPr>
+        <p:txBody>
+          <a:bodyPr anchor="ctr" anchorCtr="0">
+            <a:normAutofit/>
+          </a:bodyPr>
+          <a:lstStyle/>
           <a:p>
             <a:pPr algn="ctr"/>
             <a:r>
-              <a:rPr lang="zh-TW" altLang="en-US" sz="6000" dirty="0">
+              <a:rPr lang="zh-TW" altLang="en-US" sz="3200" dirty="0">
                 <a:solidFill>
                   <a:srgbClr val="614F4D"/>
                 </a:solidFill>
-                <a:latin typeface="Noto Sans CJK TC Black" panose="020B0A00000000000000" charset="-120"/>
-                <a:ea typeface="Noto Sans CJK TC Black" panose="020B0A00000000000000" charset="-120"/>
+                <a:latin typeface="華康儷粗黑" panose="020B0709000000000000" pitchFamily="49" charset="-120"/>
+                <a:ea typeface="華康儷粗黑" panose="020B0709000000000000" pitchFamily="49" charset="-120"/>
               </a:rPr>
-              <a:t>主題構想</a:t>
-            </a:r>
-            <a:endParaRPr lang="zh-TW" altLang="en-US" sz="6000" dirty="0">
+              <a:t>畫面配置 </a:t>
+            </a:r>
+            <a:r>
+              <a:rPr lang="en-US" altLang="zh-TW" sz="3200" dirty="0">
+                <a:solidFill>
+                  <a:srgbClr val="614F4D"/>
+                </a:solidFill>
+                <a:latin typeface="華康儷粗黑" panose="020B0709000000000000" pitchFamily="49" charset="-120"/>
+                <a:ea typeface="華康儷粗黑" panose="020B0709000000000000" pitchFamily="49" charset="-120"/>
+              </a:rPr>
+              <a:t>/ </a:t>
+            </a:r>
+            <a:r>
+              <a:rPr lang="zh-TW" altLang="en-US" sz="3200" dirty="0">
+                <a:solidFill>
+                  <a:srgbClr val="614F4D"/>
+                </a:solidFill>
+                <a:latin typeface="華康儷粗黑" panose="020B0709000000000000" pitchFamily="49" charset="-120"/>
+                <a:ea typeface="華康儷粗黑" panose="020B0709000000000000" pitchFamily="49" charset="-120"/>
+              </a:rPr>
+              <a:t>登入</a:t>
+            </a:r>
+            <a:r>
+              <a:rPr lang="zh-TW" altLang="en-US" sz="3200" dirty="0">
+                <a:solidFill>
+                  <a:srgbClr val="614F4D"/>
+                </a:solidFill>
+                <a:latin typeface="華康儷粗黑" panose="020B0709000000000000" pitchFamily="49" charset="-120"/>
+                <a:ea typeface="華康儷粗黑" panose="020B0709000000000000" pitchFamily="49" charset="-120"/>
+              </a:rPr>
+              <a:t>註冊</a:t>
+            </a:r>
+            <a:endParaRPr lang="zh-TW" altLang="en-US" sz="3200" dirty="0">
               <a:solidFill>
                 <a:srgbClr val="614F4D"/>
               </a:solidFill>
-              <a:latin typeface="Noto Sans CJK TC Black" panose="020B0A00000000000000" charset="-120"/>
-              <a:ea typeface="Noto Sans CJK TC Black" panose="020B0A00000000000000" charset="-120"/>
+              <a:latin typeface="華康儷粗黑" panose="020B0709000000000000" pitchFamily="49" charset="-120"/>
+              <a:ea typeface="華康儷粗黑" panose="020B0709000000000000" pitchFamily="49" charset="-120"/>
             </a:endParaRPr>
           </a:p>
         </p:txBody>
@@ -3676,6 +8520,7 @@
           </p:style>
           <p:txBody>
             <a:bodyPr rtlCol="0" anchor="ctr"/>
+            <a:lstStyle/>
             <a:p>
               <a:pPr algn="ctr"/>
               <a:endParaRPr lang="en-US"/>
@@ -3732,101 +8577,62 @@
           </p:spPr>
         </p:pic>
       </p:grpSp>
-      <p:pic>
-        <p:nvPicPr>
-          <p:cNvPr id="5" name="Content Placeholder 4"/>
-          <p:cNvPicPr>
-            <a:picLocks noChangeAspect="1"/>
-          </p:cNvPicPr>
+      <p:sp>
+        <p:nvSpPr>
+          <p:cNvPr id="8" name="內容版面配置區 7"/>
+          <p:cNvSpPr>
+            <a:spLocks noGrp="1"/>
+          </p:cNvSpPr>
           <p:nvPr>
             <p:ph sz="half" idx="1"/>
           </p:nvPr>
-        </p:nvPicPr>
-        <p:blipFill>
-          <a:blip r:embed="rId4"/>
-          <a:stretch>
-            <a:fillRect/>
-          </a:stretch>
-        </p:blipFill>
-        <p:spPr>
-          <a:xfrm>
-            <a:off x="838200" y="1826895"/>
-            <a:ext cx="5181600" cy="4348480"/>
-          </a:xfrm>
-          <a:prstGeom prst="rect">
-            <a:avLst/>
-          </a:prstGeom>
-          <a:effectLst>
-            <a:outerShdw blurRad="50800" dist="38100" dir="2700000" algn="tl" rotWithShape="0">
-              <a:prstClr val="black">
-                <a:alpha val="40000"/>
-              </a:prstClr>
-            </a:outerShdw>
-          </a:effectLst>
-        </p:spPr>
-      </p:pic>
-      <p:pic>
-        <p:nvPicPr>
-          <p:cNvPr id="8" name="Content Placeholder 7"/>
-          <p:cNvPicPr>
-            <a:picLocks noChangeAspect="1"/>
-          </p:cNvPicPr>
-          <p:nvPr>
-            <p:ph sz="half" idx="2"/>
-          </p:nvPr>
-        </p:nvPicPr>
-        <p:blipFill>
-          <a:blip r:embed="rId5"/>
-          <a:stretch>
-            <a:fillRect/>
-          </a:stretch>
-        </p:blipFill>
-        <p:spPr>
-          <a:xfrm>
-            <a:off x="6210935" y="1825625"/>
-            <a:ext cx="5102860" cy="4351655"/>
-          </a:xfrm>
-          <a:prstGeom prst="rect">
-            <a:avLst/>
-          </a:prstGeom>
-          <a:effectLst>
-            <a:outerShdw blurRad="50800" dist="38100" dir="2700000" algn="tl" rotWithShape="0">
-              <a:prstClr val="black">
-                <a:alpha val="40000"/>
-              </a:prstClr>
-            </a:outerShdw>
-          </a:effectLst>
-        </p:spPr>
-      </p:pic>
+        </p:nvSpPr>
+        <p:spPr/>
+        <p:txBody>
+          <a:bodyPr/>
+          <a:lstStyle/>
+          <a:p>
+            <a:endParaRPr lang="zh-TW" altLang="en-US"/>
+          </a:p>
+        </p:txBody>
+      </p:sp>
     </p:spTree>
+    <p:extLst>
+      <p:ext uri="{BB962C8B-B14F-4D97-AF65-F5344CB8AC3E}">
+        <p14:creationId xmlns:p14="http://schemas.microsoft.com/office/powerpoint/2010/main" val="657620745"/>
+      </p:ext>
+    </p:extLst>
   </p:cSld>
   <p:clrMapOvr>
     <a:masterClrMapping/>
   </p:clrMapOvr>
+  <p:timing>
+    <p:tnLst>
+      <p:par>
+        <p:cTn id="1" dur="indefinite" restart="never" nodeType="tmRoot"/>
+      </p:par>
+    </p:tnLst>
+  </p:timing>
 </p:sld>
 </file>
 
-<file path=ppt/slides/slide5.xml><?xml version="1.0" encoding="utf-8"?>
+<file path=ppt/slides/slide8.xml><?xml version="1.0" encoding="utf-8"?>
 <p:sld xmlns:a="http://schemas.openxmlformats.org/drawingml/2006/main" xmlns:r="http://schemas.openxmlformats.org/officeDocument/2006/relationships" xmlns:p="http://schemas.openxmlformats.org/presentationml/2006/main">
   <p:cSld>
-    <p:bg>
-      <p:bgPr>
-        <a:blipFill>
-          <a:blip r:embed="rId1"/>
-          <a:stretch>
-            <a:fillRect/>
-          </a:stretch>
-        </a:blipFill>
-        <a:effectLst/>
-      </p:bgPr>
-    </p:bg>
     <p:spTree>
       <p:nvGrpSpPr>
         <p:cNvPr id="1" name=""/>
         <p:cNvGrpSpPr/>
         <p:nvPr/>
       </p:nvGrpSpPr>
-      <p:grpSpPr/>
+      <p:grpSpPr>
+        <a:xfrm>
+          <a:off x="0" y="0"/>
+          <a:ext cx="0" cy="0"/>
+          <a:chOff x="0" y="0"/>
+          <a:chExt cx="0" cy="0"/>
+        </a:xfrm>
+      </p:grpSpPr>
       <p:sp>
         <p:nvSpPr>
           <p:cNvPr id="2" name="Title 1"/>
@@ -3837,27 +8643,55 @@
             <p:ph type="title"/>
           </p:nvPr>
         </p:nvSpPr>
-        <p:spPr/>
-        <p:txBody>
-          <a:bodyPr anchor="ctr" anchorCtr="0"/>
+        <p:spPr>
+          <a:xfrm>
+            <a:off x="838200" y="365126"/>
+            <a:ext cx="10515600" cy="667702"/>
+          </a:xfrm>
+        </p:spPr>
+        <p:txBody>
+          <a:bodyPr anchor="ctr" anchorCtr="0">
+            <a:normAutofit/>
+          </a:bodyPr>
+          <a:lstStyle/>
           <a:p>
             <a:pPr algn="ctr"/>
             <a:r>
-              <a:rPr lang="zh-TW" altLang="en-US" sz="6000" dirty="0">
+              <a:rPr lang="zh-TW" altLang="en-US" sz="3200" dirty="0">
                 <a:solidFill>
                   <a:srgbClr val="614F4D"/>
                 </a:solidFill>
-                <a:latin typeface="Noto Sans CJK TC Black" panose="020B0A00000000000000" charset="-120"/>
-                <a:ea typeface="Noto Sans CJK TC Black" panose="020B0A00000000000000" charset="-120"/>
+                <a:latin typeface="華康儷粗黑" panose="020B0709000000000000" pitchFamily="49" charset="-120"/>
+                <a:ea typeface="華康儷粗黑" panose="020B0709000000000000" pitchFamily="49" charset="-120"/>
               </a:rPr>
-              <a:t>主題構想</a:t>
-            </a:r>
-            <a:endParaRPr lang="zh-TW" altLang="en-US" sz="6000" dirty="0">
+              <a:t>畫面配置 </a:t>
+            </a:r>
+            <a:r>
+              <a:rPr lang="en-US" altLang="zh-TW" sz="3200" dirty="0">
+                <a:solidFill>
+                  <a:srgbClr val="614F4D"/>
+                </a:solidFill>
+                <a:latin typeface="華康儷粗黑" panose="020B0709000000000000" pitchFamily="49" charset="-120"/>
+                <a:ea typeface="華康儷粗黑" panose="020B0709000000000000" pitchFamily="49" charset="-120"/>
+              </a:rPr>
+              <a:t>/ </a:t>
+            </a:r>
+            <a:r>
+              <a:rPr lang="zh-TW" altLang="en-US" sz="3200" dirty="0">
+                <a:solidFill>
+                  <a:srgbClr val="614F4D"/>
+                </a:solidFill>
+                <a:latin typeface="華康儷粗黑" panose="020B0709000000000000" pitchFamily="49" charset="-120"/>
+                <a:ea typeface="華康儷粗黑" panose="020B0709000000000000" pitchFamily="49" charset="-120"/>
+              </a:rPr>
+              <a:t>精選字帖</a:t>
+            </a:r>
+            <a:endParaRPr lang="zh-TW" altLang="en-US" sz="3200" dirty="0">
               <a:solidFill>
                 <a:srgbClr val="614F4D"/>
               </a:solidFill>
-              <a:latin typeface="Noto Sans CJK TC Black" panose="020B0A00000000000000" charset="-120"/>
-              <a:ea typeface="Noto Sans CJK TC Black" panose="020B0A00000000000000" charset="-120"/>
+              <a:latin typeface="華康儷粗黑" panose="020B0709000000000000" pitchFamily="49" charset="-120"/>
+              <a:ea typeface="華康儷粗黑" panose="020B0709000000000000" pitchFamily="49" charset="-120"/>
             </a:endParaRPr>
           </a:p>
         </p:txBody>
@@ -3919,6 +8753,7 @@
           </p:style>
           <p:txBody>
             <a:bodyPr rtlCol="0" anchor="ctr"/>
+            <a:lstStyle/>
             <a:p>
               <a:pPr algn="ctr"/>
               <a:endParaRPr lang="en-US"/>
@@ -3977,7 +8812,7 @@
       </p:grpSp>
       <p:sp>
         <p:nvSpPr>
-          <p:cNvPr id="3" name="Content Placeholder 2"/>
+          <p:cNvPr id="3" name="內容版面配置區 2"/>
           <p:cNvSpPr>
             <a:spLocks noGrp="1"/>
           </p:cNvSpPr>
@@ -3985,167 +8820,52 @@
             <p:ph sz="half" idx="1"/>
           </p:nvPr>
         </p:nvSpPr>
-        <p:spPr>
-          <a:xfrm>
-            <a:off x="2489835" y="1598295"/>
-            <a:ext cx="7988300" cy="4351655"/>
-          </a:xfrm>
-        </p:spPr>
-        <p:txBody>
-          <a:bodyPr>
-            <a:normAutofit lnSpcReduction="10000"/>
-          </a:bodyPr>
-          <a:p>
-            <a:pPr marL="0" algn="l">
-              <a:lnSpc>
-                <a:spcPct val="150000"/>
-              </a:lnSpc>
-              <a:buClrTx/>
-              <a:buSzTx/>
-              <a:buNone/>
-            </a:pPr>
-            <a:r>
-              <a:rPr lang="en-US" altLang="zh-TW" sz="4400" dirty="0">
-                <a:solidFill>
-                  <a:schemeClr val="tx1"/>
-                </a:solidFill>
-                <a:latin typeface="Noto Sans CJK TC Black" panose="020B0A00000000000000" charset="-120"/>
-                <a:ea typeface="Noto Sans CJK TC Black" panose="020B0A00000000000000" charset="-120"/>
-                <a:cs typeface="+mj-cs"/>
-              </a:rPr>
-              <a:t>/  </a:t>
-            </a:r>
-            <a:r>
-              <a:rPr lang="zh-TW" altLang="en-US" sz="4400" dirty="0">
-                <a:solidFill>
-                  <a:schemeClr val="tx1"/>
-                </a:solidFill>
-                <a:latin typeface="Noto Sans CJK TC Black" panose="020B0A00000000000000" charset="-120"/>
-                <a:ea typeface="Noto Sans CJK TC Black" panose="020B0A00000000000000" charset="-120"/>
-                <a:cs typeface="+mj-cs"/>
-              </a:rPr>
-              <a:t>可以收藏喜歡的字帖</a:t>
-            </a:r>
-            <a:endParaRPr lang="zh-TW" altLang="en-US" sz="4400" dirty="0">
-              <a:solidFill>
-                <a:schemeClr val="tx1"/>
-              </a:solidFill>
-              <a:latin typeface="Noto Sans CJK TC Black" panose="020B0A00000000000000" charset="-120"/>
-              <a:ea typeface="Noto Sans CJK TC Black" panose="020B0A00000000000000" charset="-120"/>
-              <a:cs typeface="+mj-cs"/>
-            </a:endParaRPr>
-          </a:p>
-          <a:p>
-            <a:pPr marL="0" algn="l">
-              <a:lnSpc>
-                <a:spcPct val="150000"/>
-              </a:lnSpc>
-              <a:buClrTx/>
-              <a:buSzTx/>
-              <a:buNone/>
-            </a:pPr>
-            <a:r>
-              <a:rPr lang="en-US" altLang="zh-TW" sz="4400" dirty="0">
-                <a:solidFill>
-                  <a:schemeClr val="tx1"/>
-                </a:solidFill>
-                <a:latin typeface="Noto Sans CJK TC Black" panose="020B0A00000000000000" charset="-120"/>
-                <a:ea typeface="Noto Sans CJK TC Black" panose="020B0A00000000000000" charset="-120"/>
-                <a:cs typeface="+mj-cs"/>
-              </a:rPr>
-              <a:t>/  </a:t>
-            </a:r>
-            <a:r>
-              <a:rPr lang="zh-TW" altLang="en-US" sz="4400" dirty="0">
-                <a:solidFill>
-                  <a:schemeClr val="tx1"/>
-                </a:solidFill>
-                <a:latin typeface="Noto Sans CJK TC Black" panose="020B0A00000000000000" charset="-120"/>
-                <a:ea typeface="Noto Sans CJK TC Black" panose="020B0A00000000000000" charset="-120"/>
-                <a:cs typeface="+mj-cs"/>
-              </a:rPr>
-              <a:t>分享自己的作品</a:t>
-            </a:r>
-            <a:endParaRPr lang="zh-TW" altLang="en-US" sz="4400" dirty="0">
-              <a:solidFill>
-                <a:schemeClr val="tx1"/>
-              </a:solidFill>
-              <a:latin typeface="Noto Sans CJK TC Black" panose="020B0A00000000000000" charset="-120"/>
-              <a:ea typeface="Noto Sans CJK TC Black" panose="020B0A00000000000000" charset="-120"/>
-              <a:cs typeface="+mj-cs"/>
-            </a:endParaRPr>
-          </a:p>
-          <a:p>
-            <a:pPr marL="0" algn="l">
-              <a:lnSpc>
-                <a:spcPct val="150000"/>
-              </a:lnSpc>
-              <a:buClrTx/>
-              <a:buSzTx/>
-              <a:buNone/>
-            </a:pPr>
-            <a:r>
-              <a:rPr lang="en-US" altLang="zh-TW" sz="4400" dirty="0">
-                <a:solidFill>
-                  <a:schemeClr val="tx1"/>
-                </a:solidFill>
-                <a:latin typeface="Noto Sans CJK TC Black" panose="020B0A00000000000000" charset="-120"/>
-                <a:ea typeface="Noto Sans CJK TC Black" panose="020B0A00000000000000" charset="-120"/>
-                <a:cs typeface="+mj-cs"/>
-              </a:rPr>
-              <a:t>/  </a:t>
-            </a:r>
-            <a:r>
-              <a:rPr lang="zh-TW" altLang="en-US" sz="4400" dirty="0">
-                <a:solidFill>
-                  <a:schemeClr val="tx1"/>
-                </a:solidFill>
-                <a:latin typeface="Noto Sans CJK TC Black" panose="020B0A00000000000000" charset="-120"/>
-                <a:ea typeface="Noto Sans CJK TC Black" panose="020B0A00000000000000" charset="-120"/>
-                <a:cs typeface="+mj-cs"/>
-              </a:rPr>
-              <a:t>草書、行書</a:t>
-            </a:r>
-            <a:endParaRPr lang="zh-TW" altLang="en-US" sz="4400" dirty="0">
-              <a:solidFill>
-                <a:schemeClr val="tx1"/>
-              </a:solidFill>
-              <a:latin typeface="Noto Sans CJK TC Black" panose="020B0A00000000000000" charset="-120"/>
-              <a:ea typeface="Noto Sans CJK TC Black" panose="020B0A00000000000000" charset="-120"/>
-              <a:cs typeface="+mj-cs"/>
-            </a:endParaRPr>
+        <p:spPr/>
+        <p:txBody>
+          <a:bodyPr/>
+          <a:lstStyle/>
+          <a:p>
+            <a:endParaRPr lang="zh-TW" altLang="en-US"/>
           </a:p>
         </p:txBody>
       </p:sp>
     </p:spTree>
+    <p:extLst>
+      <p:ext uri="{BB962C8B-B14F-4D97-AF65-F5344CB8AC3E}">
+        <p14:creationId xmlns:p14="http://schemas.microsoft.com/office/powerpoint/2010/main" val="583458952"/>
+      </p:ext>
+    </p:extLst>
   </p:cSld>
   <p:clrMapOvr>
     <a:masterClrMapping/>
   </p:clrMapOvr>
+  <p:timing>
+    <p:tnLst>
+      <p:par>
+        <p:cTn id="1" dur="indefinite" restart="never" nodeType="tmRoot"/>
+      </p:par>
+    </p:tnLst>
+  </p:timing>
 </p:sld>
 </file>
 
-<file path=ppt/slides/slide6.xml><?xml version="1.0" encoding="utf-8"?>
+<file path=ppt/slides/slide9.xml><?xml version="1.0" encoding="utf-8"?>
 <p:sld xmlns:a="http://schemas.openxmlformats.org/drawingml/2006/main" xmlns:r="http://schemas.openxmlformats.org/officeDocument/2006/relationships" xmlns:p="http://schemas.openxmlformats.org/presentationml/2006/main">
   <p:cSld>
-    <p:bg>
-      <p:bgPr>
-        <a:blipFill>
-          <a:blip r:embed="rId1"/>
-          <a:stretch>
-            <a:fillRect/>
-          </a:stretch>
-        </a:blipFill>
-        <a:effectLst/>
-      </p:bgPr>
-    </p:bg>
     <p:spTree>
       <p:nvGrpSpPr>
         <p:cNvPr id="1" name=""/>
         <p:cNvGrpSpPr/>
         <p:nvPr/>
       </p:nvGrpSpPr>
-      <p:grpSpPr/>
+      <p:grpSpPr>
+        <a:xfrm>
+          <a:off x="0" y="0"/>
+          <a:ext cx="0" cy="0"/>
+          <a:chOff x="0" y="0"/>
+          <a:chExt cx="0" cy="0"/>
+        </a:xfrm>
+      </p:grpSpPr>
       <p:sp>
         <p:nvSpPr>
           <p:cNvPr id="2" name="Title 1"/>
@@ -4156,27 +8876,53 @@
             <p:ph type="title"/>
           </p:nvPr>
         </p:nvSpPr>
-        <p:spPr/>
+        <p:spPr>
+          <a:xfrm>
+            <a:off x="838200" y="365126"/>
+            <a:ext cx="10515600" cy="667702"/>
+          </a:xfrm>
+        </p:spPr>
         <p:txBody>
           <a:bodyPr anchor="ctr" anchorCtr="0"/>
+          <a:lstStyle/>
           <a:p>
             <a:pPr algn="ctr"/>
             <a:r>
-              <a:rPr lang="zh-TW" altLang="en-US" sz="6000" dirty="0">
+              <a:rPr lang="zh-TW" altLang="en-US" sz="3200" dirty="0">
                 <a:solidFill>
                   <a:srgbClr val="614F4D"/>
                 </a:solidFill>
-                <a:latin typeface="Noto Sans CJK TC Black" panose="020B0A00000000000000" charset="-120"/>
-                <a:ea typeface="Noto Sans CJK TC Black" panose="020B0A00000000000000" charset="-120"/>
+                <a:latin typeface="華康儷粗黑" panose="020B0709000000000000" pitchFamily="49" charset="-120"/>
+                <a:ea typeface="華康儷粗黑" panose="020B0709000000000000" pitchFamily="49" charset="-120"/>
               </a:rPr>
-              <a:t>網站架構</a:t>
-            </a:r>
-            <a:endParaRPr lang="zh-TW" altLang="en-US" sz="6000" dirty="0">
+              <a:t>畫面配置 </a:t>
+            </a:r>
+            <a:r>
+              <a:rPr lang="en-US" altLang="zh-TW" sz="3200" dirty="0">
+                <a:solidFill>
+                  <a:srgbClr val="614F4D"/>
+                </a:solidFill>
+                <a:latin typeface="華康儷粗黑" panose="020B0709000000000000" pitchFamily="49" charset="-120"/>
+                <a:ea typeface="華康儷粗黑" panose="020B0709000000000000" pitchFamily="49" charset="-120"/>
+              </a:rPr>
+              <a:t>/ </a:t>
+            </a:r>
+            <a:r>
+              <a:rPr lang="zh-TW" altLang="en-US" sz="3200" dirty="0">
+                <a:solidFill>
+                  <a:srgbClr val="614F4D"/>
+                </a:solidFill>
+                <a:latin typeface="華康儷粗黑" panose="020B0709000000000000" pitchFamily="49" charset="-120"/>
+                <a:ea typeface="華康儷粗黑" panose="020B0709000000000000" pitchFamily="49" charset="-120"/>
+              </a:rPr>
+              <a:t>店家資訊</a:t>
+            </a:r>
+            <a:endParaRPr lang="zh-TW" altLang="en-US" sz="3200" dirty="0">
               <a:solidFill>
                 <a:srgbClr val="614F4D"/>
               </a:solidFill>
-              <a:latin typeface="Noto Sans CJK TC Black" panose="020B0A00000000000000" charset="-120"/>
-              <a:ea typeface="Noto Sans CJK TC Black" panose="020B0A00000000000000" charset="-120"/>
+              <a:latin typeface="華康儷粗黑" panose="020B0709000000000000" pitchFamily="49" charset="-120"/>
+              <a:ea typeface="華康儷粗黑" panose="020B0709000000000000" pitchFamily="49" charset="-120"/>
             </a:endParaRPr>
           </a:p>
         </p:txBody>
@@ -4238,6 +8984,7 @@
           </p:style>
           <p:txBody>
             <a:bodyPr rtlCol="0" anchor="ctr"/>
+            <a:lstStyle/>
             <a:p>
               <a:pPr algn="ctr"/>
               <a:endParaRPr lang="en-US"/>
@@ -4296,1314 +9043,40 @@
       </p:grpSp>
       <p:sp>
         <p:nvSpPr>
-          <p:cNvPr id="6" name="Flowchart: Process 5"/>
-          <p:cNvSpPr/>
-          <p:nvPr/>
-        </p:nvSpPr>
-        <p:spPr>
-          <a:xfrm>
-            <a:off x="949325" y="2933065"/>
-            <a:ext cx="641985" cy="1587500"/>
-          </a:xfrm>
-          <a:prstGeom prst="flowChartProcess">
-            <a:avLst/>
-          </a:prstGeom>
-          <a:solidFill>
-            <a:srgbClr val="7E2F28"/>
-          </a:solidFill>
-          <a:ln>
-            <a:noFill/>
-          </a:ln>
-        </p:spPr>
-        <p:style>
-          <a:lnRef idx="2">
-            <a:schemeClr val="accent1">
-              <a:shade val="50000"/>
-            </a:schemeClr>
-          </a:lnRef>
-          <a:fillRef idx="1">
-            <a:schemeClr val="accent1"/>
-          </a:fillRef>
-          <a:effectRef idx="0">
-            <a:schemeClr val="accent1"/>
-          </a:effectRef>
-          <a:fontRef idx="minor">
-            <a:schemeClr val="lt1"/>
-          </a:fontRef>
-        </p:style>
-        <p:txBody>
-          <a:bodyPr rtlCol="0" anchor="ctr"/>
-          <a:p>
-            <a:pPr algn="ctr"/>
-            <a:endParaRPr lang="en-US"/>
-          </a:p>
-        </p:txBody>
-      </p:sp>
-      <p:sp>
-        <p:nvSpPr>
-          <p:cNvPr id="9" name="Text Box 8"/>
-          <p:cNvSpPr txBox="1"/>
-          <p:nvPr/>
-        </p:nvSpPr>
-        <p:spPr>
-          <a:xfrm>
-            <a:off x="1040765" y="3070225"/>
-            <a:ext cx="459740" cy="1313815"/>
-          </a:xfrm>
-          <a:prstGeom prst="rect">
-            <a:avLst/>
-          </a:prstGeom>
-          <a:noFill/>
-        </p:spPr>
-        <p:txBody>
-          <a:bodyPr vert="eaVert" wrap="square" rtlCol="0">
-            <a:spAutoFit/>
-          </a:bodyPr>
-          <a:p>
-            <a:r>
-              <a:rPr lang="zh-TW" altLang="en-US">
-                <a:solidFill>
-                  <a:schemeClr val="bg1"/>
-                </a:solidFill>
-                <a:latin typeface="Noto Sans CJK TC Bold" panose="020B0800000000000000" charset="-120"/>
-                <a:ea typeface="Noto Sans CJK TC Bold" panose="020B0800000000000000" charset="-120"/>
-              </a:rPr>
-              <a:t>前</a:t>
-            </a:r>
-            <a:r>
-              <a:rPr lang="en-US" altLang="zh-TW">
-                <a:solidFill>
-                  <a:schemeClr val="bg1"/>
-                </a:solidFill>
-                <a:latin typeface="Noto Sans CJK TC Bold" panose="020B0800000000000000" charset="-120"/>
-                <a:ea typeface="Noto Sans CJK TC Bold" panose="020B0800000000000000" charset="-120"/>
-              </a:rPr>
-              <a:t> </a:t>
-            </a:r>
-            <a:r>
-              <a:rPr lang="zh-TW" altLang="en-US">
-                <a:solidFill>
-                  <a:schemeClr val="bg1"/>
-                </a:solidFill>
-                <a:latin typeface="Noto Sans CJK TC Bold" panose="020B0800000000000000" charset="-120"/>
-                <a:ea typeface="Noto Sans CJK TC Bold" panose="020B0800000000000000" charset="-120"/>
-              </a:rPr>
-              <a:t>臺</a:t>
-            </a:r>
-            <a:r>
-              <a:rPr lang="en-US" altLang="zh-TW">
-                <a:solidFill>
-                  <a:schemeClr val="bg1"/>
-                </a:solidFill>
-                <a:latin typeface="Noto Sans CJK TC Bold" panose="020B0800000000000000" charset="-120"/>
-                <a:ea typeface="Noto Sans CJK TC Bold" panose="020B0800000000000000" charset="-120"/>
-              </a:rPr>
-              <a:t>  / </a:t>
-            </a:r>
-            <a:r>
-              <a:rPr lang="zh-TW" altLang="en-US">
-                <a:solidFill>
-                  <a:schemeClr val="bg1"/>
-                </a:solidFill>
-                <a:latin typeface="Noto Sans CJK TC Bold" panose="020B0800000000000000" charset="-120"/>
-                <a:ea typeface="Noto Sans CJK TC Bold" panose="020B0800000000000000" charset="-120"/>
-              </a:rPr>
-              <a:t>首頁</a:t>
-            </a:r>
-            <a:endParaRPr lang="zh-TW" altLang="en-US">
-              <a:solidFill>
-                <a:schemeClr val="bg1"/>
-              </a:solidFill>
-              <a:latin typeface="Noto Sans CJK TC Bold" panose="020B0800000000000000" charset="-120"/>
-              <a:ea typeface="Noto Sans CJK TC Bold" panose="020B0800000000000000" charset="-120"/>
-            </a:endParaRPr>
-          </a:p>
-        </p:txBody>
-      </p:sp>
-      <p:sp>
-        <p:nvSpPr>
-          <p:cNvPr id="10" name="Flowchart: Process 9"/>
-          <p:cNvSpPr/>
-          <p:nvPr/>
-        </p:nvSpPr>
-        <p:spPr>
-          <a:xfrm>
-            <a:off x="2075815" y="2548890"/>
-            <a:ext cx="1788160" cy="520700"/>
-          </a:xfrm>
-          <a:prstGeom prst="flowChartProcess">
-            <a:avLst/>
-          </a:prstGeom>
-          <a:solidFill>
-            <a:srgbClr val="202938"/>
-          </a:solidFill>
-          <a:ln>
-            <a:noFill/>
-          </a:ln>
-        </p:spPr>
-        <p:style>
-          <a:lnRef idx="2">
-            <a:schemeClr val="accent1">
-              <a:shade val="50000"/>
-            </a:schemeClr>
-          </a:lnRef>
-          <a:fillRef idx="1">
-            <a:schemeClr val="accent1"/>
-          </a:fillRef>
-          <a:effectRef idx="0">
-            <a:schemeClr val="accent1"/>
-          </a:effectRef>
-          <a:fontRef idx="minor">
-            <a:schemeClr val="lt1"/>
-          </a:fontRef>
-        </p:style>
-        <p:txBody>
-          <a:bodyPr rtlCol="0" anchor="ctr"/>
-          <a:p>
-            <a:pPr algn="ctr"/>
-            <a:endParaRPr lang="en-US"/>
-          </a:p>
-        </p:txBody>
-      </p:sp>
-      <p:sp>
-        <p:nvSpPr>
-          <p:cNvPr id="16" name="Flowchart: Process 15"/>
-          <p:cNvSpPr/>
-          <p:nvPr/>
-        </p:nvSpPr>
-        <p:spPr>
-          <a:xfrm>
-            <a:off x="2066290" y="3214370"/>
-            <a:ext cx="1788160" cy="520700"/>
-          </a:xfrm>
-          <a:prstGeom prst="flowChartProcess">
-            <a:avLst/>
-          </a:prstGeom>
-          <a:solidFill>
-            <a:srgbClr val="202938"/>
-          </a:solidFill>
-          <a:ln>
-            <a:noFill/>
-          </a:ln>
-        </p:spPr>
-        <p:style>
-          <a:lnRef idx="2">
-            <a:schemeClr val="accent1">
-              <a:shade val="50000"/>
-            </a:schemeClr>
-          </a:lnRef>
-          <a:fillRef idx="1">
-            <a:schemeClr val="accent1"/>
-          </a:fillRef>
-          <a:effectRef idx="0">
-            <a:schemeClr val="accent1"/>
-          </a:effectRef>
-          <a:fontRef idx="minor">
-            <a:schemeClr val="lt1"/>
-          </a:fontRef>
-        </p:style>
-        <p:txBody>
-          <a:bodyPr rtlCol="0" anchor="ctr"/>
-          <a:p>
-            <a:pPr algn="ctr"/>
-            <a:endParaRPr lang="en-US"/>
-          </a:p>
-        </p:txBody>
-      </p:sp>
-      <p:sp>
-        <p:nvSpPr>
-          <p:cNvPr id="17" name="Flowchart: Process 16"/>
-          <p:cNvSpPr/>
-          <p:nvPr/>
-        </p:nvSpPr>
-        <p:spPr>
-          <a:xfrm>
-            <a:off x="2075815" y="3879850"/>
-            <a:ext cx="1788160" cy="520700"/>
-          </a:xfrm>
-          <a:prstGeom prst="flowChartProcess">
-            <a:avLst/>
-          </a:prstGeom>
-          <a:solidFill>
-            <a:srgbClr val="202938"/>
-          </a:solidFill>
-          <a:ln>
-            <a:noFill/>
-          </a:ln>
-        </p:spPr>
-        <p:style>
-          <a:lnRef idx="2">
-            <a:schemeClr val="accent1">
-              <a:shade val="50000"/>
-            </a:schemeClr>
-          </a:lnRef>
-          <a:fillRef idx="1">
-            <a:schemeClr val="accent1"/>
-          </a:fillRef>
-          <a:effectRef idx="0">
-            <a:schemeClr val="accent1"/>
-          </a:effectRef>
-          <a:fontRef idx="minor">
-            <a:schemeClr val="lt1"/>
-          </a:fontRef>
-        </p:style>
-        <p:txBody>
-          <a:bodyPr rtlCol="0" anchor="ctr"/>
-          <a:p>
-            <a:pPr algn="ctr"/>
-            <a:endParaRPr lang="en-US"/>
-          </a:p>
-        </p:txBody>
-      </p:sp>
-      <p:sp>
-        <p:nvSpPr>
-          <p:cNvPr id="18" name="Flowchart: Process 17"/>
-          <p:cNvSpPr/>
-          <p:nvPr/>
-        </p:nvSpPr>
-        <p:spPr>
-          <a:xfrm>
-            <a:off x="2075815" y="4545330"/>
-            <a:ext cx="1788160" cy="520700"/>
-          </a:xfrm>
-          <a:prstGeom prst="flowChartProcess">
-            <a:avLst/>
-          </a:prstGeom>
-          <a:solidFill>
-            <a:srgbClr val="202938"/>
-          </a:solidFill>
-          <a:ln>
-            <a:noFill/>
-          </a:ln>
-        </p:spPr>
-        <p:style>
-          <a:lnRef idx="2">
-            <a:schemeClr val="accent1">
-              <a:shade val="50000"/>
-            </a:schemeClr>
-          </a:lnRef>
-          <a:fillRef idx="1">
-            <a:schemeClr val="accent1"/>
-          </a:fillRef>
-          <a:effectRef idx="0">
-            <a:schemeClr val="accent1"/>
-          </a:effectRef>
-          <a:fontRef idx="minor">
-            <a:schemeClr val="lt1"/>
-          </a:fontRef>
-        </p:style>
-        <p:txBody>
-          <a:bodyPr rtlCol="0" anchor="ctr"/>
-          <a:p>
-            <a:pPr algn="ctr"/>
-            <a:endParaRPr lang="en-US"/>
-          </a:p>
-        </p:txBody>
-      </p:sp>
-      <p:sp>
-        <p:nvSpPr>
-          <p:cNvPr id="19" name="Flowchart: Process 18"/>
-          <p:cNvSpPr/>
-          <p:nvPr/>
-        </p:nvSpPr>
-        <p:spPr>
-          <a:xfrm>
-            <a:off x="2075815" y="5210810"/>
-            <a:ext cx="1788160" cy="520700"/>
-          </a:xfrm>
-          <a:prstGeom prst="flowChartProcess">
-            <a:avLst/>
-          </a:prstGeom>
-          <a:solidFill>
-            <a:srgbClr val="202938"/>
-          </a:solidFill>
-          <a:ln>
-            <a:noFill/>
-          </a:ln>
-        </p:spPr>
-        <p:style>
-          <a:lnRef idx="2">
-            <a:schemeClr val="accent1">
-              <a:shade val="50000"/>
-            </a:schemeClr>
-          </a:lnRef>
-          <a:fillRef idx="1">
-            <a:schemeClr val="accent1"/>
-          </a:fillRef>
-          <a:effectRef idx="0">
-            <a:schemeClr val="accent1"/>
-          </a:effectRef>
-          <a:fontRef idx="minor">
-            <a:schemeClr val="lt1"/>
-          </a:fontRef>
-        </p:style>
-        <p:txBody>
-          <a:bodyPr rtlCol="0" anchor="ctr"/>
-          <a:p>
-            <a:pPr algn="ctr"/>
-            <a:endParaRPr lang="en-US"/>
-          </a:p>
-        </p:txBody>
-      </p:sp>
-      <p:cxnSp>
-        <p:nvCxnSpPr>
-          <p:cNvPr id="20" name="Elbow Connector 19"/>
-          <p:cNvCxnSpPr>
-            <a:stCxn id="6" idx="3"/>
-            <a:endCxn id="10" idx="1"/>
-          </p:cNvCxnSpPr>
-          <p:nvPr/>
-        </p:nvCxnSpPr>
-        <p:spPr>
-          <a:xfrm flipV="1">
-            <a:off x="1591310" y="2809240"/>
-            <a:ext cx="484505" cy="917575"/>
-          </a:xfrm>
-          <a:prstGeom prst="bentConnector3">
-            <a:avLst>
-              <a:gd name="adj1" fmla="val 50066"/>
-            </a:avLst>
-          </a:prstGeom>
-        </p:spPr>
-        <p:style>
-          <a:lnRef idx="1">
-            <a:schemeClr val="dk1"/>
-          </a:lnRef>
-          <a:fillRef idx="0">
-            <a:schemeClr val="dk1"/>
-          </a:fillRef>
-          <a:effectRef idx="0">
-            <a:schemeClr val="dk1"/>
-          </a:effectRef>
-          <a:fontRef idx="minor">
-            <a:schemeClr val="tx1"/>
-          </a:fontRef>
-        </p:style>
-      </p:cxnSp>
-      <p:cxnSp>
-        <p:nvCxnSpPr>
-          <p:cNvPr id="21" name="Elbow Connector 20"/>
-          <p:cNvCxnSpPr>
-            <a:stCxn id="6" idx="3"/>
-          </p:cNvCxnSpPr>
-          <p:nvPr/>
-        </p:nvCxnSpPr>
-        <p:spPr>
-          <a:xfrm flipV="1">
-            <a:off x="1591310" y="3435985"/>
-            <a:ext cx="484505" cy="290830"/>
-          </a:xfrm>
-          <a:prstGeom prst="bentConnector3">
-            <a:avLst>
-              <a:gd name="adj1" fmla="val 50066"/>
-            </a:avLst>
-          </a:prstGeom>
-        </p:spPr>
-        <p:style>
-          <a:lnRef idx="1">
-            <a:schemeClr val="dk1"/>
-          </a:lnRef>
-          <a:fillRef idx="0">
-            <a:schemeClr val="dk1"/>
-          </a:fillRef>
-          <a:effectRef idx="0">
-            <a:schemeClr val="dk1"/>
-          </a:effectRef>
-          <a:fontRef idx="minor">
-            <a:schemeClr val="tx1"/>
-          </a:fontRef>
-        </p:style>
-      </p:cxnSp>
-      <p:cxnSp>
-        <p:nvCxnSpPr>
-          <p:cNvPr id="22" name="Elbow Connector 21"/>
-          <p:cNvCxnSpPr/>
-          <p:nvPr/>
-        </p:nvCxnSpPr>
-        <p:spPr>
-          <a:xfrm>
-            <a:off x="1595755" y="3734435"/>
-            <a:ext cx="480060" cy="375285"/>
-          </a:xfrm>
-          <a:prstGeom prst="bentConnector3">
-            <a:avLst>
-              <a:gd name="adj1" fmla="val 50132"/>
-            </a:avLst>
-          </a:prstGeom>
-        </p:spPr>
-        <p:style>
-          <a:lnRef idx="1">
-            <a:schemeClr val="dk1"/>
-          </a:lnRef>
-          <a:fillRef idx="0">
-            <a:schemeClr val="dk1"/>
-          </a:fillRef>
-          <a:effectRef idx="0">
-            <a:schemeClr val="dk1"/>
-          </a:effectRef>
-          <a:fontRef idx="minor">
-            <a:schemeClr val="tx1"/>
-          </a:fontRef>
-        </p:style>
-      </p:cxnSp>
-      <p:cxnSp>
-        <p:nvCxnSpPr>
-          <p:cNvPr id="25" name="Elbow Connector 24"/>
-          <p:cNvCxnSpPr>
-            <a:stCxn id="6" idx="3"/>
-            <a:endCxn id="19" idx="1"/>
-          </p:cNvCxnSpPr>
-          <p:nvPr/>
-        </p:nvCxnSpPr>
-        <p:spPr>
-          <a:xfrm>
-            <a:off x="1591310" y="3726815"/>
-            <a:ext cx="484505" cy="1744345"/>
-          </a:xfrm>
-          <a:prstGeom prst="bentConnector3">
-            <a:avLst>
-              <a:gd name="adj1" fmla="val 50066"/>
-            </a:avLst>
-          </a:prstGeom>
-        </p:spPr>
-        <p:style>
-          <a:lnRef idx="1">
-            <a:schemeClr val="dk1"/>
-          </a:lnRef>
-          <a:fillRef idx="0">
-            <a:schemeClr val="dk1"/>
-          </a:fillRef>
-          <a:effectRef idx="0">
-            <a:schemeClr val="dk1"/>
-          </a:effectRef>
-          <a:fontRef idx="minor">
-            <a:schemeClr val="tx1"/>
-          </a:fontRef>
-        </p:style>
-      </p:cxnSp>
-      <p:cxnSp>
-        <p:nvCxnSpPr>
-          <p:cNvPr id="26" name="Elbow Connector 25"/>
-          <p:cNvCxnSpPr>
-            <a:endCxn id="18" idx="1"/>
-          </p:cNvCxnSpPr>
-          <p:nvPr/>
-        </p:nvCxnSpPr>
-        <p:spPr>
-          <a:xfrm rot="5400000" flipV="1">
-            <a:off x="1400175" y="4130040"/>
-            <a:ext cx="1113790" cy="236855"/>
-          </a:xfrm>
-          <a:prstGeom prst="bentConnector2">
-            <a:avLst/>
-          </a:prstGeom>
-        </p:spPr>
-        <p:style>
-          <a:lnRef idx="1">
-            <a:schemeClr val="dk1"/>
-          </a:lnRef>
-          <a:fillRef idx="0">
-            <a:schemeClr val="dk1"/>
-          </a:fillRef>
-          <a:effectRef idx="0">
-            <a:schemeClr val="dk1"/>
-          </a:effectRef>
-          <a:fontRef idx="minor">
-            <a:schemeClr val="tx1"/>
-          </a:fontRef>
-        </p:style>
-      </p:cxnSp>
-      <p:sp>
-        <p:nvSpPr>
-          <p:cNvPr id="27" name="Text Box 26"/>
-          <p:cNvSpPr txBox="1"/>
-          <p:nvPr/>
-        </p:nvSpPr>
-        <p:spPr>
-          <a:xfrm>
-            <a:off x="2294255" y="2625090"/>
-            <a:ext cx="1351280" cy="368300"/>
-          </a:xfrm>
-          <a:prstGeom prst="rect">
-            <a:avLst/>
-          </a:prstGeom>
-          <a:noFill/>
-        </p:spPr>
-        <p:txBody>
-          <a:bodyPr wrap="square" rtlCol="0">
-            <a:spAutoFit/>
-          </a:bodyPr>
-          <a:p>
-            <a:pPr algn="dist"/>
-            <a:r>
-              <a:rPr lang="zh-TW" altLang="en-US">
-                <a:solidFill>
-                  <a:schemeClr val="bg1"/>
-                </a:solidFill>
-                <a:latin typeface="Noto Sans CJK TC Bold" panose="020B0800000000000000" charset="-120"/>
-                <a:ea typeface="Noto Sans CJK TC Bold" panose="020B0800000000000000" charset="-120"/>
-              </a:rPr>
-              <a:t>精選字帖</a:t>
-            </a:r>
-            <a:endParaRPr lang="zh-TW" altLang="en-US">
-              <a:solidFill>
-                <a:schemeClr val="bg1"/>
-              </a:solidFill>
-              <a:latin typeface="Noto Sans CJK TC Bold" panose="020B0800000000000000" charset="-120"/>
-              <a:ea typeface="Noto Sans CJK TC Bold" panose="020B0800000000000000" charset="-120"/>
-            </a:endParaRPr>
-          </a:p>
-        </p:txBody>
-      </p:sp>
-      <p:sp>
-        <p:nvSpPr>
-          <p:cNvPr id="28" name="Text Box 27"/>
-          <p:cNvSpPr txBox="1"/>
-          <p:nvPr/>
-        </p:nvSpPr>
-        <p:spPr>
-          <a:xfrm>
-            <a:off x="2284730" y="3290570"/>
-            <a:ext cx="1351280" cy="368300"/>
-          </a:xfrm>
-          <a:prstGeom prst="rect">
-            <a:avLst/>
-          </a:prstGeom>
-          <a:noFill/>
-        </p:spPr>
-        <p:txBody>
-          <a:bodyPr wrap="square" rtlCol="0">
-            <a:spAutoFit/>
-          </a:bodyPr>
-          <a:p>
-            <a:pPr algn="dist"/>
-            <a:r>
-              <a:rPr lang="zh-TW" altLang="en-US">
-                <a:solidFill>
-                  <a:schemeClr val="bg1"/>
-                </a:solidFill>
-                <a:latin typeface="Noto Sans CJK TC Bold" panose="020B0800000000000000" charset="-120"/>
-                <a:ea typeface="Noto Sans CJK TC Bold" panose="020B0800000000000000" charset="-120"/>
-              </a:rPr>
-              <a:t>書法入門</a:t>
-            </a:r>
-            <a:endParaRPr lang="zh-TW" altLang="en-US">
-              <a:solidFill>
-                <a:schemeClr val="bg1"/>
-              </a:solidFill>
-              <a:latin typeface="Noto Sans CJK TC Bold" panose="020B0800000000000000" charset="-120"/>
-              <a:ea typeface="Noto Sans CJK TC Bold" panose="020B0800000000000000" charset="-120"/>
-            </a:endParaRPr>
-          </a:p>
-        </p:txBody>
-      </p:sp>
-      <p:sp>
-        <p:nvSpPr>
-          <p:cNvPr id="29" name="Text Box 28"/>
-          <p:cNvSpPr txBox="1"/>
-          <p:nvPr/>
-        </p:nvSpPr>
-        <p:spPr>
-          <a:xfrm>
-            <a:off x="2294255" y="3956050"/>
-            <a:ext cx="1351280" cy="368300"/>
-          </a:xfrm>
-          <a:prstGeom prst="rect">
-            <a:avLst/>
-          </a:prstGeom>
-          <a:noFill/>
-        </p:spPr>
-        <p:txBody>
-          <a:bodyPr wrap="square" rtlCol="0">
-            <a:spAutoFit/>
-          </a:bodyPr>
-          <a:p>
-            <a:pPr algn="dist"/>
-            <a:r>
-              <a:rPr lang="zh-TW" altLang="en-US">
-                <a:solidFill>
-                  <a:schemeClr val="bg1"/>
-                </a:solidFill>
-                <a:latin typeface="Noto Sans CJK TC Bold" panose="020B0800000000000000" charset="-120"/>
-                <a:ea typeface="Noto Sans CJK TC Bold" panose="020B0800000000000000" charset="-120"/>
-              </a:rPr>
-              <a:t>作品分享</a:t>
-            </a:r>
-            <a:endParaRPr lang="zh-TW" altLang="en-US">
-              <a:solidFill>
-                <a:schemeClr val="bg1"/>
-              </a:solidFill>
-              <a:latin typeface="Noto Sans CJK TC Bold" panose="020B0800000000000000" charset="-120"/>
-              <a:ea typeface="Noto Sans CJK TC Bold" panose="020B0800000000000000" charset="-120"/>
-            </a:endParaRPr>
-          </a:p>
-        </p:txBody>
-      </p:sp>
-      <p:sp>
-        <p:nvSpPr>
-          <p:cNvPr id="30" name="Text Box 29"/>
-          <p:cNvSpPr txBox="1"/>
-          <p:nvPr/>
-        </p:nvSpPr>
-        <p:spPr>
-          <a:xfrm>
-            <a:off x="2294255" y="4621530"/>
-            <a:ext cx="1351280" cy="368300"/>
-          </a:xfrm>
-          <a:prstGeom prst="rect">
-            <a:avLst/>
-          </a:prstGeom>
-          <a:noFill/>
-        </p:spPr>
-        <p:txBody>
-          <a:bodyPr wrap="square" rtlCol="0">
-            <a:spAutoFit/>
-          </a:bodyPr>
-          <a:p>
-            <a:pPr algn="dist"/>
-            <a:r>
-              <a:rPr lang="zh-TW" altLang="en-US">
-                <a:solidFill>
-                  <a:schemeClr val="bg1"/>
-                </a:solidFill>
-                <a:latin typeface="Noto Sans CJK TC Bold" panose="020B0800000000000000" charset="-120"/>
-                <a:ea typeface="Noto Sans CJK TC Bold" panose="020B0800000000000000" charset="-120"/>
-              </a:rPr>
-              <a:t>常見問題</a:t>
-            </a:r>
-            <a:endParaRPr lang="zh-TW" altLang="en-US">
-              <a:solidFill>
-                <a:schemeClr val="bg1"/>
-              </a:solidFill>
-              <a:latin typeface="Noto Sans CJK TC Bold" panose="020B0800000000000000" charset="-120"/>
-              <a:ea typeface="Noto Sans CJK TC Bold" panose="020B0800000000000000" charset="-120"/>
-            </a:endParaRPr>
-          </a:p>
-        </p:txBody>
-      </p:sp>
-      <p:sp>
-        <p:nvSpPr>
-          <p:cNvPr id="31" name="Text Box 30"/>
-          <p:cNvSpPr txBox="1"/>
-          <p:nvPr/>
-        </p:nvSpPr>
-        <p:spPr>
-          <a:xfrm>
-            <a:off x="2294255" y="5287010"/>
-            <a:ext cx="1351280" cy="368300"/>
-          </a:xfrm>
-          <a:prstGeom prst="rect">
-            <a:avLst/>
-          </a:prstGeom>
-          <a:noFill/>
-        </p:spPr>
-        <p:txBody>
-          <a:bodyPr wrap="square" rtlCol="0">
-            <a:spAutoFit/>
-          </a:bodyPr>
-          <a:p>
-            <a:pPr algn="dist"/>
-            <a:r>
-              <a:rPr lang="zh-TW" altLang="en-US">
-                <a:solidFill>
-                  <a:schemeClr val="bg1"/>
-                </a:solidFill>
-                <a:latin typeface="Noto Sans CJK TC Bold" panose="020B0800000000000000" charset="-120"/>
-                <a:ea typeface="Noto Sans CJK TC Bold" panose="020B0800000000000000" charset="-120"/>
-              </a:rPr>
-              <a:t>店家資訊</a:t>
-            </a:r>
-            <a:endParaRPr lang="zh-TW" altLang="en-US">
-              <a:solidFill>
-                <a:schemeClr val="bg1"/>
-              </a:solidFill>
-              <a:latin typeface="Noto Sans CJK TC Bold" panose="020B0800000000000000" charset="-120"/>
-              <a:ea typeface="Noto Sans CJK TC Bold" panose="020B0800000000000000" charset="-120"/>
-            </a:endParaRPr>
-          </a:p>
-        </p:txBody>
-      </p:sp>
-      <p:sp>
-        <p:nvSpPr>
-          <p:cNvPr id="32" name="Flowchart: Process 31"/>
-          <p:cNvSpPr/>
-          <p:nvPr/>
-        </p:nvSpPr>
-        <p:spPr>
-          <a:xfrm>
-            <a:off x="4112895" y="1813560"/>
-            <a:ext cx="1191895" cy="520700"/>
-          </a:xfrm>
-          <a:prstGeom prst="flowChartProcess">
-            <a:avLst/>
-          </a:prstGeom>
-          <a:solidFill>
-            <a:srgbClr val="45312A"/>
-          </a:solidFill>
-          <a:ln>
-            <a:noFill/>
-          </a:ln>
-        </p:spPr>
-        <p:style>
-          <a:lnRef idx="2">
-            <a:schemeClr val="accent1">
-              <a:shade val="50000"/>
-            </a:schemeClr>
-          </a:lnRef>
-          <a:fillRef idx="1">
-            <a:schemeClr val="accent1"/>
-          </a:fillRef>
-          <a:effectRef idx="0">
-            <a:schemeClr val="accent1"/>
-          </a:effectRef>
-          <a:fontRef idx="minor">
-            <a:schemeClr val="lt1"/>
-          </a:fontRef>
-        </p:style>
-        <p:txBody>
-          <a:bodyPr rtlCol="0" anchor="ctr"/>
-          <a:p>
-            <a:pPr algn="ctr"/>
-            <a:endParaRPr lang="en-US"/>
-          </a:p>
-        </p:txBody>
-      </p:sp>
-      <p:sp>
-        <p:nvSpPr>
-          <p:cNvPr id="33" name="Text Box 32"/>
-          <p:cNvSpPr txBox="1"/>
-          <p:nvPr/>
-        </p:nvSpPr>
-        <p:spPr>
-          <a:xfrm>
-            <a:off x="4263073" y="1889760"/>
-            <a:ext cx="891540" cy="368300"/>
-          </a:xfrm>
-          <a:prstGeom prst="rect">
-            <a:avLst/>
-          </a:prstGeom>
-          <a:noFill/>
-        </p:spPr>
-        <p:txBody>
-          <a:bodyPr wrap="square" rtlCol="0">
-            <a:spAutoFit/>
-          </a:bodyPr>
-          <a:p>
-            <a:pPr algn="dist"/>
-            <a:r>
-              <a:rPr lang="zh-TW" altLang="en-US">
-                <a:solidFill>
-                  <a:schemeClr val="bg1"/>
-                </a:solidFill>
-                <a:latin typeface="Noto Sans CJK TC Bold" panose="020B0800000000000000" charset="-120"/>
-                <a:ea typeface="Noto Sans CJK TC Bold" panose="020B0800000000000000" charset="-120"/>
-              </a:rPr>
-              <a:t>草書</a:t>
-            </a:r>
-            <a:endParaRPr lang="zh-TW" altLang="en-US">
-              <a:solidFill>
-                <a:schemeClr val="bg1"/>
-              </a:solidFill>
-              <a:latin typeface="Noto Sans CJK TC Bold" panose="020B0800000000000000" charset="-120"/>
-              <a:ea typeface="Noto Sans CJK TC Bold" panose="020B0800000000000000" charset="-120"/>
-            </a:endParaRPr>
-          </a:p>
-        </p:txBody>
-      </p:sp>
-      <p:sp>
-        <p:nvSpPr>
-          <p:cNvPr id="34" name="Flowchart: Process 33"/>
-          <p:cNvSpPr/>
-          <p:nvPr/>
-        </p:nvSpPr>
-        <p:spPr>
-          <a:xfrm>
-            <a:off x="4112895" y="2411095"/>
-            <a:ext cx="1191895" cy="520700"/>
-          </a:xfrm>
-          <a:prstGeom prst="flowChartProcess">
-            <a:avLst/>
-          </a:prstGeom>
-          <a:solidFill>
-            <a:srgbClr val="45312A"/>
-          </a:solidFill>
-          <a:ln>
-            <a:noFill/>
-          </a:ln>
-        </p:spPr>
-        <p:style>
-          <a:lnRef idx="2">
-            <a:schemeClr val="accent1">
-              <a:shade val="50000"/>
-            </a:schemeClr>
-          </a:lnRef>
-          <a:fillRef idx="1">
-            <a:schemeClr val="accent1"/>
-          </a:fillRef>
-          <a:effectRef idx="0">
-            <a:schemeClr val="accent1"/>
-          </a:effectRef>
-          <a:fontRef idx="minor">
-            <a:schemeClr val="lt1"/>
-          </a:fontRef>
-        </p:style>
-        <p:txBody>
-          <a:bodyPr rtlCol="0" anchor="ctr"/>
-          <a:p>
-            <a:pPr algn="ctr"/>
-            <a:endParaRPr lang="en-US"/>
-          </a:p>
-        </p:txBody>
-      </p:sp>
-      <p:sp>
-        <p:nvSpPr>
-          <p:cNvPr id="35" name="Text Box 34"/>
-          <p:cNvSpPr txBox="1"/>
-          <p:nvPr/>
-        </p:nvSpPr>
-        <p:spPr>
-          <a:xfrm>
-            <a:off x="4263073" y="2487295"/>
-            <a:ext cx="891540" cy="368300"/>
-          </a:xfrm>
-          <a:prstGeom prst="rect">
-            <a:avLst/>
-          </a:prstGeom>
-          <a:noFill/>
-        </p:spPr>
-        <p:txBody>
-          <a:bodyPr wrap="square" rtlCol="0">
-            <a:spAutoFit/>
-          </a:bodyPr>
-          <a:p>
-            <a:pPr algn="dist"/>
-            <a:r>
-              <a:rPr lang="zh-TW" altLang="en-US">
-                <a:solidFill>
-                  <a:schemeClr val="bg1"/>
-                </a:solidFill>
-                <a:latin typeface="Noto Sans CJK TC Bold" panose="020B0800000000000000" charset="-120"/>
-                <a:ea typeface="Noto Sans CJK TC Bold" panose="020B0800000000000000" charset="-120"/>
-              </a:rPr>
-              <a:t>行書</a:t>
-            </a:r>
-            <a:endParaRPr lang="zh-TW" altLang="en-US">
-              <a:solidFill>
-                <a:schemeClr val="bg1"/>
-              </a:solidFill>
-              <a:latin typeface="Noto Sans CJK TC Bold" panose="020B0800000000000000" charset="-120"/>
-              <a:ea typeface="Noto Sans CJK TC Bold" panose="020B0800000000000000" charset="-120"/>
-            </a:endParaRPr>
+          <p:cNvPr id="3" name="內容版面配置區 2"/>
+          <p:cNvSpPr>
+            <a:spLocks noGrp="1"/>
+          </p:cNvSpPr>
+          <p:nvPr>
+            <p:ph sz="half" idx="1"/>
+          </p:nvPr>
+        </p:nvSpPr>
+        <p:spPr/>
+        <p:txBody>
+          <a:bodyPr/>
+          <a:lstStyle/>
+          <a:p>
+            <a:endParaRPr lang="zh-TW" altLang="en-US"/>
           </a:p>
         </p:txBody>
       </p:sp>
     </p:spTree>
+    <p:extLst>
+      <p:ext uri="{BB962C8B-B14F-4D97-AF65-F5344CB8AC3E}">
+        <p14:creationId xmlns:p14="http://schemas.microsoft.com/office/powerpoint/2010/main" val="1642377272"/>
+      </p:ext>
+    </p:extLst>
   </p:cSld>
   <p:clrMapOvr>
     <a:masterClrMapping/>
   </p:clrMapOvr>
-</p:sld>
-</file>
-
-<file path=ppt/slides/slide7.xml><?xml version="1.0" encoding="utf-8"?>
-<p:sld xmlns:a="http://schemas.openxmlformats.org/drawingml/2006/main" xmlns:r="http://schemas.openxmlformats.org/officeDocument/2006/relationships" xmlns:p="http://schemas.openxmlformats.org/presentationml/2006/main">
-  <p:cSld>
-    <p:bg>
-      <p:bgPr>
-        <a:blipFill>
-          <a:blip r:embed="rId1"/>
-          <a:stretch>
-            <a:fillRect/>
-          </a:stretch>
-        </a:blipFill>
-        <a:effectLst/>
-      </p:bgPr>
-    </p:bg>
-    <p:spTree>
-      <p:nvGrpSpPr>
-        <p:cNvPr id="1" name=""/>
-        <p:cNvGrpSpPr/>
-        <p:nvPr/>
-      </p:nvGrpSpPr>
-      <p:grpSpPr/>
-      <p:sp>
-        <p:nvSpPr>
-          <p:cNvPr id="2" name="Title 1"/>
-          <p:cNvSpPr>
-            <a:spLocks noGrp="1"/>
-          </p:cNvSpPr>
-          <p:nvPr>
-            <p:ph type="title"/>
-          </p:nvPr>
-        </p:nvSpPr>
-        <p:spPr/>
-        <p:txBody>
-          <a:bodyPr anchor="ctr" anchorCtr="0"/>
-          <a:p>
-            <a:pPr algn="ctr"/>
-            <a:endParaRPr lang="zh-TW" altLang="en-US" sz="6000" dirty="0">
-              <a:solidFill>
-                <a:srgbClr val="614F4D"/>
-              </a:solidFill>
-              <a:latin typeface="Noto Sans CJK TC Black" panose="020B0A00000000000000" charset="-120"/>
-              <a:ea typeface="Noto Sans CJK TC Black" panose="020B0A00000000000000" charset="-120"/>
-            </a:endParaRPr>
-          </a:p>
-        </p:txBody>
-      </p:sp>
-      <p:grpSp>
-        <p:nvGrpSpPr>
-          <p:cNvPr id="12" name="Group 11"/>
-          <p:cNvGrpSpPr/>
-          <p:nvPr/>
-        </p:nvGrpSpPr>
-        <p:grpSpPr>
-          <a:xfrm>
-            <a:off x="-195580" y="-582930"/>
-            <a:ext cx="12285345" cy="7806055"/>
-            <a:chOff x="288" y="-642"/>
-            <a:chExt cx="19347" cy="12293"/>
-          </a:xfrm>
-        </p:grpSpPr>
-        <p:sp>
-          <p:nvSpPr>
-            <p:cNvPr id="13" name="Rounded Rectangle 12"/>
-            <p:cNvSpPr/>
-            <p:nvPr/>
-          </p:nvSpPr>
-          <p:spPr>
-            <a:xfrm>
-              <a:off x="2784" y="2517"/>
-              <a:ext cx="14313" cy="7568"/>
-            </a:xfrm>
-            <a:prstGeom prst="roundRect">
-              <a:avLst>
-                <a:gd name="adj" fmla="val 5787"/>
-              </a:avLst>
-            </a:prstGeom>
-            <a:solidFill>
-              <a:schemeClr val="bg1">
-                <a:alpha val="16000"/>
-              </a:schemeClr>
-            </a:solidFill>
-            <a:ln>
-              <a:noFill/>
-            </a:ln>
-          </p:spPr>
-          <p:style>
-            <a:lnRef idx="2">
-              <a:schemeClr val="accent1">
-                <a:shade val="50000"/>
-              </a:schemeClr>
-            </a:lnRef>
-            <a:fillRef idx="1">
-              <a:schemeClr val="accent1"/>
-            </a:fillRef>
-            <a:effectRef idx="0">
-              <a:schemeClr val="accent1"/>
-            </a:effectRef>
-            <a:fontRef idx="minor">
-              <a:schemeClr val="lt1"/>
-            </a:fontRef>
-          </p:style>
-          <p:txBody>
-            <a:bodyPr rtlCol="0" anchor="ctr"/>
-            <a:p>
-              <a:pPr algn="ctr"/>
-              <a:endParaRPr lang="en-US"/>
-            </a:p>
-          </p:txBody>
-        </p:sp>
-        <p:pic>
-          <p:nvPicPr>
-            <p:cNvPr id="14" name="Picture 13" descr="鳥"/>
-            <p:cNvPicPr>
-              <a:picLocks noChangeAspect="1"/>
-            </p:cNvPicPr>
-            <p:nvPr/>
-          </p:nvPicPr>
-          <p:blipFill>
-            <a:blip r:embed="rId2"/>
-            <a:stretch>
-              <a:fillRect/>
-            </a:stretch>
-          </p:blipFill>
-          <p:spPr>
-            <a:xfrm>
-              <a:off x="288" y="-642"/>
-              <a:ext cx="5250" cy="5895"/>
-            </a:xfrm>
-            <a:prstGeom prst="rect">
-              <a:avLst/>
-            </a:prstGeom>
-          </p:spPr>
-        </p:pic>
-        <p:pic>
-          <p:nvPicPr>
-            <p:cNvPr id="15" name="Picture 14" descr="mountain"/>
-            <p:cNvPicPr>
-              <a:picLocks noChangeAspect="1"/>
-            </p:cNvPicPr>
-            <p:nvPr/>
-          </p:nvPicPr>
-          <p:blipFill>
-            <a:blip r:embed="rId3"/>
-            <a:srcRect t="62647"/>
-            <a:stretch>
-              <a:fillRect/>
-            </a:stretch>
-          </p:blipFill>
-          <p:spPr>
-            <a:xfrm>
-              <a:off x="9315" y="5987"/>
-              <a:ext cx="10320" cy="5665"/>
-            </a:xfrm>
-            <a:prstGeom prst="rect">
-              <a:avLst/>
-            </a:prstGeom>
-          </p:spPr>
-        </p:pic>
-      </p:grpSp>
-      <p:sp>
-        <p:nvSpPr>
-          <p:cNvPr id="3" name="Content Placeholder 2"/>
-          <p:cNvSpPr/>
-          <p:nvPr>
-            <p:ph sz="half" idx="1"/>
-          </p:nvPr>
-        </p:nvSpPr>
-        <p:spPr/>
-        <p:txBody>
-          <a:bodyPr/>
-          <a:p>
-            <a:endParaRPr lang="en-US"/>
-          </a:p>
-        </p:txBody>
-      </p:sp>
-      <p:sp>
-        <p:nvSpPr>
-          <p:cNvPr id="4" name="Content Placeholder 3"/>
-          <p:cNvSpPr/>
-          <p:nvPr>
-            <p:ph sz="half" idx="2"/>
-          </p:nvPr>
-        </p:nvSpPr>
-        <p:spPr/>
-        <p:txBody>
-          <a:bodyPr/>
-          <a:p>
-            <a:endParaRPr lang="en-US"/>
-          </a:p>
-        </p:txBody>
-      </p:sp>
-    </p:spTree>
-  </p:cSld>
-  <p:clrMapOvr>
-    <a:masterClrMapping/>
-  </p:clrMapOvr>
-</p:sld>
-</file>
-
-<file path=ppt/slides/slide8.xml><?xml version="1.0" encoding="utf-8"?>
-<p:sld xmlns:a="http://schemas.openxmlformats.org/drawingml/2006/main" xmlns:r="http://schemas.openxmlformats.org/officeDocument/2006/relationships" xmlns:p="http://schemas.openxmlformats.org/presentationml/2006/main">
-  <p:cSld>
-    <p:bg>
-      <p:bgPr>
-        <a:blipFill>
-          <a:blip r:embed="rId1"/>
-          <a:stretch>
-            <a:fillRect/>
-          </a:stretch>
-        </a:blipFill>
-        <a:effectLst/>
-      </p:bgPr>
-    </p:bg>
-    <p:spTree>
-      <p:nvGrpSpPr>
-        <p:cNvPr id="1" name=""/>
-        <p:cNvGrpSpPr/>
-        <p:nvPr/>
-      </p:nvGrpSpPr>
-      <p:grpSpPr/>
-      <p:sp>
-        <p:nvSpPr>
-          <p:cNvPr id="2" name="Title 1"/>
-          <p:cNvSpPr>
-            <a:spLocks noGrp="1"/>
-          </p:cNvSpPr>
-          <p:nvPr>
-            <p:ph type="title"/>
-          </p:nvPr>
-        </p:nvSpPr>
-        <p:spPr/>
-        <p:txBody>
-          <a:bodyPr anchor="ctr" anchorCtr="0"/>
-          <a:p>
-            <a:pPr algn="ctr"/>
-            <a:r>
-              <a:rPr lang="zh-TW" altLang="en-US" sz="6000" dirty="0">
-                <a:solidFill>
-                  <a:srgbClr val="614F4D"/>
-                </a:solidFill>
-                <a:latin typeface="Noto Sans CJK TC Black" panose="020B0A00000000000000" charset="-120"/>
-                <a:ea typeface="Noto Sans CJK TC Black" panose="020B0A00000000000000" charset="-120"/>
-              </a:rPr>
-              <a:t>主題配色</a:t>
-            </a:r>
-            <a:endParaRPr lang="zh-TW" altLang="en-US" sz="6000" dirty="0">
-              <a:solidFill>
-                <a:srgbClr val="614F4D"/>
-              </a:solidFill>
-              <a:latin typeface="Noto Sans CJK TC Black" panose="020B0A00000000000000" charset="-120"/>
-              <a:ea typeface="Noto Sans CJK TC Black" panose="020B0A00000000000000" charset="-120"/>
-            </a:endParaRPr>
-          </a:p>
-        </p:txBody>
-      </p:sp>
-      <p:grpSp>
-        <p:nvGrpSpPr>
-          <p:cNvPr id="12" name="Group 11"/>
-          <p:cNvGrpSpPr/>
-          <p:nvPr/>
-        </p:nvGrpSpPr>
-        <p:grpSpPr>
-          <a:xfrm>
-            <a:off x="-195580" y="-582930"/>
-            <a:ext cx="12285345" cy="7806055"/>
-            <a:chOff x="288" y="-642"/>
-            <a:chExt cx="19347" cy="12293"/>
-          </a:xfrm>
-        </p:grpSpPr>
-        <p:sp>
-          <p:nvSpPr>
-            <p:cNvPr id="13" name="Rounded Rectangle 12"/>
-            <p:cNvSpPr/>
-            <p:nvPr/>
-          </p:nvSpPr>
-          <p:spPr>
-            <a:xfrm>
-              <a:off x="2784" y="2517"/>
-              <a:ext cx="14313" cy="7568"/>
-            </a:xfrm>
-            <a:prstGeom prst="roundRect">
-              <a:avLst>
-                <a:gd name="adj" fmla="val 5787"/>
-              </a:avLst>
-            </a:prstGeom>
-            <a:solidFill>
-              <a:schemeClr val="bg1">
-                <a:alpha val="16000"/>
-              </a:schemeClr>
-            </a:solidFill>
-            <a:ln>
-              <a:noFill/>
-            </a:ln>
-          </p:spPr>
-          <p:style>
-            <a:lnRef idx="2">
-              <a:schemeClr val="accent1">
-                <a:shade val="50000"/>
-              </a:schemeClr>
-            </a:lnRef>
-            <a:fillRef idx="1">
-              <a:schemeClr val="accent1"/>
-            </a:fillRef>
-            <a:effectRef idx="0">
-              <a:schemeClr val="accent1"/>
-            </a:effectRef>
-            <a:fontRef idx="minor">
-              <a:schemeClr val="lt1"/>
-            </a:fontRef>
-          </p:style>
-          <p:txBody>
-            <a:bodyPr rtlCol="0" anchor="ctr"/>
-            <a:p>
-              <a:pPr algn="ctr"/>
-              <a:endParaRPr lang="en-US"/>
-            </a:p>
-          </p:txBody>
-        </p:sp>
-        <p:pic>
-          <p:nvPicPr>
-            <p:cNvPr id="14" name="Picture 13" descr="鳥"/>
-            <p:cNvPicPr>
-              <a:picLocks noChangeAspect="1"/>
-            </p:cNvPicPr>
-            <p:nvPr/>
-          </p:nvPicPr>
-          <p:blipFill>
-            <a:blip r:embed="rId2"/>
-            <a:stretch>
-              <a:fillRect/>
-            </a:stretch>
-          </p:blipFill>
-          <p:spPr>
-            <a:xfrm>
-              <a:off x="288" y="-642"/>
-              <a:ext cx="5250" cy="5895"/>
-            </a:xfrm>
-            <a:prstGeom prst="rect">
-              <a:avLst/>
-            </a:prstGeom>
-          </p:spPr>
-        </p:pic>
-        <p:pic>
-          <p:nvPicPr>
-            <p:cNvPr id="15" name="Picture 14" descr="mountain"/>
-            <p:cNvPicPr>
-              <a:picLocks noChangeAspect="1"/>
-            </p:cNvPicPr>
-            <p:nvPr/>
-          </p:nvPicPr>
-          <p:blipFill>
-            <a:blip r:embed="rId3"/>
-            <a:srcRect t="62647"/>
-            <a:stretch>
-              <a:fillRect/>
-            </a:stretch>
-          </p:blipFill>
-          <p:spPr>
-            <a:xfrm>
-              <a:off x="9315" y="5987"/>
-              <a:ext cx="10320" cy="5665"/>
-            </a:xfrm>
-            <a:prstGeom prst="rect">
-              <a:avLst/>
-            </a:prstGeom>
-          </p:spPr>
-        </p:pic>
-      </p:grpSp>
-      <p:pic>
-        <p:nvPicPr>
-          <p:cNvPr id="5" name="Content Placeholder 4"/>
-          <p:cNvPicPr>
-            <a:picLocks noChangeAspect="1"/>
-          </p:cNvPicPr>
-          <p:nvPr>
-            <p:ph idx="1"/>
-          </p:nvPr>
-        </p:nvPicPr>
-        <p:blipFill>
-          <a:blip r:embed="rId4"/>
-          <a:stretch>
-            <a:fillRect/>
-          </a:stretch>
-        </p:blipFill>
-        <p:spPr>
-          <a:xfrm>
-            <a:off x="925830" y="1691005"/>
-            <a:ext cx="10515600" cy="2277745"/>
-          </a:xfrm>
-          <a:prstGeom prst="rect">
-            <a:avLst/>
-          </a:prstGeom>
-        </p:spPr>
-      </p:pic>
-    </p:spTree>
-  </p:cSld>
-  <p:clrMapOvr>
-    <a:masterClrMapping/>
-  </p:clrMapOvr>
+  <p:timing>
+    <p:tnLst>
+      <p:par>
+        <p:cTn id="1" dur="indefinite" restart="never" nodeType="tmRoot"/>
+      </p:par>
+    </p:tnLst>
+  </p:timing>
 </p:sld>
 </file>
 
@@ -5858,6 +9331,8 @@
       </a:bgFillStyleLst>
     </a:fmtScheme>
   </a:themeElements>
+  <a:objectDefaults/>
+  <a:extraClrSchemeLst/>
   <a:extLst>
     <a:ext uri="{05A4C25C-085E-4340-85A3-A5531E510DB2}">
       <thm15:themeFamily xmlns:thm15="http://schemas.microsoft.com/office/thememl/2012/main" name="Office Theme" id="{62F939B6-93AF-4DB8-9C6B-D6C7DFDC589F}" vid="{4A3C46E8-61CC-4603-A589-7422A47A8E4A}"/>
